--- a/0090_ber/rtl/schematic/lvds1.pptx
+++ b/0090_ber/rtl/schematic/lvds1.pptx
@@ -2,7 +2,7 @@
 <file path=ppt/presentation.xml><?xml version="1.0" encoding="utf-8"?>
 <p:presentation xmlns:a="http://schemas.openxmlformats.org/drawingml/2006/main" xmlns:r="http://schemas.openxmlformats.org/officeDocument/2006/relationships" xmlns:p="http://schemas.openxmlformats.org/presentationml/2006/main" saveSubsetFonts="1">
   <p:sldMasterIdLst>
-    <p:sldMasterId id="2147484501" r:id="rId1"/>
+    <p:sldMasterId id="2147484513" r:id="rId1"/>
   </p:sldMasterIdLst>
   <p:notesMasterIdLst>
     <p:notesMasterId r:id="rId3"/>
@@ -10,14 +10,14 @@
   <p:sldIdLst>
     <p:sldId id="262" r:id="rId2"/>
   </p:sldIdLst>
-  <p:sldSz cx="24688800" cy="17373600"/>
+  <p:sldSz cx="25603200" cy="18288000"/>
   <p:notesSz cx="6797675" cy="9926638"/>
   <p:defaultTextStyle>
     <a:defPPr>
       <a:defRPr lang="en-US"/>
     </a:defPPr>
-    <a:lvl1pPr marL="0" algn="l" defTabSz="3882025" rtl="0" eaLnBrk="1" latinLnBrk="0" hangingPunct="1">
-      <a:defRPr sz="7640" kern="1200">
+    <a:lvl1pPr marL="0" algn="l" defTabSz="4050505" rtl="0" eaLnBrk="1" latinLnBrk="0" hangingPunct="1">
+      <a:defRPr sz="7972" kern="1200">
         <a:solidFill>
           <a:schemeClr val="tx1"/>
         </a:solidFill>
@@ -26,8 +26,8 @@
         <a:cs typeface="+mn-cs"/>
       </a:defRPr>
     </a:lvl1pPr>
-    <a:lvl2pPr marL="1941009" algn="l" defTabSz="3882025" rtl="0" eaLnBrk="1" latinLnBrk="0" hangingPunct="1">
-      <a:defRPr sz="7640" kern="1200">
+    <a:lvl2pPr marL="2025249" algn="l" defTabSz="4050505" rtl="0" eaLnBrk="1" latinLnBrk="0" hangingPunct="1">
+      <a:defRPr sz="7972" kern="1200">
         <a:solidFill>
           <a:schemeClr val="tx1"/>
         </a:solidFill>
@@ -36,8 +36,8 @@
         <a:cs typeface="+mn-cs"/>
       </a:defRPr>
     </a:lvl2pPr>
-    <a:lvl3pPr marL="3882025" algn="l" defTabSz="3882025" rtl="0" eaLnBrk="1" latinLnBrk="0" hangingPunct="1">
-      <a:defRPr sz="7640" kern="1200">
+    <a:lvl3pPr marL="4050505" algn="l" defTabSz="4050505" rtl="0" eaLnBrk="1" latinLnBrk="0" hangingPunct="1">
+      <a:defRPr sz="7972" kern="1200">
         <a:solidFill>
           <a:schemeClr val="tx1"/>
         </a:solidFill>
@@ -46,8 +46,8 @@
         <a:cs typeface="+mn-cs"/>
       </a:defRPr>
     </a:lvl3pPr>
-    <a:lvl4pPr marL="5823037" algn="l" defTabSz="3882025" rtl="0" eaLnBrk="1" latinLnBrk="0" hangingPunct="1">
-      <a:defRPr sz="7640" kern="1200">
+    <a:lvl4pPr marL="6075757" algn="l" defTabSz="4050505" rtl="0" eaLnBrk="1" latinLnBrk="0" hangingPunct="1">
+      <a:defRPr sz="7972" kern="1200">
         <a:solidFill>
           <a:schemeClr val="tx1"/>
         </a:solidFill>
@@ -56,8 +56,8 @@
         <a:cs typeface="+mn-cs"/>
       </a:defRPr>
     </a:lvl4pPr>
-    <a:lvl5pPr marL="7764038" algn="l" defTabSz="3882025" rtl="0" eaLnBrk="1" latinLnBrk="0" hangingPunct="1">
-      <a:defRPr sz="7640" kern="1200">
+    <a:lvl5pPr marL="8100997" algn="l" defTabSz="4050505" rtl="0" eaLnBrk="1" latinLnBrk="0" hangingPunct="1">
+      <a:defRPr sz="7972" kern="1200">
         <a:solidFill>
           <a:schemeClr val="tx1"/>
         </a:solidFill>
@@ -66,8 +66,8 @@
         <a:cs typeface="+mn-cs"/>
       </a:defRPr>
     </a:lvl5pPr>
-    <a:lvl6pPr marL="9705056" algn="l" defTabSz="3882025" rtl="0" eaLnBrk="1" latinLnBrk="0" hangingPunct="1">
-      <a:defRPr sz="7640" kern="1200">
+    <a:lvl6pPr marL="10126255" algn="l" defTabSz="4050505" rtl="0" eaLnBrk="1" latinLnBrk="0" hangingPunct="1">
+      <a:defRPr sz="7972" kern="1200">
         <a:solidFill>
           <a:schemeClr val="tx1"/>
         </a:solidFill>
@@ -76,8 +76,8 @@
         <a:cs typeface="+mn-cs"/>
       </a:defRPr>
     </a:lvl6pPr>
-    <a:lvl7pPr marL="11646066" algn="l" defTabSz="3882025" rtl="0" eaLnBrk="1" latinLnBrk="0" hangingPunct="1">
-      <a:defRPr sz="7640" kern="1200">
+    <a:lvl7pPr marL="12151505" algn="l" defTabSz="4050505" rtl="0" eaLnBrk="1" latinLnBrk="0" hangingPunct="1">
+      <a:defRPr sz="7972" kern="1200">
         <a:solidFill>
           <a:schemeClr val="tx1"/>
         </a:solidFill>
@@ -86,8 +86,8 @@
         <a:cs typeface="+mn-cs"/>
       </a:defRPr>
     </a:lvl7pPr>
-    <a:lvl8pPr marL="13587078" algn="l" defTabSz="3882025" rtl="0" eaLnBrk="1" latinLnBrk="0" hangingPunct="1">
-      <a:defRPr sz="7640" kern="1200">
+    <a:lvl8pPr marL="14176757" algn="l" defTabSz="4050505" rtl="0" eaLnBrk="1" latinLnBrk="0" hangingPunct="1">
+      <a:defRPr sz="7972" kern="1200">
         <a:solidFill>
           <a:schemeClr val="tx1"/>
         </a:solidFill>
@@ -96,8 +96,8 @@
         <a:cs typeface="+mn-cs"/>
       </a:defRPr>
     </a:lvl8pPr>
-    <a:lvl9pPr marL="15528084" algn="l" defTabSz="3882025" rtl="0" eaLnBrk="1" latinLnBrk="0" hangingPunct="1">
-      <a:defRPr sz="7640" kern="1200">
+    <a:lvl9pPr marL="16202003" algn="l" defTabSz="4050505" rtl="0" eaLnBrk="1" latinLnBrk="0" hangingPunct="1">
+      <a:defRPr sz="7972" kern="1200">
         <a:solidFill>
           <a:schemeClr val="tx1"/>
         </a:solidFill>
@@ -197,7 +197,7 @@
           <a:p>
             <a:fld id="{B9E5BF02-4A65-43B2-AA51-912306618617}" type="datetimeFigureOut">
               <a:rPr lang="en-US" smtClean="0"/>
-              <a:t>10/6/2017</a:t>
+              <a:t>10/12/2017</a:t>
             </a:fld>
             <a:endParaRPr lang="en-US"/>
           </a:p>
@@ -215,8 +215,8 @@
         </p:nvSpPr>
         <p:spPr>
           <a:xfrm>
-            <a:off x="1019175" y="1241425"/>
-            <a:ext cx="4759325" cy="3349625"/>
+            <a:off x="1054100" y="1241425"/>
+            <a:ext cx="4689475" cy="3349625"/>
           </a:xfrm>
           <a:prstGeom prst="rect">
             <a:avLst/>
@@ -371,8 +371,8 @@
   </p:cSld>
   <p:clrMap bg1="lt1" tx1="dk1" bg2="lt2" tx2="dk2" accent1="accent1" accent2="accent2" accent3="accent3" accent4="accent4" accent5="accent5" accent6="accent6" hlink="hlink" folHlink="folHlink"/>
   <p:notesStyle>
-    <a:lvl1pPr marL="0" algn="l" defTabSz="3882025" rtl="0" eaLnBrk="1" latinLnBrk="0" hangingPunct="1">
-      <a:defRPr sz="5094" kern="1200">
+    <a:lvl1pPr marL="0" algn="l" defTabSz="4050505" rtl="0" eaLnBrk="1" latinLnBrk="0" hangingPunct="1">
+      <a:defRPr sz="5315" kern="1200">
         <a:solidFill>
           <a:schemeClr val="tx1"/>
         </a:solidFill>
@@ -381,8 +381,8 @@
         <a:cs typeface="+mn-cs"/>
       </a:defRPr>
     </a:lvl1pPr>
-    <a:lvl2pPr marL="1941009" algn="l" defTabSz="3882025" rtl="0" eaLnBrk="1" latinLnBrk="0" hangingPunct="1">
-      <a:defRPr sz="5094" kern="1200">
+    <a:lvl2pPr marL="2025249" algn="l" defTabSz="4050505" rtl="0" eaLnBrk="1" latinLnBrk="0" hangingPunct="1">
+      <a:defRPr sz="5315" kern="1200">
         <a:solidFill>
           <a:schemeClr val="tx1"/>
         </a:solidFill>
@@ -391,8 +391,8 @@
         <a:cs typeface="+mn-cs"/>
       </a:defRPr>
     </a:lvl2pPr>
-    <a:lvl3pPr marL="3882025" algn="l" defTabSz="3882025" rtl="0" eaLnBrk="1" latinLnBrk="0" hangingPunct="1">
-      <a:defRPr sz="5094" kern="1200">
+    <a:lvl3pPr marL="4050505" algn="l" defTabSz="4050505" rtl="0" eaLnBrk="1" latinLnBrk="0" hangingPunct="1">
+      <a:defRPr sz="5315" kern="1200">
         <a:solidFill>
           <a:schemeClr val="tx1"/>
         </a:solidFill>
@@ -401,8 +401,8 @@
         <a:cs typeface="+mn-cs"/>
       </a:defRPr>
     </a:lvl3pPr>
-    <a:lvl4pPr marL="5823037" algn="l" defTabSz="3882025" rtl="0" eaLnBrk="1" latinLnBrk="0" hangingPunct="1">
-      <a:defRPr sz="5094" kern="1200">
+    <a:lvl4pPr marL="6075757" algn="l" defTabSz="4050505" rtl="0" eaLnBrk="1" latinLnBrk="0" hangingPunct="1">
+      <a:defRPr sz="5315" kern="1200">
         <a:solidFill>
           <a:schemeClr val="tx1"/>
         </a:solidFill>
@@ -411,8 +411,8 @@
         <a:cs typeface="+mn-cs"/>
       </a:defRPr>
     </a:lvl4pPr>
-    <a:lvl5pPr marL="7764038" algn="l" defTabSz="3882025" rtl="0" eaLnBrk="1" latinLnBrk="0" hangingPunct="1">
-      <a:defRPr sz="5094" kern="1200">
+    <a:lvl5pPr marL="8100997" algn="l" defTabSz="4050505" rtl="0" eaLnBrk="1" latinLnBrk="0" hangingPunct="1">
+      <a:defRPr sz="5315" kern="1200">
         <a:solidFill>
           <a:schemeClr val="tx1"/>
         </a:solidFill>
@@ -421,8 +421,8 @@
         <a:cs typeface="+mn-cs"/>
       </a:defRPr>
     </a:lvl5pPr>
-    <a:lvl6pPr marL="9705056" algn="l" defTabSz="3882025" rtl="0" eaLnBrk="1" latinLnBrk="0" hangingPunct="1">
-      <a:defRPr sz="5094" kern="1200">
+    <a:lvl6pPr marL="10126255" algn="l" defTabSz="4050505" rtl="0" eaLnBrk="1" latinLnBrk="0" hangingPunct="1">
+      <a:defRPr sz="5315" kern="1200">
         <a:solidFill>
           <a:schemeClr val="tx1"/>
         </a:solidFill>
@@ -431,8 +431,8 @@
         <a:cs typeface="+mn-cs"/>
       </a:defRPr>
     </a:lvl6pPr>
-    <a:lvl7pPr marL="11646066" algn="l" defTabSz="3882025" rtl="0" eaLnBrk="1" latinLnBrk="0" hangingPunct="1">
-      <a:defRPr sz="5094" kern="1200">
+    <a:lvl7pPr marL="12151505" algn="l" defTabSz="4050505" rtl="0" eaLnBrk="1" latinLnBrk="0" hangingPunct="1">
+      <a:defRPr sz="5315" kern="1200">
         <a:solidFill>
           <a:schemeClr val="tx1"/>
         </a:solidFill>
@@ -441,8 +441,8 @@
         <a:cs typeface="+mn-cs"/>
       </a:defRPr>
     </a:lvl7pPr>
-    <a:lvl8pPr marL="13587078" algn="l" defTabSz="3882025" rtl="0" eaLnBrk="1" latinLnBrk="0" hangingPunct="1">
-      <a:defRPr sz="5094" kern="1200">
+    <a:lvl8pPr marL="14176757" algn="l" defTabSz="4050505" rtl="0" eaLnBrk="1" latinLnBrk="0" hangingPunct="1">
+      <a:defRPr sz="5315" kern="1200">
         <a:solidFill>
           <a:schemeClr val="tx1"/>
         </a:solidFill>
@@ -451,8 +451,8 @@
         <a:cs typeface="+mn-cs"/>
       </a:defRPr>
     </a:lvl8pPr>
-    <a:lvl9pPr marL="15528084" algn="l" defTabSz="3882025" rtl="0" eaLnBrk="1" latinLnBrk="0" hangingPunct="1">
-      <a:defRPr sz="5094" kern="1200">
+    <a:lvl9pPr marL="16202003" algn="l" defTabSz="4050505" rtl="0" eaLnBrk="1" latinLnBrk="0" hangingPunct="1">
+      <a:defRPr sz="5315" kern="1200">
         <a:solidFill>
           <a:schemeClr val="tx1"/>
         </a:solidFill>
@@ -494,8 +494,8 @@
         </p:nvSpPr>
         <p:spPr>
           <a:xfrm>
-            <a:off x="1019175" y="1241425"/>
-            <a:ext cx="4759325" cy="3349625"/>
+            <a:off x="1054100" y="1241425"/>
+            <a:ext cx="4689475" cy="3349625"/>
           </a:xfrm>
         </p:spPr>
       </p:sp>
@@ -583,15 +583,15 @@
         </p:nvSpPr>
         <p:spPr>
           <a:xfrm>
-            <a:off x="1851660" y="2843319"/>
-            <a:ext cx="20985480" cy="6048587"/>
+            <a:off x="1920240" y="2992968"/>
+            <a:ext cx="21762720" cy="6366933"/>
           </a:xfrm>
         </p:spPr>
         <p:txBody>
           <a:bodyPr anchor="b"/>
           <a:lstStyle>
             <a:lvl1pPr algn="ctr">
-              <a:defRPr sz="15200"/>
+              <a:defRPr sz="16000"/>
             </a:lvl1pPr>
           </a:lstStyle>
           <a:p>
@@ -615,8 +615,8 @@
         </p:nvSpPr>
         <p:spPr>
           <a:xfrm>
-            <a:off x="3086100" y="9125163"/>
-            <a:ext cx="18516600" cy="4194597"/>
+            <a:off x="3200400" y="9605435"/>
+            <a:ext cx="19202400" cy="4415365"/>
           </a:xfrm>
         </p:spPr>
         <p:txBody>
@@ -624,39 +624,39 @@
           <a:lstStyle>
             <a:lvl1pPr marL="0" indent="0" algn="ctr">
               <a:buNone/>
-              <a:defRPr sz="6080"/>
+              <a:defRPr sz="6400"/>
             </a:lvl1pPr>
-            <a:lvl2pPr marL="1158225" indent="0" algn="ctr">
+            <a:lvl2pPr marL="1219215" indent="0" algn="ctr">
               <a:buNone/>
-              <a:defRPr sz="5067"/>
+              <a:defRPr sz="5333"/>
             </a:lvl2pPr>
-            <a:lvl3pPr marL="2316450" indent="0" algn="ctr">
+            <a:lvl3pPr marL="2438430" indent="0" algn="ctr">
               <a:buNone/>
-              <a:defRPr sz="4560"/>
+              <a:defRPr sz="4800"/>
             </a:lvl3pPr>
-            <a:lvl4pPr marL="3474674" indent="0" algn="ctr">
+            <a:lvl4pPr marL="3657646" indent="0" algn="ctr">
               <a:buNone/>
-              <a:defRPr sz="4053"/>
+              <a:defRPr sz="4267"/>
             </a:lvl4pPr>
-            <a:lvl5pPr marL="4632899" indent="0" algn="ctr">
+            <a:lvl5pPr marL="4876861" indent="0" algn="ctr">
               <a:buNone/>
-              <a:defRPr sz="4053"/>
+              <a:defRPr sz="4267"/>
             </a:lvl5pPr>
-            <a:lvl6pPr marL="5791124" indent="0" algn="ctr">
+            <a:lvl6pPr marL="6096076" indent="0" algn="ctr">
               <a:buNone/>
-              <a:defRPr sz="4053"/>
+              <a:defRPr sz="4267"/>
             </a:lvl6pPr>
-            <a:lvl7pPr marL="6949349" indent="0" algn="ctr">
+            <a:lvl7pPr marL="7315291" indent="0" algn="ctr">
               <a:buNone/>
-              <a:defRPr sz="4053"/>
+              <a:defRPr sz="4267"/>
             </a:lvl7pPr>
-            <a:lvl8pPr marL="8107573" indent="0" algn="ctr">
+            <a:lvl8pPr marL="8534507" indent="0" algn="ctr">
               <a:buNone/>
-              <a:defRPr sz="4053"/>
+              <a:defRPr sz="4267"/>
             </a:lvl8pPr>
-            <a:lvl9pPr marL="9265798" indent="0" algn="ctr">
+            <a:lvl9pPr marL="9753722" indent="0" algn="ctr">
               <a:buNone/>
-              <a:defRPr sz="4053"/>
+              <a:defRPr sz="4267"/>
             </a:lvl9pPr>
           </a:lstStyle>
           <a:p>
@@ -685,7 +685,7 @@
           <a:p>
             <a:fld id="{F8F920B2-3E99-4C9D-9450-62A3DEC5476B}" type="datetimeFigureOut">
               <a:rPr lang="en-US" smtClean="0"/>
-              <a:t>10/6/2017</a:t>
+              <a:t>10/12/2017</a:t>
             </a:fld>
             <a:endParaRPr lang="en-US"/>
           </a:p>
@@ -736,7 +736,7 @@
     </p:spTree>
     <p:extLst>
       <p:ext uri="{BB962C8B-B14F-4D97-AF65-F5344CB8AC3E}">
-        <p14:creationId xmlns:p14="http://schemas.microsoft.com/office/powerpoint/2010/main" val="1576801935"/>
+        <p14:creationId xmlns:p14="http://schemas.microsoft.com/office/powerpoint/2010/main" val="3145381081"/>
       </p:ext>
     </p:extLst>
   </p:cSld>
@@ -855,7 +855,7 @@
           <a:p>
             <a:fld id="{F8F920B2-3E99-4C9D-9450-62A3DEC5476B}" type="datetimeFigureOut">
               <a:rPr lang="en-US" smtClean="0"/>
-              <a:t>10/6/2017</a:t>
+              <a:t>10/12/2017</a:t>
             </a:fld>
             <a:endParaRPr lang="en-US"/>
           </a:p>
@@ -906,7 +906,7 @@
     </p:spTree>
     <p:extLst>
       <p:ext uri="{BB962C8B-B14F-4D97-AF65-F5344CB8AC3E}">
-        <p14:creationId xmlns:p14="http://schemas.microsoft.com/office/powerpoint/2010/main" val="3870228880"/>
+        <p14:creationId xmlns:p14="http://schemas.microsoft.com/office/powerpoint/2010/main" val="4272540088"/>
       </p:ext>
     </p:extLst>
   </p:cSld>
@@ -945,8 +945,8 @@
         </p:nvSpPr>
         <p:spPr>
           <a:xfrm>
-            <a:off x="17667924" y="924983"/>
-            <a:ext cx="5323523" cy="14723323"/>
+            <a:off x="18322291" y="973667"/>
+            <a:ext cx="5520690" cy="15498235"/>
           </a:xfrm>
         </p:spPr>
         <p:txBody>
@@ -973,8 +973,8 @@
         </p:nvSpPr>
         <p:spPr>
           <a:xfrm>
-            <a:off x="1697356" y="924983"/>
-            <a:ext cx="15661958" cy="14723323"/>
+            <a:off x="1760221" y="973667"/>
+            <a:ext cx="16242030" cy="15498235"/>
           </a:xfrm>
         </p:spPr>
         <p:txBody>
@@ -1035,7 +1035,7 @@
           <a:p>
             <a:fld id="{F8F920B2-3E99-4C9D-9450-62A3DEC5476B}" type="datetimeFigureOut">
               <a:rPr lang="en-US" smtClean="0"/>
-              <a:t>10/6/2017</a:t>
+              <a:t>10/12/2017</a:t>
             </a:fld>
             <a:endParaRPr lang="en-US"/>
           </a:p>
@@ -1086,7 +1086,7 @@
     </p:spTree>
     <p:extLst>
       <p:ext uri="{BB962C8B-B14F-4D97-AF65-F5344CB8AC3E}">
-        <p14:creationId xmlns:p14="http://schemas.microsoft.com/office/powerpoint/2010/main" val="4130880659"/>
+        <p14:creationId xmlns:p14="http://schemas.microsoft.com/office/powerpoint/2010/main" val="382989275"/>
       </p:ext>
     </p:extLst>
   </p:cSld>
@@ -1205,7 +1205,7 @@
           <a:p>
             <a:fld id="{F8F920B2-3E99-4C9D-9450-62A3DEC5476B}" type="datetimeFigureOut">
               <a:rPr lang="en-US" smtClean="0"/>
-              <a:t>10/6/2017</a:t>
+              <a:t>10/12/2017</a:t>
             </a:fld>
             <a:endParaRPr lang="en-US"/>
           </a:p>
@@ -1256,7 +1256,7 @@
     </p:spTree>
     <p:extLst>
       <p:ext uri="{BB962C8B-B14F-4D97-AF65-F5344CB8AC3E}">
-        <p14:creationId xmlns:p14="http://schemas.microsoft.com/office/powerpoint/2010/main" val="2297672050"/>
+        <p14:creationId xmlns:p14="http://schemas.microsoft.com/office/powerpoint/2010/main" val="435677612"/>
       </p:ext>
     </p:extLst>
   </p:cSld>
@@ -1295,15 +1295,15 @@
         </p:nvSpPr>
         <p:spPr>
           <a:xfrm>
-            <a:off x="1684498" y="4331340"/>
-            <a:ext cx="21294090" cy="7226934"/>
+            <a:off x="1746886" y="4559305"/>
+            <a:ext cx="22082760" cy="7607299"/>
           </a:xfrm>
         </p:spPr>
         <p:txBody>
           <a:bodyPr anchor="b"/>
           <a:lstStyle>
             <a:lvl1pPr>
-              <a:defRPr sz="15200"/>
+              <a:defRPr sz="16000"/>
             </a:lvl1pPr>
           </a:lstStyle>
           <a:p>
@@ -1327,8 +1327,8 @@
         </p:nvSpPr>
         <p:spPr>
           <a:xfrm>
-            <a:off x="1684498" y="11626643"/>
-            <a:ext cx="21294090" cy="3800474"/>
+            <a:off x="1746886" y="12238572"/>
+            <a:ext cx="22082760" cy="4000499"/>
           </a:xfrm>
         </p:spPr>
         <p:txBody>
@@ -1336,15 +1336,15 @@
           <a:lstStyle>
             <a:lvl1pPr marL="0" indent="0">
               <a:buNone/>
-              <a:defRPr sz="6080">
+              <a:defRPr sz="6400">
                 <a:solidFill>
                   <a:schemeClr val="tx1"/>
                 </a:solidFill>
               </a:defRPr>
             </a:lvl1pPr>
-            <a:lvl2pPr marL="1158225" indent="0">
+            <a:lvl2pPr marL="1219215" indent="0">
               <a:buNone/>
-              <a:defRPr sz="5067">
+              <a:defRPr sz="5333">
                 <a:solidFill>
                   <a:schemeClr val="tx1">
                     <a:tint val="75000"/>
@@ -1352,9 +1352,9 @@
                 </a:solidFill>
               </a:defRPr>
             </a:lvl2pPr>
-            <a:lvl3pPr marL="2316450" indent="0">
+            <a:lvl3pPr marL="2438430" indent="0">
               <a:buNone/>
-              <a:defRPr sz="4560">
+              <a:defRPr sz="4800">
                 <a:solidFill>
                   <a:schemeClr val="tx1">
                     <a:tint val="75000"/>
@@ -1362,9 +1362,9 @@
                 </a:solidFill>
               </a:defRPr>
             </a:lvl3pPr>
-            <a:lvl4pPr marL="3474674" indent="0">
+            <a:lvl4pPr marL="3657646" indent="0">
               <a:buNone/>
-              <a:defRPr sz="4053">
+              <a:defRPr sz="4267">
                 <a:solidFill>
                   <a:schemeClr val="tx1">
                     <a:tint val="75000"/>
@@ -1372,9 +1372,9 @@
                 </a:solidFill>
               </a:defRPr>
             </a:lvl4pPr>
-            <a:lvl5pPr marL="4632899" indent="0">
+            <a:lvl5pPr marL="4876861" indent="0">
               <a:buNone/>
-              <a:defRPr sz="4053">
+              <a:defRPr sz="4267">
                 <a:solidFill>
                   <a:schemeClr val="tx1">
                     <a:tint val="75000"/>
@@ -1382,9 +1382,9 @@
                 </a:solidFill>
               </a:defRPr>
             </a:lvl5pPr>
-            <a:lvl6pPr marL="5791124" indent="0">
+            <a:lvl6pPr marL="6096076" indent="0">
               <a:buNone/>
-              <a:defRPr sz="4053">
+              <a:defRPr sz="4267">
                 <a:solidFill>
                   <a:schemeClr val="tx1">
                     <a:tint val="75000"/>
@@ -1392,9 +1392,9 @@
                 </a:solidFill>
               </a:defRPr>
             </a:lvl6pPr>
-            <a:lvl7pPr marL="6949349" indent="0">
+            <a:lvl7pPr marL="7315291" indent="0">
               <a:buNone/>
-              <a:defRPr sz="4053">
+              <a:defRPr sz="4267">
                 <a:solidFill>
                   <a:schemeClr val="tx1">
                     <a:tint val="75000"/>
@@ -1402,9 +1402,9 @@
                 </a:solidFill>
               </a:defRPr>
             </a:lvl7pPr>
-            <a:lvl8pPr marL="8107573" indent="0">
+            <a:lvl8pPr marL="8534507" indent="0">
               <a:buNone/>
-              <a:defRPr sz="4053">
+              <a:defRPr sz="4267">
                 <a:solidFill>
                   <a:schemeClr val="tx1">
                     <a:tint val="75000"/>
@@ -1412,9 +1412,9 @@
                 </a:solidFill>
               </a:defRPr>
             </a:lvl8pPr>
-            <a:lvl9pPr marL="9265798" indent="0">
+            <a:lvl9pPr marL="9753722" indent="0">
               <a:buNone/>
-              <a:defRPr sz="4053">
+              <a:defRPr sz="4267">
                 <a:solidFill>
                   <a:schemeClr val="tx1">
                     <a:tint val="75000"/>
@@ -1449,7 +1449,7 @@
           <a:p>
             <a:fld id="{F8F920B2-3E99-4C9D-9450-62A3DEC5476B}" type="datetimeFigureOut">
               <a:rPr lang="en-US" smtClean="0"/>
-              <a:t>10/6/2017</a:t>
+              <a:t>10/12/2017</a:t>
             </a:fld>
             <a:endParaRPr lang="en-US"/>
           </a:p>
@@ -1500,7 +1500,7 @@
     </p:spTree>
     <p:extLst>
       <p:ext uri="{BB962C8B-B14F-4D97-AF65-F5344CB8AC3E}">
-        <p14:creationId xmlns:p14="http://schemas.microsoft.com/office/powerpoint/2010/main" val="2362798812"/>
+        <p14:creationId xmlns:p14="http://schemas.microsoft.com/office/powerpoint/2010/main" val="1990666383"/>
       </p:ext>
     </p:extLst>
   </p:cSld>
@@ -1562,8 +1562,8 @@
         </p:nvSpPr>
         <p:spPr>
           <a:xfrm>
-            <a:off x="1697355" y="4624916"/>
-            <a:ext cx="10492740" cy="11023390"/>
+            <a:off x="1760220" y="4868333"/>
+            <a:ext cx="10881360" cy="11603568"/>
           </a:xfrm>
         </p:spPr>
         <p:txBody>
@@ -1619,8 +1619,8 @@
         </p:nvSpPr>
         <p:spPr>
           <a:xfrm>
-            <a:off x="12498705" y="4624916"/>
-            <a:ext cx="10492740" cy="11023390"/>
+            <a:off x="12961620" y="4868333"/>
+            <a:ext cx="10881360" cy="11603568"/>
           </a:xfrm>
         </p:spPr>
         <p:txBody>
@@ -1681,7 +1681,7 @@
           <a:p>
             <a:fld id="{F8F920B2-3E99-4C9D-9450-62A3DEC5476B}" type="datetimeFigureOut">
               <a:rPr lang="en-US" smtClean="0"/>
-              <a:t>10/6/2017</a:t>
+              <a:t>10/12/2017</a:t>
             </a:fld>
             <a:endParaRPr lang="en-US"/>
           </a:p>
@@ -1732,7 +1732,7 @@
     </p:spTree>
     <p:extLst>
       <p:ext uri="{BB962C8B-B14F-4D97-AF65-F5344CB8AC3E}">
-        <p14:creationId xmlns:p14="http://schemas.microsoft.com/office/powerpoint/2010/main" val="1140819290"/>
+        <p14:creationId xmlns:p14="http://schemas.microsoft.com/office/powerpoint/2010/main" val="3119035017"/>
       </p:ext>
     </p:extLst>
   </p:cSld>
@@ -1771,8 +1771,8 @@
         </p:nvSpPr>
         <p:spPr>
           <a:xfrm>
-            <a:off x="1700571" y="924987"/>
-            <a:ext cx="21294090" cy="3358093"/>
+            <a:off x="1763555" y="973671"/>
+            <a:ext cx="22082760" cy="3534835"/>
           </a:xfrm>
         </p:spPr>
         <p:txBody>
@@ -1799,8 +1799,8 @@
         </p:nvSpPr>
         <p:spPr>
           <a:xfrm>
-            <a:off x="1700573" y="4258946"/>
-            <a:ext cx="10444518" cy="2087244"/>
+            <a:off x="1763558" y="4483101"/>
+            <a:ext cx="10831352" cy="2197099"/>
           </a:xfrm>
         </p:spPr>
         <p:txBody>
@@ -1808,39 +1808,39 @@
           <a:lstStyle>
             <a:lvl1pPr marL="0" indent="0">
               <a:buNone/>
-              <a:defRPr sz="6080" b="1"/>
+              <a:defRPr sz="6400" b="1"/>
             </a:lvl1pPr>
-            <a:lvl2pPr marL="1158225" indent="0">
+            <a:lvl2pPr marL="1219215" indent="0">
               <a:buNone/>
-              <a:defRPr sz="5067" b="1"/>
+              <a:defRPr sz="5333" b="1"/>
             </a:lvl2pPr>
-            <a:lvl3pPr marL="2316450" indent="0">
+            <a:lvl3pPr marL="2438430" indent="0">
               <a:buNone/>
-              <a:defRPr sz="4560" b="1"/>
+              <a:defRPr sz="4800" b="1"/>
             </a:lvl3pPr>
-            <a:lvl4pPr marL="3474674" indent="0">
+            <a:lvl4pPr marL="3657646" indent="0">
               <a:buNone/>
-              <a:defRPr sz="4053" b="1"/>
+              <a:defRPr sz="4267" b="1"/>
             </a:lvl4pPr>
-            <a:lvl5pPr marL="4632899" indent="0">
+            <a:lvl5pPr marL="4876861" indent="0">
               <a:buNone/>
-              <a:defRPr sz="4053" b="1"/>
+              <a:defRPr sz="4267" b="1"/>
             </a:lvl5pPr>
-            <a:lvl6pPr marL="5791124" indent="0">
+            <a:lvl6pPr marL="6096076" indent="0">
               <a:buNone/>
-              <a:defRPr sz="4053" b="1"/>
+              <a:defRPr sz="4267" b="1"/>
             </a:lvl6pPr>
-            <a:lvl7pPr marL="6949349" indent="0">
+            <a:lvl7pPr marL="7315291" indent="0">
               <a:buNone/>
-              <a:defRPr sz="4053" b="1"/>
+              <a:defRPr sz="4267" b="1"/>
             </a:lvl7pPr>
-            <a:lvl8pPr marL="8107573" indent="0">
+            <a:lvl8pPr marL="8534507" indent="0">
               <a:buNone/>
-              <a:defRPr sz="4053" b="1"/>
+              <a:defRPr sz="4267" b="1"/>
             </a:lvl8pPr>
-            <a:lvl9pPr marL="9265798" indent="0">
+            <a:lvl9pPr marL="9753722" indent="0">
               <a:buNone/>
-              <a:defRPr sz="4053" b="1"/>
+              <a:defRPr sz="4267" b="1"/>
             </a:lvl9pPr>
           </a:lstStyle>
           <a:p>
@@ -1864,8 +1864,8 @@
         </p:nvSpPr>
         <p:spPr>
           <a:xfrm>
-            <a:off x="1700573" y="6346190"/>
-            <a:ext cx="10444518" cy="9334290"/>
+            <a:off x="1763558" y="6680200"/>
+            <a:ext cx="10831352" cy="9825568"/>
           </a:xfrm>
         </p:spPr>
         <p:txBody>
@@ -1921,8 +1921,8 @@
         </p:nvSpPr>
         <p:spPr>
           <a:xfrm>
-            <a:off x="12498706" y="4258946"/>
-            <a:ext cx="10495956" cy="2087244"/>
+            <a:off x="12961621" y="4483101"/>
+            <a:ext cx="10884695" cy="2197099"/>
           </a:xfrm>
         </p:spPr>
         <p:txBody>
@@ -1930,39 +1930,39 @@
           <a:lstStyle>
             <a:lvl1pPr marL="0" indent="0">
               <a:buNone/>
-              <a:defRPr sz="6080" b="1"/>
+              <a:defRPr sz="6400" b="1"/>
             </a:lvl1pPr>
-            <a:lvl2pPr marL="1158225" indent="0">
+            <a:lvl2pPr marL="1219215" indent="0">
               <a:buNone/>
-              <a:defRPr sz="5067" b="1"/>
+              <a:defRPr sz="5333" b="1"/>
             </a:lvl2pPr>
-            <a:lvl3pPr marL="2316450" indent="0">
+            <a:lvl3pPr marL="2438430" indent="0">
               <a:buNone/>
-              <a:defRPr sz="4560" b="1"/>
+              <a:defRPr sz="4800" b="1"/>
             </a:lvl3pPr>
-            <a:lvl4pPr marL="3474674" indent="0">
+            <a:lvl4pPr marL="3657646" indent="0">
               <a:buNone/>
-              <a:defRPr sz="4053" b="1"/>
+              <a:defRPr sz="4267" b="1"/>
             </a:lvl4pPr>
-            <a:lvl5pPr marL="4632899" indent="0">
+            <a:lvl5pPr marL="4876861" indent="0">
               <a:buNone/>
-              <a:defRPr sz="4053" b="1"/>
+              <a:defRPr sz="4267" b="1"/>
             </a:lvl5pPr>
-            <a:lvl6pPr marL="5791124" indent="0">
+            <a:lvl6pPr marL="6096076" indent="0">
               <a:buNone/>
-              <a:defRPr sz="4053" b="1"/>
+              <a:defRPr sz="4267" b="1"/>
             </a:lvl6pPr>
-            <a:lvl7pPr marL="6949349" indent="0">
+            <a:lvl7pPr marL="7315291" indent="0">
               <a:buNone/>
-              <a:defRPr sz="4053" b="1"/>
+              <a:defRPr sz="4267" b="1"/>
             </a:lvl7pPr>
-            <a:lvl8pPr marL="8107573" indent="0">
+            <a:lvl8pPr marL="8534507" indent="0">
               <a:buNone/>
-              <a:defRPr sz="4053" b="1"/>
+              <a:defRPr sz="4267" b="1"/>
             </a:lvl8pPr>
-            <a:lvl9pPr marL="9265798" indent="0">
+            <a:lvl9pPr marL="9753722" indent="0">
               <a:buNone/>
-              <a:defRPr sz="4053" b="1"/>
+              <a:defRPr sz="4267" b="1"/>
             </a:lvl9pPr>
           </a:lstStyle>
           <a:p>
@@ -1986,8 +1986,8 @@
         </p:nvSpPr>
         <p:spPr>
           <a:xfrm>
-            <a:off x="12498706" y="6346190"/>
-            <a:ext cx="10495956" cy="9334290"/>
+            <a:off x="12961621" y="6680200"/>
+            <a:ext cx="10884695" cy="9825568"/>
           </a:xfrm>
         </p:spPr>
         <p:txBody>
@@ -2048,7 +2048,7 @@
           <a:p>
             <a:fld id="{F8F920B2-3E99-4C9D-9450-62A3DEC5476B}" type="datetimeFigureOut">
               <a:rPr lang="en-US" smtClean="0"/>
-              <a:t>10/6/2017</a:t>
+              <a:t>10/12/2017</a:t>
             </a:fld>
             <a:endParaRPr lang="en-US"/>
           </a:p>
@@ -2099,7 +2099,7 @@
     </p:spTree>
     <p:extLst>
       <p:ext uri="{BB962C8B-B14F-4D97-AF65-F5344CB8AC3E}">
-        <p14:creationId xmlns:p14="http://schemas.microsoft.com/office/powerpoint/2010/main" val="3013997635"/>
+        <p14:creationId xmlns:p14="http://schemas.microsoft.com/office/powerpoint/2010/main" val="1217456912"/>
       </p:ext>
     </p:extLst>
   </p:cSld>
@@ -2166,7 +2166,7 @@
           <a:p>
             <a:fld id="{F8F920B2-3E99-4C9D-9450-62A3DEC5476B}" type="datetimeFigureOut">
               <a:rPr lang="en-US" smtClean="0"/>
-              <a:t>10/6/2017</a:t>
+              <a:t>10/12/2017</a:t>
             </a:fld>
             <a:endParaRPr lang="en-US"/>
           </a:p>
@@ -2217,7 +2217,7 @@
     </p:spTree>
     <p:extLst>
       <p:ext uri="{BB962C8B-B14F-4D97-AF65-F5344CB8AC3E}">
-        <p14:creationId xmlns:p14="http://schemas.microsoft.com/office/powerpoint/2010/main" val="1084961875"/>
+        <p14:creationId xmlns:p14="http://schemas.microsoft.com/office/powerpoint/2010/main" val="1153296595"/>
       </p:ext>
     </p:extLst>
   </p:cSld>
@@ -2261,7 +2261,7 @@
           <a:p>
             <a:fld id="{F8F920B2-3E99-4C9D-9450-62A3DEC5476B}" type="datetimeFigureOut">
               <a:rPr lang="en-US" smtClean="0"/>
-              <a:t>10/6/2017</a:t>
+              <a:t>10/12/2017</a:t>
             </a:fld>
             <a:endParaRPr lang="en-US"/>
           </a:p>
@@ -2312,7 +2312,7 @@
     </p:spTree>
     <p:extLst>
       <p:ext uri="{BB962C8B-B14F-4D97-AF65-F5344CB8AC3E}">
-        <p14:creationId xmlns:p14="http://schemas.microsoft.com/office/powerpoint/2010/main" val="2982807770"/>
+        <p14:creationId xmlns:p14="http://schemas.microsoft.com/office/powerpoint/2010/main" val="1600779657"/>
       </p:ext>
     </p:extLst>
   </p:cSld>
@@ -2351,15 +2351,15 @@
         </p:nvSpPr>
         <p:spPr>
           <a:xfrm>
-            <a:off x="1700571" y="1158240"/>
-            <a:ext cx="7962781" cy="4053840"/>
+            <a:off x="1763555" y="1219200"/>
+            <a:ext cx="8257698" cy="4267200"/>
           </a:xfrm>
         </p:spPr>
         <p:txBody>
           <a:bodyPr anchor="b"/>
           <a:lstStyle>
             <a:lvl1pPr>
-              <a:defRPr sz="8107"/>
+              <a:defRPr sz="8533"/>
             </a:lvl1pPr>
           </a:lstStyle>
           <a:p>
@@ -2383,39 +2383,39 @@
         </p:nvSpPr>
         <p:spPr>
           <a:xfrm>
-            <a:off x="10495956" y="2501480"/>
-            <a:ext cx="12498705" cy="12346517"/>
+            <a:off x="10884695" y="2633138"/>
+            <a:ext cx="12961620" cy="12996333"/>
           </a:xfrm>
         </p:spPr>
         <p:txBody>
           <a:bodyPr/>
           <a:lstStyle>
             <a:lvl1pPr>
-              <a:defRPr sz="8107"/>
+              <a:defRPr sz="8533"/>
             </a:lvl1pPr>
             <a:lvl2pPr>
-              <a:defRPr sz="7093"/>
+              <a:defRPr sz="7467"/>
             </a:lvl2pPr>
             <a:lvl3pPr>
-              <a:defRPr sz="6080"/>
+              <a:defRPr sz="6400"/>
             </a:lvl3pPr>
             <a:lvl4pPr>
-              <a:defRPr sz="5067"/>
+              <a:defRPr sz="5333"/>
             </a:lvl4pPr>
             <a:lvl5pPr>
-              <a:defRPr sz="5067"/>
+              <a:defRPr sz="5333"/>
             </a:lvl5pPr>
             <a:lvl6pPr>
-              <a:defRPr sz="5067"/>
+              <a:defRPr sz="5333"/>
             </a:lvl6pPr>
             <a:lvl7pPr>
-              <a:defRPr sz="5067"/>
+              <a:defRPr sz="5333"/>
             </a:lvl7pPr>
             <a:lvl8pPr>
-              <a:defRPr sz="5067"/>
+              <a:defRPr sz="5333"/>
             </a:lvl8pPr>
             <a:lvl9pPr>
-              <a:defRPr sz="5067"/>
+              <a:defRPr sz="5333"/>
             </a:lvl9pPr>
           </a:lstStyle>
           <a:p>
@@ -2468,8 +2468,8 @@
         </p:nvSpPr>
         <p:spPr>
           <a:xfrm>
-            <a:off x="1700571" y="5212080"/>
-            <a:ext cx="7962781" cy="9656023"/>
+            <a:off x="1763555" y="5486400"/>
+            <a:ext cx="8257698" cy="10164235"/>
           </a:xfrm>
         </p:spPr>
         <p:txBody>
@@ -2477,39 +2477,39 @@
           <a:lstStyle>
             <a:lvl1pPr marL="0" indent="0">
               <a:buNone/>
-              <a:defRPr sz="4053"/>
+              <a:defRPr sz="4267"/>
             </a:lvl1pPr>
-            <a:lvl2pPr marL="1158225" indent="0">
+            <a:lvl2pPr marL="1219215" indent="0">
               <a:buNone/>
-              <a:defRPr sz="3547"/>
+              <a:defRPr sz="3733"/>
             </a:lvl2pPr>
-            <a:lvl3pPr marL="2316450" indent="0">
+            <a:lvl3pPr marL="2438430" indent="0">
               <a:buNone/>
-              <a:defRPr sz="3040"/>
+              <a:defRPr sz="3200"/>
             </a:lvl3pPr>
-            <a:lvl4pPr marL="3474674" indent="0">
+            <a:lvl4pPr marL="3657646" indent="0">
               <a:buNone/>
-              <a:defRPr sz="2533"/>
+              <a:defRPr sz="2667"/>
             </a:lvl4pPr>
-            <a:lvl5pPr marL="4632899" indent="0">
+            <a:lvl5pPr marL="4876861" indent="0">
               <a:buNone/>
-              <a:defRPr sz="2533"/>
+              <a:defRPr sz="2667"/>
             </a:lvl5pPr>
-            <a:lvl6pPr marL="5791124" indent="0">
+            <a:lvl6pPr marL="6096076" indent="0">
               <a:buNone/>
-              <a:defRPr sz="2533"/>
+              <a:defRPr sz="2667"/>
             </a:lvl6pPr>
-            <a:lvl7pPr marL="6949349" indent="0">
+            <a:lvl7pPr marL="7315291" indent="0">
               <a:buNone/>
-              <a:defRPr sz="2533"/>
+              <a:defRPr sz="2667"/>
             </a:lvl7pPr>
-            <a:lvl8pPr marL="8107573" indent="0">
+            <a:lvl8pPr marL="8534507" indent="0">
               <a:buNone/>
-              <a:defRPr sz="2533"/>
+              <a:defRPr sz="2667"/>
             </a:lvl8pPr>
-            <a:lvl9pPr marL="9265798" indent="0">
+            <a:lvl9pPr marL="9753722" indent="0">
               <a:buNone/>
-              <a:defRPr sz="2533"/>
+              <a:defRPr sz="2667"/>
             </a:lvl9pPr>
           </a:lstStyle>
           <a:p>
@@ -2538,7 +2538,7 @@
           <a:p>
             <a:fld id="{F8F920B2-3E99-4C9D-9450-62A3DEC5476B}" type="datetimeFigureOut">
               <a:rPr lang="en-US" smtClean="0"/>
-              <a:t>10/6/2017</a:t>
+              <a:t>10/12/2017</a:t>
             </a:fld>
             <a:endParaRPr lang="en-US"/>
           </a:p>
@@ -2589,7 +2589,7 @@
     </p:spTree>
     <p:extLst>
       <p:ext uri="{BB962C8B-B14F-4D97-AF65-F5344CB8AC3E}">
-        <p14:creationId xmlns:p14="http://schemas.microsoft.com/office/powerpoint/2010/main" val="1103335624"/>
+        <p14:creationId xmlns:p14="http://schemas.microsoft.com/office/powerpoint/2010/main" val="697443860"/>
       </p:ext>
     </p:extLst>
   </p:cSld>
@@ -2628,15 +2628,15 @@
         </p:nvSpPr>
         <p:spPr>
           <a:xfrm>
-            <a:off x="1700571" y="1158240"/>
-            <a:ext cx="7962781" cy="4053840"/>
+            <a:off x="1763555" y="1219200"/>
+            <a:ext cx="8257698" cy="4267200"/>
           </a:xfrm>
         </p:spPr>
         <p:txBody>
           <a:bodyPr anchor="b"/>
           <a:lstStyle>
             <a:lvl1pPr>
-              <a:defRPr sz="8107"/>
+              <a:defRPr sz="8533"/>
             </a:lvl1pPr>
           </a:lstStyle>
           <a:p>
@@ -2660,8 +2660,8 @@
         </p:nvSpPr>
         <p:spPr>
           <a:xfrm>
-            <a:off x="10495956" y="2501480"/>
-            <a:ext cx="12498705" cy="12346517"/>
+            <a:off x="10884695" y="2633138"/>
+            <a:ext cx="12961620" cy="12996333"/>
           </a:xfrm>
         </p:spPr>
         <p:txBody>
@@ -2669,39 +2669,39 @@
           <a:lstStyle>
             <a:lvl1pPr marL="0" indent="0">
               <a:buNone/>
-              <a:defRPr sz="8107"/>
+              <a:defRPr sz="8533"/>
             </a:lvl1pPr>
-            <a:lvl2pPr marL="1158225" indent="0">
+            <a:lvl2pPr marL="1219215" indent="0">
               <a:buNone/>
-              <a:defRPr sz="7093"/>
+              <a:defRPr sz="7467"/>
             </a:lvl2pPr>
-            <a:lvl3pPr marL="2316450" indent="0">
+            <a:lvl3pPr marL="2438430" indent="0">
               <a:buNone/>
-              <a:defRPr sz="6080"/>
+              <a:defRPr sz="6400"/>
             </a:lvl3pPr>
-            <a:lvl4pPr marL="3474674" indent="0">
+            <a:lvl4pPr marL="3657646" indent="0">
               <a:buNone/>
-              <a:defRPr sz="5067"/>
+              <a:defRPr sz="5333"/>
             </a:lvl4pPr>
-            <a:lvl5pPr marL="4632899" indent="0">
+            <a:lvl5pPr marL="4876861" indent="0">
               <a:buNone/>
-              <a:defRPr sz="5067"/>
+              <a:defRPr sz="5333"/>
             </a:lvl5pPr>
-            <a:lvl6pPr marL="5791124" indent="0">
+            <a:lvl6pPr marL="6096076" indent="0">
               <a:buNone/>
-              <a:defRPr sz="5067"/>
+              <a:defRPr sz="5333"/>
             </a:lvl6pPr>
-            <a:lvl7pPr marL="6949349" indent="0">
+            <a:lvl7pPr marL="7315291" indent="0">
               <a:buNone/>
-              <a:defRPr sz="5067"/>
+              <a:defRPr sz="5333"/>
             </a:lvl7pPr>
-            <a:lvl8pPr marL="8107573" indent="0">
+            <a:lvl8pPr marL="8534507" indent="0">
               <a:buNone/>
-              <a:defRPr sz="5067"/>
+              <a:defRPr sz="5333"/>
             </a:lvl8pPr>
-            <a:lvl9pPr marL="9265798" indent="0">
+            <a:lvl9pPr marL="9753722" indent="0">
               <a:buNone/>
-              <a:defRPr sz="5067"/>
+              <a:defRPr sz="5333"/>
             </a:lvl9pPr>
           </a:lstStyle>
           <a:p>
@@ -2725,8 +2725,8 @@
         </p:nvSpPr>
         <p:spPr>
           <a:xfrm>
-            <a:off x="1700571" y="5212080"/>
-            <a:ext cx="7962781" cy="9656023"/>
+            <a:off x="1763555" y="5486400"/>
+            <a:ext cx="8257698" cy="10164235"/>
           </a:xfrm>
         </p:spPr>
         <p:txBody>
@@ -2734,39 +2734,39 @@
           <a:lstStyle>
             <a:lvl1pPr marL="0" indent="0">
               <a:buNone/>
-              <a:defRPr sz="4053"/>
+              <a:defRPr sz="4267"/>
             </a:lvl1pPr>
-            <a:lvl2pPr marL="1158225" indent="0">
+            <a:lvl2pPr marL="1219215" indent="0">
               <a:buNone/>
-              <a:defRPr sz="3547"/>
+              <a:defRPr sz="3733"/>
             </a:lvl2pPr>
-            <a:lvl3pPr marL="2316450" indent="0">
+            <a:lvl3pPr marL="2438430" indent="0">
               <a:buNone/>
-              <a:defRPr sz="3040"/>
+              <a:defRPr sz="3200"/>
             </a:lvl3pPr>
-            <a:lvl4pPr marL="3474674" indent="0">
+            <a:lvl4pPr marL="3657646" indent="0">
               <a:buNone/>
-              <a:defRPr sz="2533"/>
+              <a:defRPr sz="2667"/>
             </a:lvl4pPr>
-            <a:lvl5pPr marL="4632899" indent="0">
+            <a:lvl5pPr marL="4876861" indent="0">
               <a:buNone/>
-              <a:defRPr sz="2533"/>
+              <a:defRPr sz="2667"/>
             </a:lvl5pPr>
-            <a:lvl6pPr marL="5791124" indent="0">
+            <a:lvl6pPr marL="6096076" indent="0">
               <a:buNone/>
-              <a:defRPr sz="2533"/>
+              <a:defRPr sz="2667"/>
             </a:lvl6pPr>
-            <a:lvl7pPr marL="6949349" indent="0">
+            <a:lvl7pPr marL="7315291" indent="0">
               <a:buNone/>
-              <a:defRPr sz="2533"/>
+              <a:defRPr sz="2667"/>
             </a:lvl7pPr>
-            <a:lvl8pPr marL="8107573" indent="0">
+            <a:lvl8pPr marL="8534507" indent="0">
               <a:buNone/>
-              <a:defRPr sz="2533"/>
+              <a:defRPr sz="2667"/>
             </a:lvl8pPr>
-            <a:lvl9pPr marL="9265798" indent="0">
+            <a:lvl9pPr marL="9753722" indent="0">
               <a:buNone/>
-              <a:defRPr sz="2533"/>
+              <a:defRPr sz="2667"/>
             </a:lvl9pPr>
           </a:lstStyle>
           <a:p>
@@ -2795,7 +2795,7 @@
           <a:p>
             <a:fld id="{F8F920B2-3E99-4C9D-9450-62A3DEC5476B}" type="datetimeFigureOut">
               <a:rPr lang="en-US" smtClean="0"/>
-              <a:t>10/6/2017</a:t>
+              <a:t>10/12/2017</a:t>
             </a:fld>
             <a:endParaRPr lang="en-US"/>
           </a:p>
@@ -2846,7 +2846,7 @@
     </p:spTree>
     <p:extLst>
       <p:ext uri="{BB962C8B-B14F-4D97-AF65-F5344CB8AC3E}">
-        <p14:creationId xmlns:p14="http://schemas.microsoft.com/office/powerpoint/2010/main" val="3966631349"/>
+        <p14:creationId xmlns:p14="http://schemas.microsoft.com/office/powerpoint/2010/main" val="3871417374"/>
       </p:ext>
     </p:extLst>
   </p:cSld>
@@ -2890,8 +2890,8 @@
         </p:nvSpPr>
         <p:spPr>
           <a:xfrm>
-            <a:off x="1697355" y="924987"/>
-            <a:ext cx="21294090" cy="3358093"/>
+            <a:off x="1760220" y="973671"/>
+            <a:ext cx="22082760" cy="3534835"/>
           </a:xfrm>
           <a:prstGeom prst="rect">
             <a:avLst/>
@@ -2923,8 +2923,8 @@
         </p:nvSpPr>
         <p:spPr>
           <a:xfrm>
-            <a:off x="1697355" y="4624916"/>
-            <a:ext cx="21294090" cy="11023390"/>
+            <a:off x="1760220" y="4868333"/>
+            <a:ext cx="22082760" cy="11603568"/>
           </a:xfrm>
           <a:prstGeom prst="rect">
             <a:avLst/>
@@ -2985,8 +2985,8 @@
         </p:nvSpPr>
         <p:spPr>
           <a:xfrm>
-            <a:off x="1697355" y="16102757"/>
-            <a:ext cx="5554980" cy="924983"/>
+            <a:off x="1760220" y="16950271"/>
+            <a:ext cx="5760720" cy="973667"/>
           </a:xfrm>
           <a:prstGeom prst="rect">
             <a:avLst/>
@@ -2996,7 +2996,7 @@
           <a:bodyPr vert="horz" lIns="91440" tIns="45720" rIns="91440" bIns="45720" rtlCol="0" anchor="ctr"/>
           <a:lstStyle>
             <a:lvl1pPr algn="l">
-              <a:defRPr sz="3040">
+              <a:defRPr sz="3200">
                 <a:solidFill>
                   <a:schemeClr val="tx1">
                     <a:tint val="75000"/>
@@ -3008,7 +3008,7 @@
           <a:p>
             <a:fld id="{F8F920B2-3E99-4C9D-9450-62A3DEC5476B}" type="datetimeFigureOut">
               <a:rPr lang="en-US" smtClean="0"/>
-              <a:t>10/6/2017</a:t>
+              <a:t>10/12/2017</a:t>
             </a:fld>
             <a:endParaRPr lang="en-US"/>
           </a:p>
@@ -3026,8 +3026,8 @@
         </p:nvSpPr>
         <p:spPr>
           <a:xfrm>
-            <a:off x="8178165" y="16102757"/>
-            <a:ext cx="8332470" cy="924983"/>
+            <a:off x="8481060" y="16950271"/>
+            <a:ext cx="8641080" cy="973667"/>
           </a:xfrm>
           <a:prstGeom prst="rect">
             <a:avLst/>
@@ -3037,7 +3037,7 @@
           <a:bodyPr vert="horz" lIns="91440" tIns="45720" rIns="91440" bIns="45720" rtlCol="0" anchor="ctr"/>
           <a:lstStyle>
             <a:lvl1pPr algn="ctr">
-              <a:defRPr sz="3040">
+              <a:defRPr sz="3200">
                 <a:solidFill>
                   <a:schemeClr val="tx1">
                     <a:tint val="75000"/>
@@ -3063,8 +3063,8 @@
         </p:nvSpPr>
         <p:spPr>
           <a:xfrm>
-            <a:off x="17436465" y="16102757"/>
-            <a:ext cx="5554980" cy="924983"/>
+            <a:off x="18082260" y="16950271"/>
+            <a:ext cx="5760720" cy="973667"/>
           </a:xfrm>
           <a:prstGeom prst="rect">
             <a:avLst/>
@@ -3074,7 +3074,7 @@
           <a:bodyPr vert="horz" lIns="91440" tIns="45720" rIns="91440" bIns="45720" rtlCol="0" anchor="ctr"/>
           <a:lstStyle>
             <a:lvl1pPr algn="r">
-              <a:defRPr sz="3040">
+              <a:defRPr sz="3200">
                 <a:solidFill>
                   <a:schemeClr val="tx1">
                     <a:tint val="75000"/>
@@ -3095,27 +3095,27 @@
     </p:spTree>
     <p:extLst>
       <p:ext uri="{BB962C8B-B14F-4D97-AF65-F5344CB8AC3E}">
-        <p14:creationId xmlns:p14="http://schemas.microsoft.com/office/powerpoint/2010/main" val="3353283116"/>
+        <p14:creationId xmlns:p14="http://schemas.microsoft.com/office/powerpoint/2010/main" val="466422031"/>
       </p:ext>
     </p:extLst>
   </p:cSld>
   <p:clrMap bg1="lt1" tx1="dk1" bg2="lt2" tx2="dk2" accent1="accent1" accent2="accent2" accent3="accent3" accent4="accent4" accent5="accent5" accent6="accent6" hlink="hlink" folHlink="folHlink"/>
   <p:sldLayoutIdLst>
-    <p:sldLayoutId id="2147484502" r:id="rId1"/>
-    <p:sldLayoutId id="2147484503" r:id="rId2"/>
-    <p:sldLayoutId id="2147484504" r:id="rId3"/>
-    <p:sldLayoutId id="2147484505" r:id="rId4"/>
-    <p:sldLayoutId id="2147484506" r:id="rId5"/>
-    <p:sldLayoutId id="2147484507" r:id="rId6"/>
-    <p:sldLayoutId id="2147484508" r:id="rId7"/>
-    <p:sldLayoutId id="2147484509" r:id="rId8"/>
-    <p:sldLayoutId id="2147484510" r:id="rId9"/>
-    <p:sldLayoutId id="2147484511" r:id="rId10"/>
-    <p:sldLayoutId id="2147484512" r:id="rId11"/>
+    <p:sldLayoutId id="2147484514" r:id="rId1"/>
+    <p:sldLayoutId id="2147484515" r:id="rId2"/>
+    <p:sldLayoutId id="2147484516" r:id="rId3"/>
+    <p:sldLayoutId id="2147484517" r:id="rId4"/>
+    <p:sldLayoutId id="2147484518" r:id="rId5"/>
+    <p:sldLayoutId id="2147484519" r:id="rId6"/>
+    <p:sldLayoutId id="2147484520" r:id="rId7"/>
+    <p:sldLayoutId id="2147484521" r:id="rId8"/>
+    <p:sldLayoutId id="2147484522" r:id="rId9"/>
+    <p:sldLayoutId id="2147484523" r:id="rId10"/>
+    <p:sldLayoutId id="2147484524" r:id="rId11"/>
   </p:sldLayoutIdLst>
   <p:txStyles>
     <p:titleStyle>
-      <a:lvl1pPr algn="l" defTabSz="2316450" rtl="0" eaLnBrk="1" latinLnBrk="0" hangingPunct="1">
+      <a:lvl1pPr algn="l" defTabSz="2438430" rtl="0" eaLnBrk="1" latinLnBrk="0" hangingPunct="1">
         <a:lnSpc>
           <a:spcPct val="90000"/>
         </a:lnSpc>
@@ -3123,7 +3123,7 @@
           <a:spcPct val="0"/>
         </a:spcBef>
         <a:buNone/>
-        <a:defRPr sz="11147" kern="1200">
+        <a:defRPr sz="11733" kern="1200">
           <a:solidFill>
             <a:schemeClr val="tx1"/>
           </a:solidFill>
@@ -3134,16 +3134,16 @@
       </a:lvl1pPr>
     </p:titleStyle>
     <p:bodyStyle>
-      <a:lvl1pPr marL="579112" indent="-579112" algn="l" defTabSz="2316450" rtl="0" eaLnBrk="1" latinLnBrk="0" hangingPunct="1">
+      <a:lvl1pPr marL="609608" indent="-609608" algn="l" defTabSz="2438430" rtl="0" eaLnBrk="1" latinLnBrk="0" hangingPunct="1">
         <a:lnSpc>
           <a:spcPct val="90000"/>
         </a:lnSpc>
         <a:spcBef>
-          <a:spcPts val="2533"/>
+          <a:spcPts val="2667"/>
         </a:spcBef>
         <a:buFont typeface="Arial" panose="020B0604020202020204" pitchFamily="34" charset="0"/>
         <a:buChar char="•"/>
-        <a:defRPr sz="7093" kern="1200">
+        <a:defRPr sz="7467" kern="1200">
           <a:solidFill>
             <a:schemeClr val="tx1"/>
           </a:solidFill>
@@ -3152,16 +3152,16 @@
           <a:cs typeface="+mn-cs"/>
         </a:defRPr>
       </a:lvl1pPr>
-      <a:lvl2pPr marL="1737337" indent="-579112" algn="l" defTabSz="2316450" rtl="0" eaLnBrk="1" latinLnBrk="0" hangingPunct="1">
+      <a:lvl2pPr marL="1828823" indent="-609608" algn="l" defTabSz="2438430" rtl="0" eaLnBrk="1" latinLnBrk="0" hangingPunct="1">
         <a:lnSpc>
           <a:spcPct val="90000"/>
         </a:lnSpc>
         <a:spcBef>
-          <a:spcPts val="1267"/>
+          <a:spcPts val="1333"/>
         </a:spcBef>
         <a:buFont typeface="Arial" panose="020B0604020202020204" pitchFamily="34" charset="0"/>
         <a:buChar char="•"/>
-        <a:defRPr sz="6080" kern="1200">
+        <a:defRPr sz="6400" kern="1200">
           <a:solidFill>
             <a:schemeClr val="tx1"/>
           </a:solidFill>
@@ -3170,16 +3170,16 @@
           <a:cs typeface="+mn-cs"/>
         </a:defRPr>
       </a:lvl2pPr>
-      <a:lvl3pPr marL="2895562" indent="-579112" algn="l" defTabSz="2316450" rtl="0" eaLnBrk="1" latinLnBrk="0" hangingPunct="1">
+      <a:lvl3pPr marL="3048038" indent="-609608" algn="l" defTabSz="2438430" rtl="0" eaLnBrk="1" latinLnBrk="0" hangingPunct="1">
         <a:lnSpc>
           <a:spcPct val="90000"/>
         </a:lnSpc>
         <a:spcBef>
-          <a:spcPts val="1267"/>
+          <a:spcPts val="1333"/>
         </a:spcBef>
         <a:buFont typeface="Arial" panose="020B0604020202020204" pitchFamily="34" charset="0"/>
         <a:buChar char="•"/>
-        <a:defRPr sz="5067" kern="1200">
+        <a:defRPr sz="5333" kern="1200">
           <a:solidFill>
             <a:schemeClr val="tx1"/>
           </a:solidFill>
@@ -3188,16 +3188,16 @@
           <a:cs typeface="+mn-cs"/>
         </a:defRPr>
       </a:lvl3pPr>
-      <a:lvl4pPr marL="4053787" indent="-579112" algn="l" defTabSz="2316450" rtl="0" eaLnBrk="1" latinLnBrk="0" hangingPunct="1">
+      <a:lvl4pPr marL="4267253" indent="-609608" algn="l" defTabSz="2438430" rtl="0" eaLnBrk="1" latinLnBrk="0" hangingPunct="1">
         <a:lnSpc>
           <a:spcPct val="90000"/>
         </a:lnSpc>
         <a:spcBef>
-          <a:spcPts val="1267"/>
+          <a:spcPts val="1333"/>
         </a:spcBef>
         <a:buFont typeface="Arial" panose="020B0604020202020204" pitchFamily="34" charset="0"/>
         <a:buChar char="•"/>
-        <a:defRPr sz="4560" kern="1200">
+        <a:defRPr sz="4800" kern="1200">
           <a:solidFill>
             <a:schemeClr val="tx1"/>
           </a:solidFill>
@@ -3206,16 +3206,16 @@
           <a:cs typeface="+mn-cs"/>
         </a:defRPr>
       </a:lvl4pPr>
-      <a:lvl5pPr marL="5212011" indent="-579112" algn="l" defTabSz="2316450" rtl="0" eaLnBrk="1" latinLnBrk="0" hangingPunct="1">
+      <a:lvl5pPr marL="5486469" indent="-609608" algn="l" defTabSz="2438430" rtl="0" eaLnBrk="1" latinLnBrk="0" hangingPunct="1">
         <a:lnSpc>
           <a:spcPct val="90000"/>
         </a:lnSpc>
         <a:spcBef>
-          <a:spcPts val="1267"/>
+          <a:spcPts val="1333"/>
         </a:spcBef>
         <a:buFont typeface="Arial" panose="020B0604020202020204" pitchFamily="34" charset="0"/>
         <a:buChar char="•"/>
-        <a:defRPr sz="4560" kern="1200">
+        <a:defRPr sz="4800" kern="1200">
           <a:solidFill>
             <a:schemeClr val="tx1"/>
           </a:solidFill>
@@ -3224,16 +3224,16 @@
           <a:cs typeface="+mn-cs"/>
         </a:defRPr>
       </a:lvl5pPr>
-      <a:lvl6pPr marL="6370236" indent="-579112" algn="l" defTabSz="2316450" rtl="0" eaLnBrk="1" latinLnBrk="0" hangingPunct="1">
+      <a:lvl6pPr marL="6705684" indent="-609608" algn="l" defTabSz="2438430" rtl="0" eaLnBrk="1" latinLnBrk="0" hangingPunct="1">
         <a:lnSpc>
           <a:spcPct val="90000"/>
         </a:lnSpc>
         <a:spcBef>
-          <a:spcPts val="1267"/>
+          <a:spcPts val="1333"/>
         </a:spcBef>
         <a:buFont typeface="Arial" panose="020B0604020202020204" pitchFamily="34" charset="0"/>
         <a:buChar char="•"/>
-        <a:defRPr sz="4560" kern="1200">
+        <a:defRPr sz="4800" kern="1200">
           <a:solidFill>
             <a:schemeClr val="tx1"/>
           </a:solidFill>
@@ -3242,16 +3242,16 @@
           <a:cs typeface="+mn-cs"/>
         </a:defRPr>
       </a:lvl6pPr>
-      <a:lvl7pPr marL="7528461" indent="-579112" algn="l" defTabSz="2316450" rtl="0" eaLnBrk="1" latinLnBrk="0" hangingPunct="1">
+      <a:lvl7pPr marL="7924899" indent="-609608" algn="l" defTabSz="2438430" rtl="0" eaLnBrk="1" latinLnBrk="0" hangingPunct="1">
         <a:lnSpc>
           <a:spcPct val="90000"/>
         </a:lnSpc>
         <a:spcBef>
-          <a:spcPts val="1267"/>
+          <a:spcPts val="1333"/>
         </a:spcBef>
         <a:buFont typeface="Arial" panose="020B0604020202020204" pitchFamily="34" charset="0"/>
         <a:buChar char="•"/>
-        <a:defRPr sz="4560" kern="1200">
+        <a:defRPr sz="4800" kern="1200">
           <a:solidFill>
             <a:schemeClr val="tx1"/>
           </a:solidFill>
@@ -3260,16 +3260,16 @@
           <a:cs typeface="+mn-cs"/>
         </a:defRPr>
       </a:lvl7pPr>
-      <a:lvl8pPr marL="8686686" indent="-579112" algn="l" defTabSz="2316450" rtl="0" eaLnBrk="1" latinLnBrk="0" hangingPunct="1">
+      <a:lvl8pPr marL="9144114" indent="-609608" algn="l" defTabSz="2438430" rtl="0" eaLnBrk="1" latinLnBrk="0" hangingPunct="1">
         <a:lnSpc>
           <a:spcPct val="90000"/>
         </a:lnSpc>
         <a:spcBef>
-          <a:spcPts val="1267"/>
+          <a:spcPts val="1333"/>
         </a:spcBef>
         <a:buFont typeface="Arial" panose="020B0604020202020204" pitchFamily="34" charset="0"/>
         <a:buChar char="•"/>
-        <a:defRPr sz="4560" kern="1200">
+        <a:defRPr sz="4800" kern="1200">
           <a:solidFill>
             <a:schemeClr val="tx1"/>
           </a:solidFill>
@@ -3278,16 +3278,16 @@
           <a:cs typeface="+mn-cs"/>
         </a:defRPr>
       </a:lvl8pPr>
-      <a:lvl9pPr marL="9844910" indent="-579112" algn="l" defTabSz="2316450" rtl="0" eaLnBrk="1" latinLnBrk="0" hangingPunct="1">
+      <a:lvl9pPr marL="10363330" indent="-609608" algn="l" defTabSz="2438430" rtl="0" eaLnBrk="1" latinLnBrk="0" hangingPunct="1">
         <a:lnSpc>
           <a:spcPct val="90000"/>
         </a:lnSpc>
         <a:spcBef>
-          <a:spcPts val="1267"/>
+          <a:spcPts val="1333"/>
         </a:spcBef>
         <a:buFont typeface="Arial" panose="020B0604020202020204" pitchFamily="34" charset="0"/>
         <a:buChar char="•"/>
-        <a:defRPr sz="4560" kern="1200">
+        <a:defRPr sz="4800" kern="1200">
           <a:solidFill>
             <a:schemeClr val="tx1"/>
           </a:solidFill>
@@ -3301,8 +3301,8 @@
       <a:defPPr>
         <a:defRPr lang="en-US"/>
       </a:defPPr>
-      <a:lvl1pPr marL="0" algn="l" defTabSz="2316450" rtl="0" eaLnBrk="1" latinLnBrk="0" hangingPunct="1">
-        <a:defRPr sz="4560" kern="1200">
+      <a:lvl1pPr marL="0" algn="l" defTabSz="2438430" rtl="0" eaLnBrk="1" latinLnBrk="0" hangingPunct="1">
+        <a:defRPr sz="4800" kern="1200">
           <a:solidFill>
             <a:schemeClr val="tx1"/>
           </a:solidFill>
@@ -3311,8 +3311,8 @@
           <a:cs typeface="+mn-cs"/>
         </a:defRPr>
       </a:lvl1pPr>
-      <a:lvl2pPr marL="1158225" algn="l" defTabSz="2316450" rtl="0" eaLnBrk="1" latinLnBrk="0" hangingPunct="1">
-        <a:defRPr sz="4560" kern="1200">
+      <a:lvl2pPr marL="1219215" algn="l" defTabSz="2438430" rtl="0" eaLnBrk="1" latinLnBrk="0" hangingPunct="1">
+        <a:defRPr sz="4800" kern="1200">
           <a:solidFill>
             <a:schemeClr val="tx1"/>
           </a:solidFill>
@@ -3321,8 +3321,8 @@
           <a:cs typeface="+mn-cs"/>
         </a:defRPr>
       </a:lvl2pPr>
-      <a:lvl3pPr marL="2316450" algn="l" defTabSz="2316450" rtl="0" eaLnBrk="1" latinLnBrk="0" hangingPunct="1">
-        <a:defRPr sz="4560" kern="1200">
+      <a:lvl3pPr marL="2438430" algn="l" defTabSz="2438430" rtl="0" eaLnBrk="1" latinLnBrk="0" hangingPunct="1">
+        <a:defRPr sz="4800" kern="1200">
           <a:solidFill>
             <a:schemeClr val="tx1"/>
           </a:solidFill>
@@ -3331,8 +3331,8 @@
           <a:cs typeface="+mn-cs"/>
         </a:defRPr>
       </a:lvl3pPr>
-      <a:lvl4pPr marL="3474674" algn="l" defTabSz="2316450" rtl="0" eaLnBrk="1" latinLnBrk="0" hangingPunct="1">
-        <a:defRPr sz="4560" kern="1200">
+      <a:lvl4pPr marL="3657646" algn="l" defTabSz="2438430" rtl="0" eaLnBrk="1" latinLnBrk="0" hangingPunct="1">
+        <a:defRPr sz="4800" kern="1200">
           <a:solidFill>
             <a:schemeClr val="tx1"/>
           </a:solidFill>
@@ -3341,8 +3341,8 @@
           <a:cs typeface="+mn-cs"/>
         </a:defRPr>
       </a:lvl4pPr>
-      <a:lvl5pPr marL="4632899" algn="l" defTabSz="2316450" rtl="0" eaLnBrk="1" latinLnBrk="0" hangingPunct="1">
-        <a:defRPr sz="4560" kern="1200">
+      <a:lvl5pPr marL="4876861" algn="l" defTabSz="2438430" rtl="0" eaLnBrk="1" latinLnBrk="0" hangingPunct="1">
+        <a:defRPr sz="4800" kern="1200">
           <a:solidFill>
             <a:schemeClr val="tx1"/>
           </a:solidFill>
@@ -3351,8 +3351,8 @@
           <a:cs typeface="+mn-cs"/>
         </a:defRPr>
       </a:lvl5pPr>
-      <a:lvl6pPr marL="5791124" algn="l" defTabSz="2316450" rtl="0" eaLnBrk="1" latinLnBrk="0" hangingPunct="1">
-        <a:defRPr sz="4560" kern="1200">
+      <a:lvl6pPr marL="6096076" algn="l" defTabSz="2438430" rtl="0" eaLnBrk="1" latinLnBrk="0" hangingPunct="1">
+        <a:defRPr sz="4800" kern="1200">
           <a:solidFill>
             <a:schemeClr val="tx1"/>
           </a:solidFill>
@@ -3361,8 +3361,8 @@
           <a:cs typeface="+mn-cs"/>
         </a:defRPr>
       </a:lvl6pPr>
-      <a:lvl7pPr marL="6949349" algn="l" defTabSz="2316450" rtl="0" eaLnBrk="1" latinLnBrk="0" hangingPunct="1">
-        <a:defRPr sz="4560" kern="1200">
+      <a:lvl7pPr marL="7315291" algn="l" defTabSz="2438430" rtl="0" eaLnBrk="1" latinLnBrk="0" hangingPunct="1">
+        <a:defRPr sz="4800" kern="1200">
           <a:solidFill>
             <a:schemeClr val="tx1"/>
           </a:solidFill>
@@ -3371,8 +3371,8 @@
           <a:cs typeface="+mn-cs"/>
         </a:defRPr>
       </a:lvl7pPr>
-      <a:lvl8pPr marL="8107573" algn="l" defTabSz="2316450" rtl="0" eaLnBrk="1" latinLnBrk="0" hangingPunct="1">
-        <a:defRPr sz="4560" kern="1200">
+      <a:lvl8pPr marL="8534507" algn="l" defTabSz="2438430" rtl="0" eaLnBrk="1" latinLnBrk="0" hangingPunct="1">
+        <a:defRPr sz="4800" kern="1200">
           <a:solidFill>
             <a:schemeClr val="tx1"/>
           </a:solidFill>
@@ -3381,8 +3381,8 @@
           <a:cs typeface="+mn-cs"/>
         </a:defRPr>
       </a:lvl8pPr>
-      <a:lvl9pPr marL="9265798" algn="l" defTabSz="2316450" rtl="0" eaLnBrk="1" latinLnBrk="0" hangingPunct="1">
-        <a:defRPr sz="4560" kern="1200">
+      <a:lvl9pPr marL="9753722" algn="l" defTabSz="2438430" rtl="0" eaLnBrk="1" latinLnBrk="0" hangingPunct="1">
+        <a:defRPr sz="4800" kern="1200">
           <a:solidFill>
             <a:schemeClr val="tx1"/>
           </a:solidFill>
@@ -3421,7 +3421,7 @@
         </p:nvSpPr>
         <p:spPr>
           <a:xfrm>
-            <a:off x="304800" y="5105400"/>
+            <a:off x="304800" y="5562600"/>
             <a:ext cx="1524000" cy="228600"/>
           </a:xfrm>
           <a:prstGeom prst="roundRect">
@@ -3479,7 +3479,7 @@
         </p:nvCxnSpPr>
         <p:spPr>
           <a:xfrm flipV="1">
-            <a:off x="609600" y="10744200"/>
+            <a:off x="609600" y="11201400"/>
             <a:ext cx="152400" cy="152404"/>
           </a:xfrm>
           <a:prstGeom prst="line">
@@ -3516,7 +3516,7 @@
         </p:nvSpPr>
         <p:spPr>
           <a:xfrm>
-            <a:off x="914400" y="10668000"/>
+            <a:off x="914400" y="11125200"/>
             <a:ext cx="457200" cy="152400"/>
           </a:xfrm>
           <a:prstGeom prst="rect">
@@ -3557,13 +3557,6 @@
               </a:rPr>
               <a:t>CLKS</a:t>
             </a:r>
-            <a:endParaRPr lang="en-US" sz="900" dirty="0">
-              <a:solidFill>
-                <a:srgbClr val="000000"/>
-              </a:solidFill>
-              <a:latin typeface="Courier New" panose="02070309020205020404" pitchFamily="49" charset="0"/>
-              <a:cs typeface="Courier New" panose="02070309020205020404" pitchFamily="49" charset="0"/>
-            </a:endParaRPr>
           </a:p>
         </p:txBody>
       </p:sp>
@@ -3575,7 +3568,7 @@
         </p:nvSpPr>
         <p:spPr>
           <a:xfrm>
-            <a:off x="609601" y="10668000"/>
+            <a:off x="609601" y="11125200"/>
             <a:ext cx="152400" cy="76200"/>
           </a:xfrm>
           <a:prstGeom prst="rect">
@@ -3628,7 +3621,7 @@
         </p:nvSpPr>
         <p:spPr>
           <a:xfrm>
-            <a:off x="304800" y="10744200"/>
+            <a:off x="304800" y="11201400"/>
             <a:ext cx="228600" cy="152400"/>
           </a:xfrm>
           <a:prstGeom prst="homePlate">
@@ -3681,8 +3674,8 @@
         </p:nvCxnSpPr>
         <p:spPr>
           <a:xfrm>
-            <a:off x="533400" y="10820400"/>
-            <a:ext cx="11049000" cy="0"/>
+            <a:off x="533400" y="11277600"/>
+            <a:ext cx="11963400" cy="0"/>
           </a:xfrm>
           <a:prstGeom prst="line">
             <a:avLst/>
@@ -3718,7 +3711,7 @@
         </p:nvCxnSpPr>
         <p:spPr>
           <a:xfrm>
-            <a:off x="11582400" y="8763000"/>
+            <a:off x="12496800" y="9220200"/>
             <a:ext cx="0" cy="2057400"/>
           </a:xfrm>
           <a:prstGeom prst="line">
@@ -3755,7 +3748,7 @@
         </p:nvSpPr>
         <p:spPr>
           <a:xfrm>
-            <a:off x="7162800" y="7696200"/>
+            <a:off x="8077200" y="8153400"/>
             <a:ext cx="457200" cy="152400"/>
           </a:xfrm>
           <a:prstGeom prst="rect">
@@ -3808,7 +3801,7 @@
         </p:nvSpPr>
         <p:spPr>
           <a:xfrm>
-            <a:off x="7162800" y="8001000"/>
+            <a:off x="8077200" y="8458200"/>
             <a:ext cx="457200" cy="152400"/>
           </a:xfrm>
           <a:prstGeom prst="rect">
@@ -3861,7 +3854,7 @@
         </p:nvSpPr>
         <p:spPr>
           <a:xfrm>
-            <a:off x="7162800" y="8610600"/>
+            <a:off x="8077200" y="9067800"/>
             <a:ext cx="457200" cy="152400"/>
           </a:xfrm>
           <a:prstGeom prst="rect">
@@ -3914,7 +3907,7 @@
         </p:nvSpPr>
         <p:spPr>
           <a:xfrm>
-            <a:off x="7162800" y="8305800"/>
+            <a:off x="8077200" y="8763000"/>
             <a:ext cx="457200" cy="152400"/>
           </a:xfrm>
           <a:prstGeom prst="rect">
@@ -3967,7 +3960,7 @@
         </p:nvSpPr>
         <p:spPr>
           <a:xfrm>
-            <a:off x="6400800" y="8001000"/>
+            <a:off x="7315200" y="8458200"/>
             <a:ext cx="457200" cy="152400"/>
           </a:xfrm>
           <a:prstGeom prst="rect">
@@ -4019,7 +4012,7 @@
         </p:nvSpPr>
         <p:spPr>
           <a:xfrm>
-            <a:off x="6400800" y="8305800"/>
+            <a:off x="7315200" y="8763000"/>
             <a:ext cx="457200" cy="152400"/>
           </a:xfrm>
           <a:prstGeom prst="rect">
@@ -4071,7 +4064,7 @@
         </p:nvSpPr>
         <p:spPr>
           <a:xfrm>
-            <a:off x="6400800" y="8610600"/>
+            <a:off x="7315200" y="9067800"/>
             <a:ext cx="457200" cy="152400"/>
           </a:xfrm>
           <a:prstGeom prst="rect">
@@ -4123,7 +4116,7 @@
         </p:nvSpPr>
         <p:spPr>
           <a:xfrm>
-            <a:off x="6400800" y="8915400"/>
+            <a:off x="7315200" y="9372600"/>
             <a:ext cx="457200" cy="152400"/>
           </a:xfrm>
           <a:prstGeom prst="rect">
@@ -4175,7 +4168,7 @@
         </p:nvSpPr>
         <p:spPr>
           <a:xfrm>
-            <a:off x="6400800" y="7010400"/>
+            <a:off x="7315200" y="7467600"/>
             <a:ext cx="1219200" cy="2286000"/>
           </a:xfrm>
           <a:prstGeom prst="rect">
@@ -4237,7 +4230,7 @@
         </p:nvCxnSpPr>
         <p:spPr>
           <a:xfrm>
-            <a:off x="6400800" y="8686800"/>
+            <a:off x="7315200" y="9144000"/>
             <a:ext cx="76200" cy="76200"/>
           </a:xfrm>
           <a:prstGeom prst="line">
@@ -4272,7 +4265,7 @@
         </p:nvCxnSpPr>
         <p:spPr>
           <a:xfrm flipH="1">
-            <a:off x="6400800" y="8763000"/>
+            <a:off x="7315200" y="9220200"/>
             <a:ext cx="76200" cy="76200"/>
           </a:xfrm>
           <a:prstGeom prst="line">
@@ -4307,7 +4300,7 @@
         </p:nvCxnSpPr>
         <p:spPr>
           <a:xfrm flipH="1">
-            <a:off x="7543800" y="8686800"/>
+            <a:off x="8458200" y="9144000"/>
             <a:ext cx="76200" cy="76200"/>
           </a:xfrm>
           <a:prstGeom prst="line">
@@ -4342,7 +4335,7 @@
         </p:nvCxnSpPr>
         <p:spPr>
           <a:xfrm>
-            <a:off x="7543800" y="8763000"/>
+            <a:off x="8458200" y="9220200"/>
             <a:ext cx="76200" cy="76200"/>
           </a:xfrm>
           <a:prstGeom prst="line">
@@ -4377,7 +4370,7 @@
         </p:nvSpPr>
         <p:spPr>
           <a:xfrm>
-            <a:off x="6400800" y="7696200"/>
+            <a:off x="7315200" y="8153400"/>
             <a:ext cx="457200" cy="152400"/>
           </a:xfrm>
           <a:prstGeom prst="rect">
@@ -4429,7 +4422,7 @@
         </p:nvSpPr>
         <p:spPr>
           <a:xfrm>
-            <a:off x="6400800" y="6705600"/>
+            <a:off x="7315200" y="7162800"/>
             <a:ext cx="457200" cy="304800"/>
           </a:xfrm>
           <a:prstGeom prst="rect">
@@ -4468,25 +4461,8 @@
                 <a:latin typeface="Courier New" panose="02070309020205020404" pitchFamily="49" charset="0"/>
                 <a:cs typeface="Courier New" panose="02070309020205020404" pitchFamily="49" charset="0"/>
               </a:rPr>
-              <a:t>#(.</a:t>
-            </a:r>
-            <a:r>
-              <a:rPr lang="en-US" sz="900" dirty="0">
-                <a:solidFill>
-                  <a:srgbClr val="000000"/>
-                </a:solidFill>
-                <a:latin typeface="Courier New" panose="02070309020205020404" pitchFamily="49" charset="0"/>
-                <a:cs typeface="Courier New" panose="02070309020205020404" pitchFamily="49" charset="0"/>
-              </a:rPr>
-              <a:t>BW(64))</a:t>
-            </a:r>
-            <a:endParaRPr lang="en-US" sz="900" dirty="0">
-              <a:solidFill>
-                <a:srgbClr val="000000"/>
-              </a:solidFill>
-              <a:latin typeface="Courier New" panose="02070309020205020404" pitchFamily="49" charset="0"/>
-              <a:cs typeface="Courier New" panose="02070309020205020404" pitchFamily="49" charset="0"/>
-            </a:endParaRPr>
+              <a:t>#(.BW(64))</a:t>
+            </a:r>
           </a:p>
           <a:p>
             <a:r>
@@ -4517,7 +4493,7 @@
         </p:nvSpPr>
         <p:spPr>
           <a:xfrm>
-            <a:off x="7162800" y="8915400"/>
+            <a:off x="8077200" y="9372600"/>
             <a:ext cx="457200" cy="152400"/>
           </a:xfrm>
           <a:prstGeom prst="rect">
@@ -4570,7 +4546,7 @@
         </p:nvSpPr>
         <p:spPr>
           <a:xfrm>
-            <a:off x="4419600" y="7696200"/>
+            <a:off x="5334000" y="8153400"/>
             <a:ext cx="457200" cy="152400"/>
           </a:xfrm>
           <a:prstGeom prst="rect">
@@ -4623,7 +4599,7 @@
         </p:nvSpPr>
         <p:spPr>
           <a:xfrm>
-            <a:off x="4419600" y="8305800"/>
+            <a:off x="5334000" y="8763000"/>
             <a:ext cx="457200" cy="152400"/>
           </a:xfrm>
           <a:prstGeom prst="rect">
@@ -4665,13 +4641,6 @@
               </a:rPr>
               <a:t>DOPULL</a:t>
             </a:r>
-            <a:endParaRPr lang="en-US" sz="900" dirty="0">
-              <a:solidFill>
-                <a:srgbClr val="000000"/>
-              </a:solidFill>
-              <a:latin typeface="Courier New" panose="02070309020205020404" pitchFamily="49" charset="0"/>
-              <a:cs typeface="Courier New" panose="02070309020205020404" pitchFamily="49" charset="0"/>
-            </a:endParaRPr>
           </a:p>
         </p:txBody>
       </p:sp>
@@ -4683,7 +4652,7 @@
         </p:nvSpPr>
         <p:spPr>
           <a:xfrm>
-            <a:off x="3657600" y="6400800"/>
+            <a:off x="4572000" y="6858000"/>
             <a:ext cx="457200" cy="152400"/>
           </a:xfrm>
           <a:prstGeom prst="rect">
@@ -4735,7 +4704,7 @@
         </p:nvSpPr>
         <p:spPr>
           <a:xfrm>
-            <a:off x="3657600" y="8001000"/>
+            <a:off x="4572000" y="8458200"/>
             <a:ext cx="457200" cy="152400"/>
           </a:xfrm>
           <a:prstGeom prst="rect">
@@ -4787,7 +4756,7 @@
         </p:nvSpPr>
         <p:spPr>
           <a:xfrm>
-            <a:off x="3657600" y="8382000"/>
+            <a:off x="4572000" y="8839200"/>
             <a:ext cx="457200" cy="152400"/>
           </a:xfrm>
           <a:prstGeom prst="rect">
@@ -4839,7 +4808,7 @@
         </p:nvSpPr>
         <p:spPr>
           <a:xfrm>
-            <a:off x="3657600" y="6096000"/>
+            <a:off x="4572000" y="6553200"/>
             <a:ext cx="1219200" cy="2895600"/>
           </a:xfrm>
           <a:prstGeom prst="rect">
@@ -4901,7 +4870,7 @@
         </p:nvCxnSpPr>
         <p:spPr>
           <a:xfrm>
-            <a:off x="3657600" y="8077200"/>
+            <a:off x="4572000" y="8534400"/>
             <a:ext cx="76200" cy="76200"/>
           </a:xfrm>
           <a:prstGeom prst="line">
@@ -4936,7 +4905,7 @@
         </p:nvCxnSpPr>
         <p:spPr>
           <a:xfrm flipH="1">
-            <a:off x="3657600" y="8153400"/>
+            <a:off x="4572000" y="8610600"/>
             <a:ext cx="76200" cy="76200"/>
           </a:xfrm>
           <a:prstGeom prst="line">
@@ -4971,7 +4940,7 @@
         </p:nvSpPr>
         <p:spPr>
           <a:xfrm>
-            <a:off x="3657600" y="5943600"/>
+            <a:off x="4572000" y="6400800"/>
             <a:ext cx="457200" cy="152400"/>
           </a:xfrm>
           <a:prstGeom prst="rect">
@@ -5030,7 +4999,7 @@
         </p:nvSpPr>
         <p:spPr>
           <a:xfrm>
-            <a:off x="4419600" y="8001000"/>
+            <a:off x="5334000" y="8458200"/>
             <a:ext cx="457200" cy="152400"/>
           </a:xfrm>
           <a:prstGeom prst="rect">
@@ -5072,13 +5041,6 @@
               </a:rPr>
               <a:t>DOPUSH</a:t>
             </a:r>
-            <a:endParaRPr lang="en-US" sz="900" dirty="0">
-              <a:solidFill>
-                <a:srgbClr val="000000"/>
-              </a:solidFill>
-              <a:latin typeface="Courier New" panose="02070309020205020404" pitchFamily="49" charset="0"/>
-              <a:cs typeface="Courier New" panose="02070309020205020404" pitchFamily="49" charset="0"/>
-            </a:endParaRPr>
           </a:p>
         </p:txBody>
       </p:sp>
@@ -5090,7 +5052,7 @@
         </p:nvSpPr>
         <p:spPr>
           <a:xfrm>
-            <a:off x="9906000" y="7696200"/>
+            <a:off x="10820400" y="8153400"/>
             <a:ext cx="457200" cy="152400"/>
           </a:xfrm>
           <a:prstGeom prst="rect">
@@ -5143,7 +5105,7 @@
         </p:nvSpPr>
         <p:spPr>
           <a:xfrm>
-            <a:off x="9906000" y="8610600"/>
+            <a:off x="10820400" y="9067800"/>
             <a:ext cx="457200" cy="152400"/>
           </a:xfrm>
           <a:prstGeom prst="rect">
@@ -5185,13 +5147,6 @@
               </a:rPr>
               <a:t>CLKS</a:t>
             </a:r>
-            <a:endParaRPr lang="en-US" sz="900" dirty="0">
-              <a:solidFill>
-                <a:srgbClr val="000000"/>
-              </a:solidFill>
-              <a:latin typeface="Courier New" panose="02070309020205020404" pitchFamily="49" charset="0"/>
-              <a:cs typeface="Courier New" panose="02070309020205020404" pitchFamily="49" charset="0"/>
-            </a:endParaRPr>
           </a:p>
         </p:txBody>
       </p:sp>
@@ -5203,7 +5158,7 @@
         </p:nvSpPr>
         <p:spPr>
           <a:xfrm>
-            <a:off x="9906000" y="8915400"/>
+            <a:off x="10820400" y="9372600"/>
             <a:ext cx="457200" cy="152400"/>
           </a:xfrm>
           <a:prstGeom prst="rect">
@@ -5245,13 +5200,6 @@
               </a:rPr>
               <a:t>RSTXS</a:t>
             </a:r>
-            <a:endParaRPr lang="en-US" sz="900" dirty="0">
-              <a:solidFill>
-                <a:srgbClr val="000000"/>
-              </a:solidFill>
-              <a:latin typeface="Courier New" panose="02070309020205020404" pitchFamily="49" charset="0"/>
-              <a:cs typeface="Courier New" panose="02070309020205020404" pitchFamily="49" charset="0"/>
-            </a:endParaRPr>
           </a:p>
         </p:txBody>
       </p:sp>
@@ -5263,7 +5211,7 @@
         </p:nvSpPr>
         <p:spPr>
           <a:xfrm>
-            <a:off x="9144000" y="7010400"/>
+            <a:off x="10058400" y="7467600"/>
             <a:ext cx="1219200" cy="2286000"/>
           </a:xfrm>
           <a:prstGeom prst="rect">
@@ -5325,7 +5273,7 @@
         </p:nvSpPr>
         <p:spPr>
           <a:xfrm>
-            <a:off x="9144000" y="7696200"/>
+            <a:off x="10058400" y="8153400"/>
             <a:ext cx="457200" cy="152400"/>
           </a:xfrm>
           <a:prstGeom prst="rect">
@@ -5377,7 +5325,7 @@
         </p:nvSpPr>
         <p:spPr>
           <a:xfrm>
-            <a:off x="9144000" y="6858000"/>
+            <a:off x="10058400" y="7315200"/>
             <a:ext cx="457200" cy="152400"/>
           </a:xfrm>
           <a:prstGeom prst="rect">
@@ -5436,7 +5384,7 @@
         </p:nvSpPr>
         <p:spPr>
           <a:xfrm>
-            <a:off x="9144000" y="8610600"/>
+            <a:off x="10058400" y="9067800"/>
             <a:ext cx="457200" cy="152400"/>
           </a:xfrm>
           <a:prstGeom prst="rect">
@@ -5477,13 +5425,6 @@
               </a:rPr>
               <a:t>CLKF</a:t>
             </a:r>
-            <a:endParaRPr lang="en-US" sz="900" dirty="0">
-              <a:solidFill>
-                <a:srgbClr val="000000"/>
-              </a:solidFill>
-              <a:latin typeface="Courier New" panose="02070309020205020404" pitchFamily="49" charset="0"/>
-              <a:cs typeface="Courier New" panose="02070309020205020404" pitchFamily="49" charset="0"/>
-            </a:endParaRPr>
           </a:p>
         </p:txBody>
       </p:sp>
@@ -5495,7 +5436,7 @@
         </p:nvCxnSpPr>
         <p:spPr>
           <a:xfrm>
-            <a:off x="9144000" y="8686800"/>
+            <a:off x="10058400" y="9144000"/>
             <a:ext cx="76200" cy="76200"/>
           </a:xfrm>
           <a:prstGeom prst="line">
@@ -5530,7 +5471,7 @@
         </p:nvCxnSpPr>
         <p:spPr>
           <a:xfrm flipH="1">
-            <a:off x="9144000" y="8763000"/>
+            <a:off x="10058400" y="9220200"/>
             <a:ext cx="76200" cy="76200"/>
           </a:xfrm>
           <a:prstGeom prst="line">
@@ -5565,7 +5506,7 @@
         </p:nvSpPr>
         <p:spPr>
           <a:xfrm>
-            <a:off x="13868400" y="7696200"/>
+            <a:off x="14782800" y="8153400"/>
             <a:ext cx="457200" cy="152400"/>
           </a:xfrm>
           <a:prstGeom prst="rect">
@@ -5618,7 +5559,7 @@
         </p:nvSpPr>
         <p:spPr>
           <a:xfrm>
-            <a:off x="13106400" y="7010400"/>
+            <a:off x="14020800" y="7467600"/>
             <a:ext cx="1219200" cy="2286000"/>
           </a:xfrm>
           <a:prstGeom prst="rect">
@@ -5680,7 +5621,7 @@
         </p:nvSpPr>
         <p:spPr>
           <a:xfrm>
-            <a:off x="13106400" y="7696200"/>
+            <a:off x="14020800" y="8153400"/>
             <a:ext cx="457200" cy="152400"/>
           </a:xfrm>
           <a:prstGeom prst="rect">
@@ -5732,7 +5673,7 @@
         </p:nvSpPr>
         <p:spPr>
           <a:xfrm>
-            <a:off x="13106400" y="6858000"/>
+            <a:off x="14020800" y="7315200"/>
             <a:ext cx="457200" cy="152400"/>
           </a:xfrm>
           <a:prstGeom prst="rect">
@@ -5791,7 +5732,7 @@
         </p:nvSpPr>
         <p:spPr>
           <a:xfrm>
-            <a:off x="13106400" y="7391400"/>
+            <a:off x="14020800" y="7848600"/>
             <a:ext cx="457200" cy="152400"/>
           </a:xfrm>
           <a:prstGeom prst="rect">
@@ -5843,7 +5784,7 @@
         </p:nvSpPr>
         <p:spPr>
           <a:xfrm>
-            <a:off x="16611600" y="7696200"/>
+            <a:off x="17526000" y="8153400"/>
             <a:ext cx="457200" cy="152400"/>
           </a:xfrm>
           <a:prstGeom prst="rect">
@@ -5896,7 +5837,7 @@
         </p:nvSpPr>
         <p:spPr>
           <a:xfrm>
-            <a:off x="16611600" y="8001000"/>
+            <a:off x="17526000" y="8458200"/>
             <a:ext cx="457200" cy="152400"/>
           </a:xfrm>
           <a:prstGeom prst="rect">
@@ -5949,7 +5890,7 @@
         </p:nvSpPr>
         <p:spPr>
           <a:xfrm>
-            <a:off x="16611600" y="8610600"/>
+            <a:off x="17526000" y="9067800"/>
             <a:ext cx="457200" cy="152400"/>
           </a:xfrm>
           <a:prstGeom prst="rect">
@@ -6002,7 +5943,7 @@
         </p:nvSpPr>
         <p:spPr>
           <a:xfrm>
-            <a:off x="16611600" y="8305800"/>
+            <a:off x="17526000" y="8763000"/>
             <a:ext cx="457200" cy="152400"/>
           </a:xfrm>
           <a:prstGeom prst="rect">
@@ -6055,7 +5996,7 @@
         </p:nvSpPr>
         <p:spPr>
           <a:xfrm>
-            <a:off x="15849600" y="8001000"/>
+            <a:off x="16764000" y="8458200"/>
             <a:ext cx="457200" cy="152400"/>
           </a:xfrm>
           <a:prstGeom prst="rect">
@@ -6107,7 +6048,7 @@
         </p:nvSpPr>
         <p:spPr>
           <a:xfrm>
-            <a:off x="15849600" y="8305800"/>
+            <a:off x="16764000" y="8763000"/>
             <a:ext cx="457200" cy="152400"/>
           </a:xfrm>
           <a:prstGeom prst="rect">
@@ -6159,7 +6100,7 @@
         </p:nvSpPr>
         <p:spPr>
           <a:xfrm>
-            <a:off x="15849600" y="8610600"/>
+            <a:off x="16764000" y="9067800"/>
             <a:ext cx="457200" cy="152400"/>
           </a:xfrm>
           <a:prstGeom prst="rect">
@@ -6211,7 +6152,7 @@
         </p:nvSpPr>
         <p:spPr>
           <a:xfrm>
-            <a:off x="15849600" y="8915400"/>
+            <a:off x="16764000" y="9372600"/>
             <a:ext cx="457200" cy="152400"/>
           </a:xfrm>
           <a:prstGeom prst="rect">
@@ -6263,7 +6204,7 @@
         </p:nvSpPr>
         <p:spPr>
           <a:xfrm>
-            <a:off x="15849600" y="7010400"/>
+            <a:off x="16764000" y="7467600"/>
             <a:ext cx="1219200" cy="2286000"/>
           </a:xfrm>
           <a:prstGeom prst="rect">
@@ -6325,7 +6266,7 @@
         </p:nvCxnSpPr>
         <p:spPr>
           <a:xfrm>
-            <a:off x="15849600" y="8686800"/>
+            <a:off x="16764000" y="9144000"/>
             <a:ext cx="76200" cy="76200"/>
           </a:xfrm>
           <a:prstGeom prst="line">
@@ -6360,7 +6301,7 @@
         </p:nvCxnSpPr>
         <p:spPr>
           <a:xfrm flipH="1">
-            <a:off x="15849600" y="8763000"/>
+            <a:off x="16764000" y="9220200"/>
             <a:ext cx="76200" cy="76200"/>
           </a:xfrm>
           <a:prstGeom prst="line">
@@ -6395,7 +6336,7 @@
         </p:nvCxnSpPr>
         <p:spPr>
           <a:xfrm flipH="1">
-            <a:off x="16992600" y="8686800"/>
+            <a:off x="17907000" y="9144000"/>
             <a:ext cx="76200" cy="76200"/>
           </a:xfrm>
           <a:prstGeom prst="line">
@@ -6430,7 +6371,7 @@
         </p:nvCxnSpPr>
         <p:spPr>
           <a:xfrm>
-            <a:off x="16992600" y="8763000"/>
+            <a:off x="17907000" y="9220200"/>
             <a:ext cx="76200" cy="76200"/>
           </a:xfrm>
           <a:prstGeom prst="line">
@@ -6465,7 +6406,7 @@
         </p:nvSpPr>
         <p:spPr>
           <a:xfrm>
-            <a:off x="15849600" y="7696200"/>
+            <a:off x="16764000" y="8153400"/>
             <a:ext cx="457200" cy="152400"/>
           </a:xfrm>
           <a:prstGeom prst="rect">
@@ -6517,7 +6458,7 @@
         </p:nvSpPr>
         <p:spPr>
           <a:xfrm>
-            <a:off x="15849600" y="6705600"/>
+            <a:off x="16764000" y="7162800"/>
             <a:ext cx="457200" cy="304800"/>
           </a:xfrm>
           <a:prstGeom prst="rect">
@@ -6556,25 +6497,8 @@
                 <a:latin typeface="Courier New" panose="02070309020205020404" pitchFamily="49" charset="0"/>
                 <a:cs typeface="Courier New" panose="02070309020205020404" pitchFamily="49" charset="0"/>
               </a:rPr>
-              <a:t>#(.</a:t>
-            </a:r>
-            <a:r>
-              <a:rPr lang="en-US" sz="900" dirty="0">
-                <a:solidFill>
-                  <a:srgbClr val="000000"/>
-                </a:solidFill>
-                <a:latin typeface="Courier New" panose="02070309020205020404" pitchFamily="49" charset="0"/>
-                <a:cs typeface="Courier New" panose="02070309020205020404" pitchFamily="49" charset="0"/>
-              </a:rPr>
-              <a:t>BW(64))</a:t>
-            </a:r>
-            <a:endParaRPr lang="en-US" sz="900" dirty="0">
-              <a:solidFill>
-                <a:srgbClr val="000000"/>
-              </a:solidFill>
-              <a:latin typeface="Courier New" panose="02070309020205020404" pitchFamily="49" charset="0"/>
-              <a:cs typeface="Courier New" panose="02070309020205020404" pitchFamily="49" charset="0"/>
-            </a:endParaRPr>
+              <a:t>#(.BW(64))</a:t>
+            </a:r>
           </a:p>
           <a:p>
             <a:r>
@@ -6605,7 +6529,7 @@
         </p:nvSpPr>
         <p:spPr>
           <a:xfrm>
-            <a:off x="16611600" y="8915400"/>
+            <a:off x="17526000" y="9372600"/>
             <a:ext cx="457200" cy="152400"/>
           </a:xfrm>
           <a:prstGeom prst="rect">
@@ -6658,7 +6582,7 @@
         </p:nvSpPr>
         <p:spPr>
           <a:xfrm>
-            <a:off x="19354800" y="7696200"/>
+            <a:off x="20269200" y="8153400"/>
             <a:ext cx="457200" cy="152400"/>
           </a:xfrm>
           <a:prstGeom prst="rect">
@@ -6711,7 +6635,7 @@
         </p:nvSpPr>
         <p:spPr>
           <a:xfrm>
-            <a:off x="18592800" y="8610600"/>
+            <a:off x="19507200" y="9067800"/>
             <a:ext cx="457200" cy="152400"/>
           </a:xfrm>
           <a:prstGeom prst="rect">
@@ -6763,7 +6687,7 @@
         </p:nvSpPr>
         <p:spPr>
           <a:xfrm>
-            <a:off x="18592800" y="8915400"/>
+            <a:off x="19507200" y="9372600"/>
             <a:ext cx="457200" cy="152400"/>
           </a:xfrm>
           <a:prstGeom prst="rect">
@@ -6815,7 +6739,7 @@
         </p:nvSpPr>
         <p:spPr>
           <a:xfrm>
-            <a:off x="18592800" y="7010400"/>
+            <a:off x="19507200" y="7467600"/>
             <a:ext cx="1219200" cy="2286000"/>
           </a:xfrm>
           <a:prstGeom prst="rect">
@@ -6877,7 +6801,7 @@
         </p:nvCxnSpPr>
         <p:spPr>
           <a:xfrm>
-            <a:off x="18592800" y="8686800"/>
+            <a:off x="19507200" y="9144000"/>
             <a:ext cx="76200" cy="76200"/>
           </a:xfrm>
           <a:prstGeom prst="line">
@@ -6912,7 +6836,7 @@
         </p:nvCxnSpPr>
         <p:spPr>
           <a:xfrm flipH="1">
-            <a:off x="18592800" y="8763000"/>
+            <a:off x="19507200" y="9220200"/>
             <a:ext cx="76200" cy="76200"/>
           </a:xfrm>
           <a:prstGeom prst="line">
@@ -6947,7 +6871,7 @@
         </p:nvSpPr>
         <p:spPr>
           <a:xfrm>
-            <a:off x="18592800" y="7696200"/>
+            <a:off x="19507200" y="8153400"/>
             <a:ext cx="457200" cy="152400"/>
           </a:xfrm>
           <a:prstGeom prst="rect">
@@ -6999,7 +6923,7 @@
         </p:nvSpPr>
         <p:spPr>
           <a:xfrm>
-            <a:off x="18592800" y="6858000"/>
+            <a:off x="19507200" y="7315200"/>
             <a:ext cx="457200" cy="152400"/>
           </a:xfrm>
           <a:prstGeom prst="rect">
@@ -7058,7 +6982,7 @@
         </p:nvSpPr>
         <p:spPr>
           <a:xfrm>
-            <a:off x="18592800" y="8001000"/>
+            <a:off x="19507200" y="8458200"/>
             <a:ext cx="457200" cy="152400"/>
           </a:xfrm>
           <a:prstGeom prst="rect">
@@ -7110,7 +7034,7 @@
         </p:nvSpPr>
         <p:spPr>
           <a:xfrm>
-            <a:off x="18592800" y="7391400"/>
+            <a:off x="19507200" y="7848600"/>
             <a:ext cx="457200" cy="152400"/>
           </a:xfrm>
           <a:prstGeom prst="rect">
@@ -7162,7 +7086,7 @@
         </p:nvSpPr>
         <p:spPr>
           <a:xfrm>
-            <a:off x="19354800" y="8001000"/>
+            <a:off x="20269200" y="8458200"/>
             <a:ext cx="457200" cy="152400"/>
           </a:xfrm>
           <a:prstGeom prst="rect">
@@ -7215,7 +7139,7 @@
         </p:nvSpPr>
         <p:spPr>
           <a:xfrm>
-            <a:off x="19354800" y="8305800"/>
+            <a:off x="20269200" y="8763000"/>
             <a:ext cx="457200" cy="152400"/>
           </a:xfrm>
           <a:prstGeom prst="rect">
@@ -7268,7 +7192,7 @@
         </p:nvSpPr>
         <p:spPr>
           <a:xfrm>
-            <a:off x="22098000" y="7696200"/>
+            <a:off x="23012400" y="8153400"/>
             <a:ext cx="457200" cy="152400"/>
           </a:xfrm>
           <a:prstGeom prst="rect">
@@ -7321,7 +7245,7 @@
         </p:nvSpPr>
         <p:spPr>
           <a:xfrm>
-            <a:off x="21336000" y="9220200"/>
+            <a:off x="22250400" y="9677400"/>
             <a:ext cx="457200" cy="152400"/>
           </a:xfrm>
           <a:prstGeom prst="rect">
@@ -7373,7 +7297,7 @@
         </p:nvSpPr>
         <p:spPr>
           <a:xfrm>
-            <a:off x="21336000" y="9601200"/>
+            <a:off x="22250400" y="10058400"/>
             <a:ext cx="457200" cy="152400"/>
           </a:xfrm>
           <a:prstGeom prst="rect">
@@ -7425,7 +7349,7 @@
         </p:nvSpPr>
         <p:spPr>
           <a:xfrm>
-            <a:off x="21336000" y="6781800"/>
+            <a:off x="22250400" y="7239000"/>
             <a:ext cx="1219200" cy="3124200"/>
           </a:xfrm>
           <a:prstGeom prst="rect">
@@ -7487,7 +7411,7 @@
         </p:nvCxnSpPr>
         <p:spPr>
           <a:xfrm>
-            <a:off x="21336000" y="9296400"/>
+            <a:off x="22250400" y="9753600"/>
             <a:ext cx="76200" cy="76200"/>
           </a:xfrm>
           <a:prstGeom prst="line">
@@ -7522,7 +7446,7 @@
         </p:nvCxnSpPr>
         <p:spPr>
           <a:xfrm flipH="1">
-            <a:off x="21336000" y="9372600"/>
+            <a:off x="22250400" y="9829800"/>
             <a:ext cx="76200" cy="76200"/>
           </a:xfrm>
           <a:prstGeom prst="line">
@@ -7557,7 +7481,7 @@
         </p:nvSpPr>
         <p:spPr>
           <a:xfrm>
-            <a:off x="21336000" y="7696200"/>
+            <a:off x="22250400" y="8153400"/>
             <a:ext cx="457200" cy="152400"/>
           </a:xfrm>
           <a:prstGeom prst="rect">
@@ -7609,7 +7533,7 @@
         </p:nvSpPr>
         <p:spPr>
           <a:xfrm>
-            <a:off x="21336000" y="6629400"/>
+            <a:off x="22250400" y="7086600"/>
             <a:ext cx="457200" cy="152400"/>
           </a:xfrm>
           <a:prstGeom prst="rect">
@@ -7668,7 +7592,7 @@
         </p:nvSpPr>
         <p:spPr>
           <a:xfrm>
-            <a:off x="21336000" y="8001000"/>
+            <a:off x="22250400" y="8458200"/>
             <a:ext cx="457200" cy="152400"/>
           </a:xfrm>
           <a:prstGeom prst="rect">
@@ -7720,7 +7644,7 @@
         </p:nvSpPr>
         <p:spPr>
           <a:xfrm>
-            <a:off x="21336000" y="7391400"/>
+            <a:off x="22250400" y="7848600"/>
             <a:ext cx="457200" cy="152400"/>
           </a:xfrm>
           <a:prstGeom prst="rect">
@@ -7772,7 +7696,7 @@
         </p:nvSpPr>
         <p:spPr>
           <a:xfrm>
-            <a:off x="21336000" y="8305800"/>
+            <a:off x="22250400" y="8763000"/>
             <a:ext cx="457200" cy="152400"/>
           </a:xfrm>
           <a:prstGeom prst="rect">
@@ -7824,7 +7748,7 @@
         </p:nvSpPr>
         <p:spPr>
           <a:xfrm>
-            <a:off x="21336000" y="7086600"/>
+            <a:off x="22250400" y="7543800"/>
             <a:ext cx="457200" cy="152400"/>
           </a:xfrm>
           <a:prstGeom prst="rect">
@@ -7876,7 +7800,7 @@
         </p:nvCxnSpPr>
         <p:spPr>
           <a:xfrm flipV="1">
-            <a:off x="11049000" y="7696196"/>
+            <a:off x="11963400" y="8153396"/>
             <a:ext cx="152400" cy="152404"/>
           </a:xfrm>
           <a:prstGeom prst="line">
@@ -7913,7 +7837,7 @@
         </p:nvSpPr>
         <p:spPr>
           <a:xfrm>
-            <a:off x="11049001" y="7619996"/>
+            <a:off x="11963401" y="8077196"/>
             <a:ext cx="152400" cy="76200"/>
           </a:xfrm>
           <a:prstGeom prst="rect">
@@ -7966,7 +7890,7 @@
         </p:nvSpPr>
         <p:spPr>
           <a:xfrm>
-            <a:off x="11277600" y="7696196"/>
+            <a:off x="12192000" y="8153396"/>
             <a:ext cx="228600" cy="152400"/>
           </a:xfrm>
           <a:prstGeom prst="homePlate">
@@ -8020,7 +7944,7 @@
         </p:nvCxnSpPr>
         <p:spPr>
           <a:xfrm flipV="1">
-            <a:off x="10363200" y="7772396"/>
+            <a:off x="11277600" y="8229596"/>
             <a:ext cx="914400" cy="4"/>
           </a:xfrm>
           <a:prstGeom prst="line">
@@ -8057,7 +7981,7 @@
         </p:nvSpPr>
         <p:spPr>
           <a:xfrm>
-            <a:off x="10515600" y="7619996"/>
+            <a:off x="11430000" y="8077196"/>
             <a:ext cx="457200" cy="152400"/>
           </a:xfrm>
           <a:prstGeom prst="rect">
@@ -8109,7 +8033,7 @@
         </p:nvSpPr>
         <p:spPr>
           <a:xfrm>
-            <a:off x="11963400" y="7696200"/>
+            <a:off x="12877800" y="8153400"/>
             <a:ext cx="228600" cy="152400"/>
           </a:xfrm>
           <a:prstGeom prst="homePlate">
@@ -8160,7 +8084,7 @@
         </p:nvCxnSpPr>
         <p:spPr>
           <a:xfrm flipV="1">
-            <a:off x="12192000" y="7772400"/>
+            <a:off x="13106400" y="8229600"/>
             <a:ext cx="914400" cy="4"/>
           </a:xfrm>
           <a:prstGeom prst="line">
@@ -8197,7 +8121,7 @@
         </p:nvCxnSpPr>
         <p:spPr>
           <a:xfrm flipV="1">
-            <a:off x="12268200" y="7696200"/>
+            <a:off x="13182600" y="8153400"/>
             <a:ext cx="152400" cy="152404"/>
           </a:xfrm>
           <a:prstGeom prst="line">
@@ -8234,7 +8158,7 @@
         </p:nvSpPr>
         <p:spPr>
           <a:xfrm>
-            <a:off x="12268201" y="7620000"/>
+            <a:off x="13182601" y="8077200"/>
             <a:ext cx="152400" cy="76200"/>
           </a:xfrm>
           <a:prstGeom prst="rect">
@@ -8287,7 +8211,7 @@
         </p:nvSpPr>
         <p:spPr>
           <a:xfrm>
-            <a:off x="12496800" y="7620000"/>
+            <a:off x="13411200" y="8077200"/>
             <a:ext cx="457200" cy="152400"/>
           </a:xfrm>
           <a:prstGeom prst="rect">
@@ -8339,7 +8263,7 @@
         </p:nvSpPr>
         <p:spPr>
           <a:xfrm>
-            <a:off x="4419600" y="6400800"/>
+            <a:off x="5334000" y="6858000"/>
             <a:ext cx="457200" cy="152400"/>
           </a:xfrm>
           <a:prstGeom prst="rect">
@@ -8392,7 +8316,7 @@
         </p:nvCxnSpPr>
         <p:spPr>
           <a:xfrm flipV="1">
-            <a:off x="4876800" y="7772400"/>
+            <a:off x="5791200" y="8229600"/>
             <a:ext cx="1524000" cy="4"/>
           </a:xfrm>
           <a:prstGeom prst="line">
@@ -8429,7 +8353,7 @@
         </p:nvCxnSpPr>
         <p:spPr>
           <a:xfrm flipV="1">
-            <a:off x="4876800" y="8077200"/>
+            <a:off x="5791200" y="8534400"/>
             <a:ext cx="1524000" cy="4"/>
           </a:xfrm>
           <a:prstGeom prst="line">
@@ -8468,7 +8392,7 @@
         </p:nvCxnSpPr>
         <p:spPr>
           <a:xfrm flipH="1" flipV="1">
-            <a:off x="4876800" y="8382000"/>
+            <a:off x="5791200" y="8839200"/>
             <a:ext cx="1524000" cy="4"/>
           </a:xfrm>
           <a:prstGeom prst="line">
@@ -8505,7 +8429,7 @@
         </p:nvCxnSpPr>
         <p:spPr>
           <a:xfrm flipV="1">
-            <a:off x="7620000" y="7772400"/>
+            <a:off x="8534400" y="8229600"/>
             <a:ext cx="1524000" cy="4"/>
           </a:xfrm>
           <a:prstGeom prst="line">
@@ -8542,7 +8466,7 @@
         </p:nvCxnSpPr>
         <p:spPr>
           <a:xfrm flipH="1">
-            <a:off x="7620000" y="8382000"/>
+            <a:off x="8534400" y="8839200"/>
             <a:ext cx="304800" cy="0"/>
           </a:xfrm>
           <a:prstGeom prst="line">
@@ -8579,7 +8503,7 @@
         </p:nvSpPr>
         <p:spPr>
           <a:xfrm>
-            <a:off x="7772400" y="8229600"/>
+            <a:off x="8686800" y="8686800"/>
             <a:ext cx="457200" cy="152400"/>
           </a:xfrm>
           <a:prstGeom prst="rect">
@@ -8631,7 +8555,7 @@
         </p:nvCxnSpPr>
         <p:spPr>
           <a:xfrm>
-            <a:off x="7620000" y="8077204"/>
+            <a:off x="8534400" y="8534404"/>
             <a:ext cx="304800" cy="0"/>
           </a:xfrm>
           <a:prstGeom prst="line">
@@ -8668,7 +8592,7 @@
         </p:nvCxnSpPr>
         <p:spPr>
           <a:xfrm flipV="1">
-            <a:off x="7848600" y="8001000"/>
+            <a:off x="8763000" y="8458200"/>
             <a:ext cx="152400" cy="152404"/>
           </a:xfrm>
           <a:prstGeom prst="line">
@@ -8705,7 +8629,7 @@
         </p:nvCxnSpPr>
         <p:spPr>
           <a:xfrm>
-            <a:off x="7848600" y="8001000"/>
+            <a:off x="8763000" y="8458200"/>
             <a:ext cx="152400" cy="152400"/>
           </a:xfrm>
           <a:prstGeom prst="line">
@@ -8742,7 +8666,7 @@
         </p:nvCxnSpPr>
         <p:spPr>
           <a:xfrm flipV="1">
-            <a:off x="14325600" y="7772400"/>
+            <a:off x="15240000" y="8229600"/>
             <a:ext cx="1524000" cy="4"/>
           </a:xfrm>
           <a:prstGeom prst="line">
@@ -8779,7 +8703,7 @@
         </p:nvCxnSpPr>
         <p:spPr>
           <a:xfrm flipV="1">
-            <a:off x="5029199" y="7696200"/>
+            <a:off x="5943599" y="8153400"/>
             <a:ext cx="152400" cy="152404"/>
           </a:xfrm>
           <a:prstGeom prst="line">
@@ -8816,7 +8740,7 @@
         </p:nvSpPr>
         <p:spPr>
           <a:xfrm>
-            <a:off x="5029200" y="7620000"/>
+            <a:off x="5943600" y="8077200"/>
             <a:ext cx="152400" cy="76200"/>
           </a:xfrm>
           <a:prstGeom prst="rect">
@@ -8858,13 +8782,6 @@
               </a:rPr>
               <a:t>64</a:t>
             </a:r>
-            <a:endParaRPr lang="en-US" sz="900" dirty="0">
-              <a:solidFill>
-                <a:srgbClr val="000000"/>
-              </a:solidFill>
-              <a:latin typeface="Courier New" panose="02070309020205020404" pitchFamily="49" charset="0"/>
-              <a:cs typeface="Courier New" panose="02070309020205020404" pitchFamily="49" charset="0"/>
-            </a:endParaRPr>
           </a:p>
         </p:txBody>
       </p:sp>
@@ -8876,7 +8793,7 @@
         </p:nvCxnSpPr>
         <p:spPr>
           <a:xfrm flipV="1">
-            <a:off x="5029200" y="8000996"/>
+            <a:off x="5943600" y="8458196"/>
             <a:ext cx="152400" cy="152404"/>
           </a:xfrm>
           <a:prstGeom prst="line">
@@ -8913,7 +8830,7 @@
         </p:nvSpPr>
         <p:spPr>
           <a:xfrm>
-            <a:off x="5029201" y="7924796"/>
+            <a:off x="5943601" y="8381996"/>
             <a:ext cx="152400" cy="76200"/>
           </a:xfrm>
           <a:prstGeom prst="rect">
@@ -8966,7 +8883,7 @@
         </p:nvCxnSpPr>
         <p:spPr>
           <a:xfrm flipV="1">
-            <a:off x="5029200" y="8305796"/>
+            <a:off x="5943600" y="8762996"/>
             <a:ext cx="152400" cy="152404"/>
           </a:xfrm>
           <a:prstGeom prst="line">
@@ -9003,7 +8920,7 @@
         </p:nvSpPr>
         <p:spPr>
           <a:xfrm>
-            <a:off x="5029201" y="8229596"/>
+            <a:off x="5943601" y="8686796"/>
             <a:ext cx="152400" cy="76200"/>
           </a:xfrm>
           <a:prstGeom prst="rect">
@@ -9056,7 +8973,7 @@
         </p:nvCxnSpPr>
         <p:spPr>
           <a:xfrm flipV="1">
-            <a:off x="7772400" y="7696200"/>
+            <a:off x="8686800" y="8153400"/>
             <a:ext cx="152400" cy="152404"/>
           </a:xfrm>
           <a:prstGeom prst="line">
@@ -9093,7 +9010,7 @@
         </p:nvSpPr>
         <p:spPr>
           <a:xfrm>
-            <a:off x="7772401" y="7620000"/>
+            <a:off x="8686801" y="8077200"/>
             <a:ext cx="152400" cy="76200"/>
           </a:xfrm>
           <a:prstGeom prst="rect">
@@ -9135,13 +9052,6 @@
               </a:rPr>
               <a:t>64</a:t>
             </a:r>
-            <a:endParaRPr lang="en-US" sz="900" dirty="0">
-              <a:solidFill>
-                <a:srgbClr val="000000"/>
-              </a:solidFill>
-              <a:latin typeface="Courier New" panose="02070309020205020404" pitchFamily="49" charset="0"/>
-              <a:cs typeface="Courier New" panose="02070309020205020404" pitchFamily="49" charset="0"/>
-            </a:endParaRPr>
           </a:p>
         </p:txBody>
       </p:sp>
@@ -9153,7 +9063,7 @@
         </p:nvCxnSpPr>
         <p:spPr>
           <a:xfrm>
-            <a:off x="15544800" y="8077200"/>
+            <a:off x="16459200" y="8534400"/>
             <a:ext cx="304800" cy="0"/>
           </a:xfrm>
           <a:prstGeom prst="line">
@@ -9190,7 +9100,7 @@
         </p:nvSpPr>
         <p:spPr>
           <a:xfrm>
-            <a:off x="15240000" y="7924800"/>
+            <a:off x="16154400" y="8382000"/>
             <a:ext cx="457200" cy="152400"/>
           </a:xfrm>
           <a:prstGeom prst="rect">
@@ -9243,7 +9153,7 @@
         </p:nvCxnSpPr>
         <p:spPr>
           <a:xfrm flipH="1">
-            <a:off x="15544800" y="8382000"/>
+            <a:off x="16459200" y="8839200"/>
             <a:ext cx="304800" cy="0"/>
           </a:xfrm>
           <a:prstGeom prst="line">
@@ -9280,7 +9190,7 @@
         </p:nvCxnSpPr>
         <p:spPr>
           <a:xfrm flipV="1">
-            <a:off x="15468600" y="8305800"/>
+            <a:off x="16383000" y="8763000"/>
             <a:ext cx="152400" cy="152404"/>
           </a:xfrm>
           <a:prstGeom prst="line">
@@ -9317,7 +9227,7 @@
         </p:nvCxnSpPr>
         <p:spPr>
           <a:xfrm>
-            <a:off x="15468600" y="8305800"/>
+            <a:off x="16383000" y="8763000"/>
             <a:ext cx="152400" cy="152400"/>
           </a:xfrm>
           <a:prstGeom prst="line">
@@ -9354,7 +9264,7 @@
         </p:nvCxnSpPr>
         <p:spPr>
           <a:xfrm flipV="1">
-            <a:off x="14478000" y="7696200"/>
+            <a:off x="15392400" y="8153400"/>
             <a:ext cx="152400" cy="152404"/>
           </a:xfrm>
           <a:prstGeom prst="line">
@@ -9391,7 +9301,7 @@
         </p:nvSpPr>
         <p:spPr>
           <a:xfrm>
-            <a:off x="14478001" y="7620000"/>
+            <a:off x="15392401" y="8077200"/>
             <a:ext cx="152400" cy="76200"/>
           </a:xfrm>
           <a:prstGeom prst="rect">
@@ -9433,13 +9343,6 @@
               </a:rPr>
               <a:t>64</a:t>
             </a:r>
-            <a:endParaRPr lang="en-US" sz="900" dirty="0">
-              <a:solidFill>
-                <a:srgbClr val="000000"/>
-              </a:solidFill>
-              <a:latin typeface="Courier New" panose="02070309020205020404" pitchFamily="49" charset="0"/>
-              <a:cs typeface="Courier New" panose="02070309020205020404" pitchFamily="49" charset="0"/>
-            </a:endParaRPr>
           </a:p>
         </p:txBody>
       </p:sp>
@@ -9451,7 +9354,7 @@
         </p:nvCxnSpPr>
         <p:spPr>
           <a:xfrm>
-            <a:off x="3352800" y="6477000"/>
+            <a:off x="4267200" y="6934200"/>
             <a:ext cx="304800" cy="0"/>
           </a:xfrm>
           <a:prstGeom prst="line">
@@ -9488,7 +9391,7 @@
         </p:nvCxnSpPr>
         <p:spPr>
           <a:xfrm flipV="1">
-            <a:off x="17068800" y="7772400"/>
+            <a:off x="17983200" y="8229600"/>
             <a:ext cx="1524000" cy="4"/>
           </a:xfrm>
           <a:prstGeom prst="line">
@@ -9525,7 +9428,7 @@
         </p:nvCxnSpPr>
         <p:spPr>
           <a:xfrm flipV="1">
-            <a:off x="17068800" y="8077200"/>
+            <a:off x="17983200" y="8534400"/>
             <a:ext cx="1524000" cy="4"/>
           </a:xfrm>
           <a:prstGeom prst="line">
@@ -9562,7 +9465,7 @@
         </p:nvCxnSpPr>
         <p:spPr>
           <a:xfrm flipH="1">
-            <a:off x="17068800" y="8382000"/>
+            <a:off x="17983200" y="8839200"/>
             <a:ext cx="304800" cy="0"/>
           </a:xfrm>
           <a:prstGeom prst="line">
@@ -9599,7 +9502,7 @@
         </p:nvCxnSpPr>
         <p:spPr>
           <a:xfrm flipV="1">
-            <a:off x="17221199" y="7696200"/>
+            <a:off x="18135599" y="8153400"/>
             <a:ext cx="152400" cy="152404"/>
           </a:xfrm>
           <a:prstGeom prst="line">
@@ -9636,7 +9539,7 @@
         </p:nvSpPr>
         <p:spPr>
           <a:xfrm>
-            <a:off x="17221200" y="7620000"/>
+            <a:off x="18135600" y="8077200"/>
             <a:ext cx="152400" cy="76200"/>
           </a:xfrm>
           <a:prstGeom prst="rect">
@@ -9678,13 +9581,6 @@
               </a:rPr>
               <a:t>64</a:t>
             </a:r>
-            <a:endParaRPr lang="en-US" sz="900" dirty="0">
-              <a:solidFill>
-                <a:srgbClr val="000000"/>
-              </a:solidFill>
-              <a:latin typeface="Courier New" panose="02070309020205020404" pitchFamily="49" charset="0"/>
-              <a:cs typeface="Courier New" panose="02070309020205020404" pitchFamily="49" charset="0"/>
-            </a:endParaRPr>
           </a:p>
         </p:txBody>
       </p:sp>
@@ -9696,7 +9592,7 @@
         </p:nvCxnSpPr>
         <p:spPr>
           <a:xfrm flipV="1">
-            <a:off x="17221200" y="8000996"/>
+            <a:off x="18135600" y="8458196"/>
             <a:ext cx="152400" cy="152404"/>
           </a:xfrm>
           <a:prstGeom prst="line">
@@ -9733,7 +9629,7 @@
         </p:nvSpPr>
         <p:spPr>
           <a:xfrm>
-            <a:off x="17221201" y="7924796"/>
+            <a:off x="18135601" y="8381996"/>
             <a:ext cx="152400" cy="76200"/>
           </a:xfrm>
           <a:prstGeom prst="rect">
@@ -9786,7 +9682,7 @@
         </p:nvCxnSpPr>
         <p:spPr>
           <a:xfrm flipV="1">
-            <a:off x="19812000" y="7772400"/>
+            <a:off x="20726400" y="8229600"/>
             <a:ext cx="1524000" cy="4"/>
           </a:xfrm>
           <a:prstGeom prst="line">
@@ -9823,7 +9719,7 @@
         </p:nvCxnSpPr>
         <p:spPr>
           <a:xfrm flipV="1">
-            <a:off x="19812000" y="8077200"/>
+            <a:off x="20726400" y="8534400"/>
             <a:ext cx="1524000" cy="4"/>
           </a:xfrm>
           <a:prstGeom prst="line">
@@ -9860,7 +9756,7 @@
         </p:nvCxnSpPr>
         <p:spPr>
           <a:xfrm flipV="1">
-            <a:off x="19964399" y="7696200"/>
+            <a:off x="20878799" y="8153400"/>
             <a:ext cx="152400" cy="152404"/>
           </a:xfrm>
           <a:prstGeom prst="line">
@@ -9897,7 +9793,7 @@
         </p:nvSpPr>
         <p:spPr>
           <a:xfrm>
-            <a:off x="19964400" y="7620000"/>
+            <a:off x="20878800" y="8077200"/>
             <a:ext cx="152400" cy="76200"/>
           </a:xfrm>
           <a:prstGeom prst="rect">
@@ -9957,7 +9853,7 @@
         </p:nvCxnSpPr>
         <p:spPr>
           <a:xfrm flipV="1">
-            <a:off x="19964400" y="8000996"/>
+            <a:off x="20878800" y="8458196"/>
             <a:ext cx="152400" cy="152404"/>
           </a:xfrm>
           <a:prstGeom prst="line">
@@ -9994,7 +9890,7 @@
         </p:nvSpPr>
         <p:spPr>
           <a:xfrm>
-            <a:off x="19964401" y="7924796"/>
+            <a:off x="20878801" y="8381996"/>
             <a:ext cx="152400" cy="76200"/>
           </a:xfrm>
           <a:prstGeom prst="rect">
@@ -10047,7 +9943,7 @@
         </p:nvCxnSpPr>
         <p:spPr>
           <a:xfrm flipV="1">
-            <a:off x="19812000" y="8382000"/>
+            <a:off x="20726400" y="8839200"/>
             <a:ext cx="1524000" cy="4"/>
           </a:xfrm>
           <a:prstGeom prst="line">
@@ -10084,7 +9980,7 @@
         </p:nvCxnSpPr>
         <p:spPr>
           <a:xfrm flipV="1">
-            <a:off x="19964400" y="8305796"/>
+            <a:off x="20878800" y="8762996"/>
             <a:ext cx="152400" cy="152404"/>
           </a:xfrm>
           <a:prstGeom prst="line">
@@ -10121,7 +10017,7 @@
         </p:nvSpPr>
         <p:spPr>
           <a:xfrm>
-            <a:off x="19964401" y="8229596"/>
+            <a:off x="20878801" y="8686796"/>
             <a:ext cx="152400" cy="76200"/>
           </a:xfrm>
           <a:prstGeom prst="rect">
@@ -10174,7 +10070,7 @@
         </p:nvSpPr>
         <p:spPr>
           <a:xfrm>
-            <a:off x="9144000" y="8915400"/>
+            <a:off x="10058400" y="9372600"/>
             <a:ext cx="457200" cy="152400"/>
           </a:xfrm>
           <a:prstGeom prst="rect">
@@ -10215,13 +10111,6 @@
               </a:rPr>
               <a:t>RSTXF</a:t>
             </a:r>
-            <a:endParaRPr lang="en-US" sz="900" dirty="0">
-              <a:solidFill>
-                <a:srgbClr val="000000"/>
-              </a:solidFill>
-              <a:latin typeface="Courier New" panose="02070309020205020404" pitchFamily="49" charset="0"/>
-              <a:cs typeface="Courier New" panose="02070309020205020404" pitchFamily="49" charset="0"/>
-            </a:endParaRPr>
           </a:p>
         </p:txBody>
       </p:sp>
@@ -10233,7 +10122,7 @@
         </p:nvSpPr>
         <p:spPr>
           <a:xfrm>
-            <a:off x="13106400" y="8610600"/>
+            <a:off x="14020800" y="9067800"/>
             <a:ext cx="457200" cy="152400"/>
           </a:xfrm>
           <a:prstGeom prst="rect">
@@ -10274,13 +10163,6 @@
               </a:rPr>
               <a:t>CLKS</a:t>
             </a:r>
-            <a:endParaRPr lang="en-US" sz="900" dirty="0">
-              <a:solidFill>
-                <a:srgbClr val="000000"/>
-              </a:solidFill>
-              <a:latin typeface="Courier New" panose="02070309020205020404" pitchFamily="49" charset="0"/>
-              <a:cs typeface="Courier New" panose="02070309020205020404" pitchFamily="49" charset="0"/>
-            </a:endParaRPr>
           </a:p>
         </p:txBody>
       </p:sp>
@@ -10292,7 +10174,7 @@
         </p:nvSpPr>
         <p:spPr>
           <a:xfrm>
-            <a:off x="13106400" y="8915400"/>
+            <a:off x="14020800" y="9372600"/>
             <a:ext cx="457200" cy="152400"/>
           </a:xfrm>
           <a:prstGeom prst="rect">
@@ -10333,13 +10215,6 @@
               </a:rPr>
               <a:t>RSTXS</a:t>
             </a:r>
-            <a:endParaRPr lang="en-US" sz="900" dirty="0">
-              <a:solidFill>
-                <a:srgbClr val="000000"/>
-              </a:solidFill>
-              <a:latin typeface="Courier New" panose="02070309020205020404" pitchFamily="49" charset="0"/>
-              <a:cs typeface="Courier New" panose="02070309020205020404" pitchFamily="49" charset="0"/>
-            </a:endParaRPr>
           </a:p>
         </p:txBody>
       </p:sp>
@@ -10351,7 +10226,7 @@
         </p:nvCxnSpPr>
         <p:spPr>
           <a:xfrm>
-            <a:off x="13106400" y="8686800"/>
+            <a:off x="14020800" y="9144000"/>
             <a:ext cx="76200" cy="76200"/>
           </a:xfrm>
           <a:prstGeom prst="line">
@@ -10386,7 +10261,7 @@
         </p:nvCxnSpPr>
         <p:spPr>
           <a:xfrm flipH="1">
-            <a:off x="13106400" y="8763000"/>
+            <a:off x="14020800" y="9220200"/>
             <a:ext cx="76200" cy="76200"/>
           </a:xfrm>
           <a:prstGeom prst="line">
@@ -10421,7 +10296,7 @@
         </p:nvCxnSpPr>
         <p:spPr>
           <a:xfrm flipH="1">
-            <a:off x="10287000" y="8686800"/>
+            <a:off x="11201400" y="9144000"/>
             <a:ext cx="76200" cy="76200"/>
           </a:xfrm>
           <a:prstGeom prst="line">
@@ -10456,7 +10331,7 @@
         </p:nvCxnSpPr>
         <p:spPr>
           <a:xfrm>
-            <a:off x="10287000" y="8763000"/>
+            <a:off x="11201400" y="9220200"/>
             <a:ext cx="76200" cy="76200"/>
           </a:xfrm>
           <a:prstGeom prst="line">
@@ -10491,7 +10366,7 @@
         </p:nvCxnSpPr>
         <p:spPr>
           <a:xfrm>
-            <a:off x="10363200" y="8763004"/>
+            <a:off x="11277600" y="9220204"/>
             <a:ext cx="2743200" cy="0"/>
           </a:xfrm>
           <a:prstGeom prst="line">
@@ -10528,7 +10403,7 @@
         </p:nvCxnSpPr>
         <p:spPr>
           <a:xfrm>
-            <a:off x="10363200" y="8991600"/>
+            <a:off x="11277600" y="9448800"/>
             <a:ext cx="2743200" cy="0"/>
           </a:xfrm>
           <a:prstGeom prst="line">
@@ -10565,7 +10440,7 @@
         </p:nvCxnSpPr>
         <p:spPr>
           <a:xfrm>
-            <a:off x="11887200" y="8991600"/>
+            <a:off x="12801600" y="9448800"/>
             <a:ext cx="0" cy="2133600"/>
           </a:xfrm>
           <a:prstGeom prst="line">
@@ -10602,7 +10477,7 @@
         </p:nvCxnSpPr>
         <p:spPr>
           <a:xfrm flipV="1">
-            <a:off x="609600" y="11048996"/>
+            <a:off x="609600" y="11506196"/>
             <a:ext cx="152400" cy="152404"/>
           </a:xfrm>
           <a:prstGeom prst="line">
@@ -10639,7 +10514,7 @@
         </p:nvSpPr>
         <p:spPr>
           <a:xfrm>
-            <a:off x="914400" y="10972796"/>
+            <a:off x="914400" y="11429996"/>
             <a:ext cx="457200" cy="152400"/>
           </a:xfrm>
           <a:prstGeom prst="rect">
@@ -10680,13 +10555,6 @@
               </a:rPr>
               <a:t>RSTXS</a:t>
             </a:r>
-            <a:endParaRPr lang="en-US" sz="900" dirty="0">
-              <a:solidFill>
-                <a:srgbClr val="000000"/>
-              </a:solidFill>
-              <a:latin typeface="Courier New" panose="02070309020205020404" pitchFamily="49" charset="0"/>
-              <a:cs typeface="Courier New" panose="02070309020205020404" pitchFamily="49" charset="0"/>
-            </a:endParaRPr>
           </a:p>
         </p:txBody>
       </p:sp>
@@ -10698,7 +10566,7 @@
         </p:nvSpPr>
         <p:spPr>
           <a:xfrm>
-            <a:off x="609601" y="10972796"/>
+            <a:off x="609601" y="11429996"/>
             <a:ext cx="152400" cy="76200"/>
           </a:xfrm>
           <a:prstGeom prst="rect">
@@ -10751,7 +10619,7 @@
         </p:nvSpPr>
         <p:spPr>
           <a:xfrm>
-            <a:off x="304800" y="11048996"/>
+            <a:off x="304800" y="11506196"/>
             <a:ext cx="228600" cy="152400"/>
           </a:xfrm>
           <a:prstGeom prst="homePlate">
@@ -10804,8 +10672,8 @@
         </p:nvCxnSpPr>
         <p:spPr>
           <a:xfrm>
-            <a:off x="533400" y="11125196"/>
-            <a:ext cx="11353800" cy="0"/>
+            <a:off x="533400" y="11582396"/>
+            <a:ext cx="12268200" cy="0"/>
           </a:xfrm>
           <a:prstGeom prst="line">
             <a:avLst/>
@@ -10841,7 +10709,7 @@
         </p:nvCxnSpPr>
         <p:spPr>
           <a:xfrm>
-            <a:off x="7620000" y="8763000"/>
+            <a:off x="8534400" y="9220200"/>
             <a:ext cx="1524000" cy="0"/>
           </a:xfrm>
           <a:prstGeom prst="line">
@@ -10878,7 +10746,7 @@
         </p:nvCxnSpPr>
         <p:spPr>
           <a:xfrm>
-            <a:off x="7620000" y="8991600"/>
+            <a:off x="8534400" y="9448800"/>
             <a:ext cx="1524000" cy="0"/>
           </a:xfrm>
           <a:prstGeom prst="line">
@@ -10915,7 +10783,7 @@
         </p:nvCxnSpPr>
         <p:spPr>
           <a:xfrm>
-            <a:off x="8229600" y="8763000"/>
+            <a:off x="9144000" y="9220200"/>
             <a:ext cx="0" cy="2667000"/>
           </a:xfrm>
           <a:prstGeom prst="line">
@@ -10952,7 +10820,7 @@
         </p:nvCxnSpPr>
         <p:spPr>
           <a:xfrm>
-            <a:off x="8534400" y="8991600"/>
+            <a:off x="9448800" y="9448800"/>
             <a:ext cx="0" cy="2743200"/>
           </a:xfrm>
           <a:prstGeom prst="line">
@@ -10989,7 +10857,7 @@
         </p:nvCxnSpPr>
         <p:spPr>
           <a:xfrm flipV="1">
-            <a:off x="609600" y="11353800"/>
+            <a:off x="609600" y="11811000"/>
             <a:ext cx="152400" cy="152404"/>
           </a:xfrm>
           <a:prstGeom prst="line">
@@ -11026,7 +10894,7 @@
         </p:nvSpPr>
         <p:spPr>
           <a:xfrm>
-            <a:off x="914400" y="11277600"/>
+            <a:off x="914400" y="11734800"/>
             <a:ext cx="457200" cy="152400"/>
           </a:xfrm>
           <a:prstGeom prst="rect">
@@ -11067,13 +10935,6 @@
               </a:rPr>
               <a:t>CLKF</a:t>
             </a:r>
-            <a:endParaRPr lang="en-US" sz="900" dirty="0">
-              <a:solidFill>
-                <a:srgbClr val="000000"/>
-              </a:solidFill>
-              <a:latin typeface="Courier New" panose="02070309020205020404" pitchFamily="49" charset="0"/>
-              <a:cs typeface="Courier New" panose="02070309020205020404" pitchFamily="49" charset="0"/>
-            </a:endParaRPr>
           </a:p>
         </p:txBody>
       </p:sp>
@@ -11085,7 +10946,7 @@
         </p:nvSpPr>
         <p:spPr>
           <a:xfrm>
-            <a:off x="609601" y="11277600"/>
+            <a:off x="609601" y="11734800"/>
             <a:ext cx="152400" cy="76200"/>
           </a:xfrm>
           <a:prstGeom prst="rect">
@@ -11138,7 +10999,7 @@
         </p:nvSpPr>
         <p:spPr>
           <a:xfrm>
-            <a:off x="304800" y="11353800"/>
+            <a:off x="304800" y="11811000"/>
             <a:ext cx="228600" cy="152400"/>
           </a:xfrm>
           <a:prstGeom prst="homePlate">
@@ -11191,8 +11052,8 @@
         </p:nvCxnSpPr>
         <p:spPr>
           <a:xfrm>
-            <a:off x="533400" y="11430000"/>
-            <a:ext cx="14401800" cy="0"/>
+            <a:off x="533400" y="11887200"/>
+            <a:ext cx="15316200" cy="0"/>
           </a:xfrm>
           <a:prstGeom prst="line">
             <a:avLst/>
@@ -11228,7 +11089,7 @@
         </p:nvCxnSpPr>
         <p:spPr>
           <a:xfrm flipV="1">
-            <a:off x="609600" y="11658600"/>
+            <a:off x="609600" y="12115800"/>
             <a:ext cx="152400" cy="152404"/>
           </a:xfrm>
           <a:prstGeom prst="line">
@@ -11265,7 +11126,7 @@
         </p:nvSpPr>
         <p:spPr>
           <a:xfrm>
-            <a:off x="914400" y="11582400"/>
+            <a:off x="914400" y="12039600"/>
             <a:ext cx="457200" cy="152400"/>
           </a:xfrm>
           <a:prstGeom prst="rect">
@@ -11306,13 +11167,6 @@
               </a:rPr>
               <a:t>RSTXF</a:t>
             </a:r>
-            <a:endParaRPr lang="en-US" sz="900" dirty="0">
-              <a:solidFill>
-                <a:srgbClr val="000000"/>
-              </a:solidFill>
-              <a:latin typeface="Courier New" panose="02070309020205020404" pitchFamily="49" charset="0"/>
-              <a:cs typeface="Courier New" panose="02070309020205020404" pitchFamily="49" charset="0"/>
-            </a:endParaRPr>
           </a:p>
         </p:txBody>
       </p:sp>
@@ -11324,7 +11178,7 @@
         </p:nvSpPr>
         <p:spPr>
           <a:xfrm>
-            <a:off x="609600" y="11582400"/>
+            <a:off x="609600" y="12039600"/>
             <a:ext cx="152400" cy="76200"/>
           </a:xfrm>
           <a:prstGeom prst="rect">
@@ -11377,7 +11231,7 @@
         </p:nvSpPr>
         <p:spPr>
           <a:xfrm>
-            <a:off x="304800" y="11658600"/>
+            <a:off x="304800" y="12115800"/>
             <a:ext cx="228600" cy="152400"/>
           </a:xfrm>
           <a:prstGeom prst="homePlate">
@@ -11430,8 +11284,8 @@
         </p:nvCxnSpPr>
         <p:spPr>
           <a:xfrm>
-            <a:off x="533400" y="11734800"/>
-            <a:ext cx="14706600" cy="0"/>
+            <a:off x="533400" y="12192000"/>
+            <a:ext cx="15621000" cy="0"/>
           </a:xfrm>
           <a:prstGeom prst="line">
             <a:avLst/>
@@ -11467,7 +11321,7 @@
         </p:nvCxnSpPr>
         <p:spPr>
           <a:xfrm>
-            <a:off x="14325600" y="8763000"/>
+            <a:off x="15240000" y="9220200"/>
             <a:ext cx="1524000" cy="0"/>
           </a:xfrm>
           <a:prstGeom prst="line">
@@ -11504,7 +11358,7 @@
         </p:nvCxnSpPr>
         <p:spPr>
           <a:xfrm>
-            <a:off x="15240000" y="8991600"/>
+            <a:off x="16154400" y="9448800"/>
             <a:ext cx="609600" cy="0"/>
           </a:xfrm>
           <a:prstGeom prst="line">
@@ -11541,7 +11395,7 @@
         </p:nvCxnSpPr>
         <p:spPr>
           <a:xfrm>
-            <a:off x="15240000" y="8991600"/>
+            <a:off x="16154400" y="9448800"/>
             <a:ext cx="0" cy="2743200"/>
           </a:xfrm>
           <a:prstGeom prst="line">
@@ -11578,7 +11432,7 @@
         </p:nvCxnSpPr>
         <p:spPr>
           <a:xfrm>
-            <a:off x="20726400" y="9372600"/>
+            <a:off x="21640800" y="9829800"/>
             <a:ext cx="609600" cy="0"/>
           </a:xfrm>
           <a:prstGeom prst="line">
@@ -11615,7 +11469,7 @@
         </p:nvCxnSpPr>
         <p:spPr>
           <a:xfrm>
-            <a:off x="21031200" y="9677400"/>
+            <a:off x="21945600" y="10134600"/>
             <a:ext cx="304800" cy="0"/>
           </a:xfrm>
           <a:prstGeom prst="line">
@@ -11652,7 +11506,7 @@
         </p:nvCxnSpPr>
         <p:spPr>
           <a:xfrm flipV="1">
-            <a:off x="20726400" y="9372600"/>
+            <a:off x="21640800" y="9829800"/>
             <a:ext cx="0" cy="2667000"/>
           </a:xfrm>
           <a:prstGeom prst="line">
@@ -11689,7 +11543,7 @@
         </p:nvCxnSpPr>
         <p:spPr>
           <a:xfrm flipV="1">
-            <a:off x="21031200" y="9677400"/>
+            <a:off x="21945600" y="10134600"/>
             <a:ext cx="0" cy="2667000"/>
           </a:xfrm>
           <a:prstGeom prst="line">
@@ -11728,8 +11582,8 @@
         </p:nvCxnSpPr>
         <p:spPr>
           <a:xfrm>
-            <a:off x="533400" y="12039596"/>
-            <a:ext cx="20193000" cy="0"/>
+            <a:off x="533400" y="12496796"/>
+            <a:ext cx="21107400" cy="0"/>
           </a:xfrm>
           <a:prstGeom prst="line">
             <a:avLst/>
@@ -11767,8 +11621,8 @@
         </p:nvCxnSpPr>
         <p:spPr>
           <a:xfrm>
-            <a:off x="533400" y="12344396"/>
-            <a:ext cx="20497800" cy="0"/>
+            <a:off x="533400" y="12801596"/>
+            <a:ext cx="21412200" cy="0"/>
           </a:xfrm>
           <a:prstGeom prst="line">
             <a:avLst/>
@@ -11804,7 +11658,7 @@
         </p:nvCxnSpPr>
         <p:spPr>
           <a:xfrm flipV="1">
-            <a:off x="609600" y="11963396"/>
+            <a:off x="609600" y="12420596"/>
             <a:ext cx="152400" cy="152404"/>
           </a:xfrm>
           <a:prstGeom prst="line">
@@ -11841,7 +11695,7 @@
         </p:nvSpPr>
         <p:spPr>
           <a:xfrm>
-            <a:off x="914400" y="11887196"/>
+            <a:off x="914400" y="12344396"/>
             <a:ext cx="457200" cy="152400"/>
           </a:xfrm>
           <a:prstGeom prst="rect">
@@ -11882,13 +11736,6 @@
               </a:rPr>
               <a:t>CLKP</a:t>
             </a:r>
-            <a:endParaRPr lang="en-US" sz="900" dirty="0">
-              <a:solidFill>
-                <a:srgbClr val="000000"/>
-              </a:solidFill>
-              <a:latin typeface="Courier New" panose="02070309020205020404" pitchFamily="49" charset="0"/>
-              <a:cs typeface="Courier New" panose="02070309020205020404" pitchFamily="49" charset="0"/>
-            </a:endParaRPr>
           </a:p>
         </p:txBody>
       </p:sp>
@@ -11900,7 +11747,7 @@
         </p:nvSpPr>
         <p:spPr>
           <a:xfrm>
-            <a:off x="609601" y="11887196"/>
+            <a:off x="609601" y="12344396"/>
             <a:ext cx="152400" cy="76200"/>
           </a:xfrm>
           <a:prstGeom prst="rect">
@@ -11953,7 +11800,7 @@
         </p:nvSpPr>
         <p:spPr>
           <a:xfrm>
-            <a:off x="304800" y="11963396"/>
+            <a:off x="304800" y="12420596"/>
             <a:ext cx="228600" cy="152400"/>
           </a:xfrm>
           <a:prstGeom prst="homePlate">
@@ -12004,7 +11851,7 @@
         </p:nvCxnSpPr>
         <p:spPr>
           <a:xfrm flipV="1">
-            <a:off x="609600" y="12268196"/>
+            <a:off x="609600" y="12725396"/>
             <a:ext cx="152400" cy="152404"/>
           </a:xfrm>
           <a:prstGeom prst="line">
@@ -12041,7 +11888,7 @@
         </p:nvSpPr>
         <p:spPr>
           <a:xfrm>
-            <a:off x="914400" y="12191996"/>
+            <a:off x="914400" y="12649196"/>
             <a:ext cx="457200" cy="152400"/>
           </a:xfrm>
           <a:prstGeom prst="rect">
@@ -12082,13 +11929,6 @@
               </a:rPr>
               <a:t>RSTXP</a:t>
             </a:r>
-            <a:endParaRPr lang="en-US" sz="900" dirty="0">
-              <a:solidFill>
-                <a:srgbClr val="000000"/>
-              </a:solidFill>
-              <a:latin typeface="Courier New" panose="02070309020205020404" pitchFamily="49" charset="0"/>
-              <a:cs typeface="Courier New" panose="02070309020205020404" pitchFamily="49" charset="0"/>
-            </a:endParaRPr>
           </a:p>
         </p:txBody>
       </p:sp>
@@ -12100,7 +11940,7 @@
         </p:nvSpPr>
         <p:spPr>
           <a:xfrm>
-            <a:off x="609600" y="12191996"/>
+            <a:off x="609600" y="12649196"/>
             <a:ext cx="152400" cy="76200"/>
           </a:xfrm>
           <a:prstGeom prst="rect">
@@ -12153,7 +11993,7 @@
         </p:nvSpPr>
         <p:spPr>
           <a:xfrm>
-            <a:off x="304800" y="12268196"/>
+            <a:off x="304800" y="12725396"/>
             <a:ext cx="228600" cy="152400"/>
           </a:xfrm>
           <a:prstGeom prst="homePlate">
@@ -12204,7 +12044,7 @@
         </p:nvCxnSpPr>
         <p:spPr>
           <a:xfrm>
-            <a:off x="17068800" y="8763000"/>
+            <a:off x="17983200" y="9220200"/>
             <a:ext cx="1524000" cy="0"/>
           </a:xfrm>
           <a:prstGeom prst="line">
@@ -12241,7 +12081,7 @@
         </p:nvCxnSpPr>
         <p:spPr>
           <a:xfrm>
-            <a:off x="17068800" y="8991600"/>
+            <a:off x="17983200" y="9448800"/>
             <a:ext cx="1524000" cy="0"/>
           </a:xfrm>
           <a:prstGeom prst="line">
@@ -12278,7 +12118,7 @@
         </p:nvCxnSpPr>
         <p:spPr>
           <a:xfrm>
-            <a:off x="17678400" y="8763000"/>
+            <a:off x="18592800" y="9220200"/>
             <a:ext cx="0" cy="3276600"/>
           </a:xfrm>
           <a:prstGeom prst="line">
@@ -12315,7 +12155,7 @@
         </p:nvCxnSpPr>
         <p:spPr>
           <a:xfrm>
-            <a:off x="17983200" y="8991600"/>
+            <a:off x="18897600" y="9448800"/>
             <a:ext cx="0" cy="3352800"/>
           </a:xfrm>
           <a:prstGeom prst="line">
@@ -12352,7 +12192,7 @@
         </p:nvCxnSpPr>
         <p:spPr>
           <a:xfrm>
-            <a:off x="6096000" y="8991600"/>
+            <a:off x="7010400" y="9448800"/>
             <a:ext cx="304800" cy="0"/>
           </a:xfrm>
           <a:prstGeom prst="line">
@@ -12389,7 +12229,7 @@
         </p:nvCxnSpPr>
         <p:spPr>
           <a:xfrm flipV="1">
-            <a:off x="6096000" y="8991600"/>
+            <a:off x="7010400" y="9448800"/>
             <a:ext cx="0" cy="3352800"/>
           </a:xfrm>
           <a:prstGeom prst="line">
@@ -12426,7 +12266,7 @@
         </p:nvCxnSpPr>
         <p:spPr>
           <a:xfrm flipV="1">
-            <a:off x="5791200" y="8763000"/>
+            <a:off x="6705600" y="9220200"/>
             <a:ext cx="0" cy="3276600"/>
           </a:xfrm>
           <a:prstGeom prst="line">
@@ -12463,7 +12303,7 @@
         </p:nvCxnSpPr>
         <p:spPr>
           <a:xfrm>
-            <a:off x="5791200" y="8763000"/>
+            <a:off x="6705600" y="9220200"/>
             <a:ext cx="609600" cy="0"/>
           </a:xfrm>
           <a:prstGeom prst="line">
@@ -12500,7 +12340,7 @@
         </p:nvCxnSpPr>
         <p:spPr>
           <a:xfrm flipV="1">
-            <a:off x="3048000" y="8153400"/>
+            <a:off x="3962400" y="8610600"/>
             <a:ext cx="0" cy="3886200"/>
           </a:xfrm>
           <a:prstGeom prst="line">
@@ -12537,7 +12377,7 @@
         </p:nvCxnSpPr>
         <p:spPr>
           <a:xfrm>
-            <a:off x="3048000" y="8153400"/>
+            <a:off x="3962400" y="8610600"/>
             <a:ext cx="609600" cy="0"/>
           </a:xfrm>
           <a:prstGeom prst="line">
@@ -12574,7 +12414,7 @@
         </p:nvCxnSpPr>
         <p:spPr>
           <a:xfrm flipV="1">
-            <a:off x="3352800" y="8458200"/>
+            <a:off x="4267200" y="8915400"/>
             <a:ext cx="0" cy="3886200"/>
           </a:xfrm>
           <a:prstGeom prst="line">
@@ -12611,7 +12451,7 @@
         </p:nvCxnSpPr>
         <p:spPr>
           <a:xfrm>
-            <a:off x="3352800" y="8458200"/>
+            <a:off x="4267200" y="8915400"/>
             <a:ext cx="304800" cy="0"/>
           </a:xfrm>
           <a:prstGeom prst="line">
@@ -12648,7 +12488,7 @@
         </p:nvSpPr>
         <p:spPr>
           <a:xfrm>
-            <a:off x="24079200" y="7696200"/>
+            <a:off x="24993600" y="8153400"/>
             <a:ext cx="228600" cy="152400"/>
           </a:xfrm>
           <a:prstGeom prst="homePlate">
@@ -12701,7 +12541,7 @@
         </p:nvCxnSpPr>
         <p:spPr>
           <a:xfrm>
-            <a:off x="22555200" y="7772400"/>
+            <a:off x="23469600" y="8229600"/>
             <a:ext cx="1524000" cy="0"/>
           </a:xfrm>
           <a:prstGeom prst="line">
@@ -12738,7 +12578,7 @@
         </p:nvCxnSpPr>
         <p:spPr>
           <a:xfrm flipV="1">
-            <a:off x="23850600" y="7696200"/>
+            <a:off x="24765000" y="8153400"/>
             <a:ext cx="152400" cy="152404"/>
           </a:xfrm>
           <a:prstGeom prst="line">
@@ -12775,7 +12615,7 @@
         </p:nvSpPr>
         <p:spPr>
           <a:xfrm>
-            <a:off x="23850601" y="7620000"/>
+            <a:off x="24765001" y="8077200"/>
             <a:ext cx="152400" cy="76200"/>
           </a:xfrm>
           <a:prstGeom prst="rect">
@@ -12817,13 +12657,6 @@
               </a:rPr>
               <a:t>64</a:t>
             </a:r>
-            <a:endParaRPr lang="en-US" sz="900" dirty="0">
-              <a:solidFill>
-                <a:srgbClr val="000000"/>
-              </a:solidFill>
-              <a:latin typeface="Courier New" panose="02070309020205020404" pitchFamily="49" charset="0"/>
-              <a:cs typeface="Courier New" panose="02070309020205020404" pitchFamily="49" charset="0"/>
-            </a:endParaRPr>
           </a:p>
         </p:txBody>
       </p:sp>
@@ -12835,7 +12668,7 @@
         </p:nvSpPr>
         <p:spPr>
           <a:xfrm>
-            <a:off x="22860000" y="7620000"/>
+            <a:off x="23774400" y="8077200"/>
             <a:ext cx="457200" cy="152400"/>
           </a:xfrm>
           <a:prstGeom prst="rect">
@@ -12876,13 +12709,6 @@
               </a:rPr>
               <a:t>ERR_CNT</a:t>
             </a:r>
-            <a:endParaRPr lang="en-US" sz="900" dirty="0">
-              <a:solidFill>
-                <a:srgbClr val="000000"/>
-              </a:solidFill>
-              <a:latin typeface="Courier New" panose="02070309020205020404" pitchFamily="49" charset="0"/>
-              <a:cs typeface="Courier New" panose="02070309020205020404" pitchFamily="49" charset="0"/>
-            </a:endParaRPr>
           </a:p>
         </p:txBody>
       </p:sp>
@@ -12894,7 +12720,7 @@
         </p:nvSpPr>
         <p:spPr>
           <a:xfrm>
-            <a:off x="17221200" y="8229600"/>
+            <a:off x="18135600" y="8686800"/>
             <a:ext cx="457200" cy="152400"/>
           </a:xfrm>
           <a:prstGeom prst="rect">
@@ -12946,7 +12772,7 @@
         </p:nvCxnSpPr>
         <p:spPr>
           <a:xfrm>
-            <a:off x="21031200" y="7162800"/>
+            <a:off x="21945600" y="7620000"/>
             <a:ext cx="304800" cy="0"/>
           </a:xfrm>
           <a:prstGeom prst="line">
@@ -12983,7 +12809,7 @@
         </p:nvCxnSpPr>
         <p:spPr>
           <a:xfrm>
-            <a:off x="4876800" y="6477000"/>
+            <a:off x="5791200" y="6934200"/>
             <a:ext cx="15849600" cy="0"/>
           </a:xfrm>
           <a:prstGeom prst="line">
@@ -13020,7 +12846,7 @@
         </p:nvCxnSpPr>
         <p:spPr>
           <a:xfrm>
-            <a:off x="12801600" y="7467600"/>
+            <a:off x="13716000" y="7924800"/>
             <a:ext cx="304800" cy="0"/>
           </a:xfrm>
           <a:prstGeom prst="line">
@@ -13057,7 +12883,7 @@
         </p:nvCxnSpPr>
         <p:spPr>
           <a:xfrm>
-            <a:off x="12801600" y="6477000"/>
+            <a:off x="13716000" y="6934200"/>
             <a:ext cx="0" cy="990600"/>
           </a:xfrm>
           <a:prstGeom prst="line">
@@ -13094,7 +12920,7 @@
         </p:nvCxnSpPr>
         <p:spPr>
           <a:xfrm>
-            <a:off x="18211800" y="7467600"/>
+            <a:off x="19126200" y="7924800"/>
             <a:ext cx="381000" cy="0"/>
           </a:xfrm>
           <a:prstGeom prst="line">
@@ -13131,7 +12957,7 @@
         </p:nvCxnSpPr>
         <p:spPr>
           <a:xfrm>
-            <a:off x="18135600" y="6477000"/>
+            <a:off x="19050000" y="6934200"/>
             <a:ext cx="0" cy="304800"/>
           </a:xfrm>
           <a:prstGeom prst="line">
@@ -13168,7 +12994,7 @@
         </p:nvCxnSpPr>
         <p:spPr>
           <a:xfrm>
-            <a:off x="20726400" y="7467600"/>
+            <a:off x="21640800" y="7924800"/>
             <a:ext cx="609600" cy="0"/>
           </a:xfrm>
           <a:prstGeom prst="line">
@@ -13205,7 +13031,7 @@
         </p:nvCxnSpPr>
         <p:spPr>
           <a:xfrm>
-            <a:off x="20726400" y="6477000"/>
+            <a:off x="21640800" y="6934200"/>
             <a:ext cx="0" cy="990600"/>
           </a:xfrm>
           <a:prstGeom prst="line">
@@ -13242,7 +13068,7 @@
         </p:nvSpPr>
         <p:spPr>
           <a:xfrm>
-            <a:off x="13868400" y="8686800"/>
+            <a:off x="14782800" y="9144000"/>
             <a:ext cx="457200" cy="152400"/>
           </a:xfrm>
           <a:prstGeom prst="rect">
@@ -13284,13 +13110,6 @@
               </a:rPr>
               <a:t>CLKF</a:t>
             </a:r>
-            <a:endParaRPr lang="en-US" sz="900" dirty="0">
-              <a:solidFill>
-                <a:srgbClr val="000000"/>
-              </a:solidFill>
-              <a:latin typeface="Courier New" panose="02070309020205020404" pitchFamily="49" charset="0"/>
-              <a:cs typeface="Courier New" panose="02070309020205020404" pitchFamily="49" charset="0"/>
-            </a:endParaRPr>
           </a:p>
         </p:txBody>
       </p:sp>
@@ -13302,7 +13121,7 @@
         </p:nvCxnSpPr>
         <p:spPr>
           <a:xfrm>
-            <a:off x="14935200" y="8763000"/>
+            <a:off x="15849600" y="9220200"/>
             <a:ext cx="0" cy="2667000"/>
           </a:xfrm>
           <a:prstGeom prst="line">
@@ -13339,7 +13158,7 @@
         </p:nvSpPr>
         <p:spPr>
           <a:xfrm>
-            <a:off x="5334000" y="7620000"/>
+            <a:off x="6248400" y="8077200"/>
             <a:ext cx="457200" cy="152400"/>
           </a:xfrm>
           <a:prstGeom prst="rect">
@@ -13398,7 +13217,7 @@
         </p:nvSpPr>
         <p:spPr>
           <a:xfrm>
-            <a:off x="8077200" y="7620000"/>
+            <a:off x="8991600" y="8077200"/>
             <a:ext cx="457200" cy="152400"/>
           </a:xfrm>
           <a:prstGeom prst="rect">
@@ -13457,7 +13276,7 @@
         </p:nvSpPr>
         <p:spPr>
           <a:xfrm>
-            <a:off x="14782800" y="7620000"/>
+            <a:off x="15697200" y="8077200"/>
             <a:ext cx="457200" cy="152400"/>
           </a:xfrm>
           <a:prstGeom prst="rect">
@@ -13516,7 +13335,7 @@
         </p:nvSpPr>
         <p:spPr>
           <a:xfrm>
-            <a:off x="17526000" y="7620000"/>
+            <a:off x="18440400" y="8077200"/>
             <a:ext cx="457200" cy="152400"/>
           </a:xfrm>
           <a:prstGeom prst="rect">
@@ -13575,7 +13394,7 @@
         </p:nvSpPr>
         <p:spPr>
           <a:xfrm>
-            <a:off x="20269200" y="7620000"/>
+            <a:off x="21183600" y="8077200"/>
             <a:ext cx="457200" cy="152400"/>
           </a:xfrm>
           <a:prstGeom prst="rect">
@@ -13634,7 +13453,7 @@
         </p:nvSpPr>
         <p:spPr>
           <a:xfrm>
-            <a:off x="5334000" y="7924800"/>
+            <a:off x="6248400" y="8382000"/>
             <a:ext cx="457200" cy="152400"/>
           </a:xfrm>
           <a:prstGeom prst="rect">
@@ -13693,7 +13512,7 @@
         </p:nvSpPr>
         <p:spPr>
           <a:xfrm>
-            <a:off x="5334000" y="8229600"/>
+            <a:off x="6248400" y="8686800"/>
             <a:ext cx="457200" cy="152400"/>
           </a:xfrm>
           <a:prstGeom prst="rect">
@@ -13752,7 +13571,7 @@
         </p:nvSpPr>
         <p:spPr>
           <a:xfrm>
-            <a:off x="17526000" y="7924800"/>
+            <a:off x="18440400" y="8382000"/>
             <a:ext cx="457200" cy="152400"/>
           </a:xfrm>
           <a:prstGeom prst="rect">
@@ -13811,7 +13630,7 @@
         </p:nvSpPr>
         <p:spPr>
           <a:xfrm>
-            <a:off x="20269200" y="7924800"/>
+            <a:off x="21183600" y="8382000"/>
             <a:ext cx="457200" cy="152400"/>
           </a:xfrm>
           <a:prstGeom prst="rect">
@@ -13870,7 +13689,7 @@
         </p:nvSpPr>
         <p:spPr>
           <a:xfrm>
-            <a:off x="20269200" y="8229600"/>
+            <a:off x="21183600" y="8686800"/>
             <a:ext cx="457200" cy="152400"/>
           </a:xfrm>
           <a:prstGeom prst="rect">
@@ -13911,13 +13730,6 @@
               </a:rPr>
               <a:t>aligned</a:t>
             </a:r>
-            <a:endParaRPr lang="en-US" sz="900" dirty="0">
-              <a:solidFill>
-                <a:srgbClr val="000000"/>
-              </a:solidFill>
-              <a:latin typeface="Courier New" panose="02070309020205020404" pitchFamily="49" charset="0"/>
-              <a:cs typeface="Courier New" panose="02070309020205020404" pitchFamily="49" charset="0"/>
-            </a:endParaRPr>
           </a:p>
         </p:txBody>
       </p:sp>
@@ -13929,7 +13741,7 @@
         </p:nvCxnSpPr>
         <p:spPr>
           <a:xfrm flipV="1">
-            <a:off x="5029200" y="6400800"/>
+            <a:off x="5943600" y="6858000"/>
             <a:ext cx="152400" cy="152404"/>
           </a:xfrm>
           <a:prstGeom prst="line">
@@ -13966,7 +13778,7 @@
         </p:nvSpPr>
         <p:spPr>
           <a:xfrm>
-            <a:off x="5029201" y="6324600"/>
+            <a:off x="5943601" y="6781800"/>
             <a:ext cx="152400" cy="76200"/>
           </a:xfrm>
           <a:prstGeom prst="rect">
@@ -14019,7 +13831,7 @@
         </p:nvSpPr>
         <p:spPr>
           <a:xfrm>
-            <a:off x="5334000" y="6324600"/>
+            <a:off x="6248400" y="6781800"/>
             <a:ext cx="457200" cy="152400"/>
           </a:xfrm>
           <a:prstGeom prst="rect">
@@ -14078,7 +13890,7 @@
         </p:nvCxnSpPr>
         <p:spPr>
           <a:xfrm flipV="1">
-            <a:off x="609600" y="5715000"/>
+            <a:off x="609600" y="6096000"/>
             <a:ext cx="152400" cy="152404"/>
           </a:xfrm>
           <a:prstGeom prst="line">
@@ -14115,7 +13927,7 @@
         </p:nvSpPr>
         <p:spPr>
           <a:xfrm>
-            <a:off x="914400" y="5638800"/>
+            <a:off x="914400" y="6019800"/>
             <a:ext cx="457200" cy="152400"/>
           </a:xfrm>
           <a:prstGeom prst="rect">
@@ -14156,13 +13968,6 @@
               </a:rPr>
               <a:t>CLR</a:t>
             </a:r>
-            <a:endParaRPr lang="en-US" sz="900" dirty="0">
-              <a:solidFill>
-                <a:srgbClr val="000000"/>
-              </a:solidFill>
-              <a:latin typeface="Courier New" panose="02070309020205020404" pitchFamily="49" charset="0"/>
-              <a:cs typeface="Courier New" panose="02070309020205020404" pitchFamily="49" charset="0"/>
-            </a:endParaRPr>
           </a:p>
         </p:txBody>
       </p:sp>
@@ -14174,7 +13979,7 @@
         </p:nvSpPr>
         <p:spPr>
           <a:xfrm>
-            <a:off x="609601" y="5638800"/>
+            <a:off x="609601" y="6019800"/>
             <a:ext cx="152400" cy="76200"/>
           </a:xfrm>
           <a:prstGeom prst="rect">
@@ -14227,7 +14032,7 @@
         </p:nvSpPr>
         <p:spPr>
           <a:xfrm>
-            <a:off x="304800" y="5715000"/>
+            <a:off x="304800" y="6096000"/>
             <a:ext cx="228600" cy="152400"/>
           </a:xfrm>
           <a:prstGeom prst="homePlate">
@@ -14274,14 +14079,14 @@
         <p:nvCxnSpPr>
           <p:cNvPr id="360" name="Straight Connector 359"/>
           <p:cNvCxnSpPr>
-            <a:stCxn id="358" idx="3"/>
+            <a:stCxn id="392" idx="1"/>
           </p:cNvCxnSpPr>
           <p:nvPr/>
         </p:nvCxnSpPr>
         <p:spPr>
           <a:xfrm>
-            <a:off x="533400" y="5791200"/>
-            <a:ext cx="20497800" cy="0"/>
+            <a:off x="3657600" y="6248400"/>
+            <a:ext cx="18288000" cy="0"/>
           </a:xfrm>
           <a:prstGeom prst="line">
             <a:avLst/>
@@ -14317,7 +14122,7 @@
         </p:nvCxnSpPr>
         <p:spPr>
           <a:xfrm>
-            <a:off x="3352800" y="5791200"/>
+            <a:off x="4267200" y="6248400"/>
             <a:ext cx="0" cy="685800"/>
           </a:xfrm>
           <a:prstGeom prst="line">
@@ -14354,7 +14159,7 @@
         </p:nvSpPr>
         <p:spPr>
           <a:xfrm rot="16200000">
-            <a:off x="18059400" y="6705600"/>
+            <a:off x="18973800" y="7162800"/>
             <a:ext cx="304800" cy="304800"/>
           </a:xfrm>
           <a:prstGeom prst="moon">
@@ -14402,7 +14207,7 @@
         </p:nvCxnSpPr>
         <p:spPr>
           <a:xfrm>
-            <a:off x="21031200" y="5791200"/>
+            <a:off x="21945600" y="6248400"/>
             <a:ext cx="0" cy="1371600"/>
           </a:xfrm>
           <a:prstGeom prst="line">
@@ -14441,7 +14246,7 @@
         </p:nvCxnSpPr>
         <p:spPr>
           <a:xfrm>
-            <a:off x="18211800" y="7010400"/>
+            <a:off x="19126200" y="7467600"/>
             <a:ext cx="0" cy="457200"/>
           </a:xfrm>
           <a:prstGeom prst="line">
@@ -14478,7 +14283,7 @@
         </p:nvCxnSpPr>
         <p:spPr>
           <a:xfrm>
-            <a:off x="18288000" y="5791200"/>
+            <a:off x="19202400" y="6248400"/>
             <a:ext cx="0" cy="990600"/>
           </a:xfrm>
           <a:prstGeom prst="line">
@@ -14515,7 +14320,7 @@
         </p:nvSpPr>
         <p:spPr>
           <a:xfrm>
-            <a:off x="22098000" y="8001000"/>
+            <a:off x="23012400" y="8458200"/>
             <a:ext cx="457200" cy="152400"/>
           </a:xfrm>
           <a:prstGeom prst="rect">
@@ -14557,13 +14362,6 @@
               </a:rPr>
               <a:t>RECV_CNT</a:t>
             </a:r>
-            <a:endParaRPr lang="en-US" sz="900" dirty="0">
-              <a:solidFill>
-                <a:srgbClr val="000000"/>
-              </a:solidFill>
-              <a:latin typeface="Courier New" panose="02070309020205020404" pitchFamily="49" charset="0"/>
-              <a:cs typeface="Courier New" panose="02070309020205020404" pitchFamily="49" charset="0"/>
-            </a:endParaRPr>
           </a:p>
         </p:txBody>
       </p:sp>
@@ -14575,7 +14373,7 @@
         </p:nvSpPr>
         <p:spPr>
           <a:xfrm>
-            <a:off x="24079200" y="8001000"/>
+            <a:off x="24993600" y="8458200"/>
             <a:ext cx="228600" cy="152400"/>
           </a:xfrm>
           <a:prstGeom prst="homePlate">
@@ -14628,7 +14426,7 @@
         </p:nvCxnSpPr>
         <p:spPr>
           <a:xfrm>
-            <a:off x="22555200" y="8077200"/>
+            <a:off x="23469600" y="8534400"/>
             <a:ext cx="1524000" cy="0"/>
           </a:xfrm>
           <a:prstGeom prst="line">
@@ -14665,7 +14463,7 @@
         </p:nvCxnSpPr>
         <p:spPr>
           <a:xfrm flipV="1">
-            <a:off x="23850600" y="8001000"/>
+            <a:off x="24765000" y="8458200"/>
             <a:ext cx="152400" cy="152404"/>
           </a:xfrm>
           <a:prstGeom prst="line">
@@ -14702,7 +14500,7 @@
         </p:nvSpPr>
         <p:spPr>
           <a:xfrm>
-            <a:off x="23850601" y="7924800"/>
+            <a:off x="24765001" y="8382000"/>
             <a:ext cx="152400" cy="76200"/>
           </a:xfrm>
           <a:prstGeom prst="rect">
@@ -14744,13 +14542,6 @@
               </a:rPr>
               <a:t>58</a:t>
             </a:r>
-            <a:endParaRPr lang="en-US" sz="900" dirty="0">
-              <a:solidFill>
-                <a:srgbClr val="000000"/>
-              </a:solidFill>
-              <a:latin typeface="Courier New" panose="02070309020205020404" pitchFamily="49" charset="0"/>
-              <a:cs typeface="Courier New" panose="02070309020205020404" pitchFamily="49" charset="0"/>
-            </a:endParaRPr>
           </a:p>
         </p:txBody>
       </p:sp>
@@ -14762,7 +14553,7 @@
         </p:nvSpPr>
         <p:spPr>
           <a:xfrm>
-            <a:off x="22860000" y="7924800"/>
+            <a:off x="23774400" y="8382000"/>
             <a:ext cx="457200" cy="152400"/>
           </a:xfrm>
           <a:prstGeom prst="rect">
@@ -14802,6 +14593,1328 @@
                 <a:cs typeface="Courier New" panose="02070309020205020404" pitchFamily="49" charset="0"/>
               </a:rPr>
               <a:t>RECV_CNT</a:t>
+            </a:r>
+          </a:p>
+        </p:txBody>
+      </p:sp>
+      <p:sp>
+        <p:nvSpPr>
+          <p:cNvPr id="284" name="Rectangle 283"/>
+          <p:cNvSpPr/>
+          <p:nvPr/>
+        </p:nvSpPr>
+        <p:spPr>
+          <a:xfrm>
+            <a:off x="2362200" y="6705600"/>
+            <a:ext cx="304800" cy="304793"/>
+          </a:xfrm>
+          <a:prstGeom prst="rect">
+            <a:avLst/>
+          </a:prstGeom>
+          <a:noFill/>
+          <a:ln w="12700">
+            <a:solidFill>
+              <a:srgbClr val="000000"/>
+            </a:solidFill>
+          </a:ln>
+        </p:spPr>
+        <p:style>
+          <a:lnRef idx="2">
+            <a:schemeClr val="accent1">
+              <a:shade val="50000"/>
+            </a:schemeClr>
+          </a:lnRef>
+          <a:fillRef idx="1">
+            <a:schemeClr val="accent1"/>
+          </a:fillRef>
+          <a:effectRef idx="0">
+            <a:schemeClr val="accent1"/>
+          </a:effectRef>
+          <a:fontRef idx="minor">
+            <a:schemeClr val="lt1"/>
+          </a:fontRef>
+        </p:style>
+        <p:txBody>
+          <a:bodyPr rtlCol="0" anchor="ctr"/>
+          <a:lstStyle/>
+          <a:p>
+            <a:pPr algn="ctr"/>
+            <a:endParaRPr lang="en-US" sz="3730"/>
+          </a:p>
+        </p:txBody>
+      </p:sp>
+      <p:cxnSp>
+        <p:nvCxnSpPr>
+          <p:cNvPr id="294" name="Straight Connector 293"/>
+          <p:cNvCxnSpPr/>
+          <p:nvPr/>
+        </p:nvCxnSpPr>
+        <p:spPr>
+          <a:xfrm flipV="1">
+            <a:off x="2438401" y="6934161"/>
+            <a:ext cx="76200" cy="76200"/>
+          </a:xfrm>
+          <a:prstGeom prst="line">
+            <a:avLst/>
+          </a:prstGeom>
+          <a:ln w="12700">
+            <a:solidFill>
+              <a:srgbClr val="000000"/>
+            </a:solidFill>
+          </a:ln>
+        </p:spPr>
+        <p:style>
+          <a:lnRef idx="1">
+            <a:schemeClr val="accent1"/>
+          </a:lnRef>
+          <a:fillRef idx="0">
+            <a:schemeClr val="accent1"/>
+          </a:fillRef>
+          <a:effectRef idx="0">
+            <a:schemeClr val="accent1"/>
+          </a:effectRef>
+          <a:fontRef idx="minor">
+            <a:schemeClr val="tx1"/>
+          </a:fontRef>
+        </p:style>
+      </p:cxnSp>
+      <p:cxnSp>
+        <p:nvCxnSpPr>
+          <p:cNvPr id="367" name="Straight Connector 366"/>
+          <p:cNvCxnSpPr/>
+          <p:nvPr/>
+        </p:nvCxnSpPr>
+        <p:spPr>
+          <a:xfrm flipH="1" flipV="1">
+            <a:off x="2514601" y="6934161"/>
+            <a:ext cx="76200" cy="76200"/>
+          </a:xfrm>
+          <a:prstGeom prst="line">
+            <a:avLst/>
+          </a:prstGeom>
+          <a:ln w="12700">
+            <a:solidFill>
+              <a:srgbClr val="000000"/>
+            </a:solidFill>
+          </a:ln>
+        </p:spPr>
+        <p:style>
+          <a:lnRef idx="1">
+            <a:schemeClr val="accent1"/>
+          </a:lnRef>
+          <a:fillRef idx="0">
+            <a:schemeClr val="accent1"/>
+          </a:fillRef>
+          <a:effectRef idx="0">
+            <a:schemeClr val="accent1"/>
+          </a:effectRef>
+          <a:fontRef idx="minor">
+            <a:schemeClr val="tx1"/>
+          </a:fontRef>
+        </p:style>
+      </p:cxnSp>
+      <p:sp>
+        <p:nvSpPr>
+          <p:cNvPr id="391" name="Rectangle 390"/>
+          <p:cNvSpPr/>
+          <p:nvPr/>
+        </p:nvSpPr>
+        <p:spPr>
+          <a:xfrm>
+            <a:off x="2438400" y="6705568"/>
+            <a:ext cx="152400" cy="152400"/>
+          </a:xfrm>
+          <a:prstGeom prst="rect">
+            <a:avLst/>
+          </a:prstGeom>
+          <a:noFill/>
+          <a:ln>
+            <a:noFill/>
+          </a:ln>
+        </p:spPr>
+        <p:style>
+          <a:lnRef idx="2">
+            <a:schemeClr val="accent1">
+              <a:shade val="50000"/>
+            </a:schemeClr>
+          </a:lnRef>
+          <a:fillRef idx="1">
+            <a:schemeClr val="accent1"/>
+          </a:fillRef>
+          <a:effectRef idx="0">
+            <a:schemeClr val="accent1"/>
+          </a:effectRef>
+          <a:fontRef idx="minor">
+            <a:schemeClr val="lt1"/>
+          </a:fontRef>
+        </p:style>
+        <p:txBody>
+          <a:bodyPr wrap="none" lIns="45720" rIns="45720" rtlCol="0" anchor="ctr"/>
+          <a:lstStyle/>
+          <a:p>
+            <a:pPr algn="ctr"/>
+            <a:r>
+              <a:rPr lang="en-US" sz="900" dirty="0">
+                <a:solidFill>
+                  <a:srgbClr val="000000"/>
+                </a:solidFill>
+                <a:latin typeface="Courier New" panose="02070309020205020404" pitchFamily="49" charset="0"/>
+                <a:cs typeface="Courier New" panose="02070309020205020404" pitchFamily="49" charset="0"/>
+              </a:rPr>
+              <a:t>R</a:t>
+            </a:r>
+          </a:p>
+        </p:txBody>
+      </p:sp>
+      <p:cxnSp>
+        <p:nvCxnSpPr>
+          <p:cNvPr id="393" name="Straight Connector 392"/>
+          <p:cNvCxnSpPr>
+            <a:stCxn id="358" idx="3"/>
+          </p:cNvCxnSpPr>
+          <p:nvPr/>
+        </p:nvCxnSpPr>
+        <p:spPr>
+          <a:xfrm>
+            <a:off x="533400" y="6172200"/>
+            <a:ext cx="2895600" cy="0"/>
+          </a:xfrm>
+          <a:prstGeom prst="line">
+            <a:avLst/>
+          </a:prstGeom>
+          <a:ln w="12700">
+            <a:solidFill>
+              <a:srgbClr val="000000"/>
+            </a:solidFill>
+            <a:headEnd type="none" w="med" len="med"/>
+            <a:tailEnd type="none" w="med" len="med"/>
+          </a:ln>
+        </p:spPr>
+        <p:style>
+          <a:lnRef idx="1">
+            <a:schemeClr val="accent1"/>
+          </a:lnRef>
+          <a:fillRef idx="0">
+            <a:schemeClr val="accent1"/>
+          </a:fillRef>
+          <a:effectRef idx="0">
+            <a:schemeClr val="accent1"/>
+          </a:effectRef>
+          <a:fontRef idx="minor">
+            <a:schemeClr val="tx1"/>
+          </a:fontRef>
+        </p:style>
+      </p:cxnSp>
+      <p:sp>
+        <p:nvSpPr>
+          <p:cNvPr id="4" name="Oval 3"/>
+          <p:cNvSpPr/>
+          <p:nvPr/>
+        </p:nvSpPr>
+        <p:spPr>
+          <a:xfrm>
+            <a:off x="3276600" y="6248400"/>
+            <a:ext cx="152400" cy="152400"/>
+          </a:xfrm>
+          <a:prstGeom prst="ellipse">
+            <a:avLst/>
+          </a:prstGeom>
+          <a:noFill/>
+          <a:ln>
+            <a:solidFill>
+              <a:schemeClr val="tx1"/>
+            </a:solidFill>
+          </a:ln>
+        </p:spPr>
+        <p:style>
+          <a:lnRef idx="2">
+            <a:schemeClr val="accent1">
+              <a:shade val="50000"/>
+            </a:schemeClr>
+          </a:lnRef>
+          <a:fillRef idx="1">
+            <a:schemeClr val="accent1"/>
+          </a:fillRef>
+          <a:effectRef idx="0">
+            <a:schemeClr val="accent1"/>
+          </a:effectRef>
+          <a:fontRef idx="minor">
+            <a:schemeClr val="lt1"/>
+          </a:fontRef>
+        </p:style>
+        <p:txBody>
+          <a:bodyPr rtlCol="0" anchor="ctr"/>
+          <a:lstStyle/>
+          <a:p>
+            <a:pPr algn="ctr"/>
+            <a:endParaRPr lang="en-US"/>
+          </a:p>
+        </p:txBody>
+      </p:sp>
+      <p:sp>
+        <p:nvSpPr>
+          <p:cNvPr id="392" name="Moon 391"/>
+          <p:cNvSpPr/>
+          <p:nvPr/>
+        </p:nvSpPr>
+        <p:spPr>
+          <a:xfrm rot="10800000">
+            <a:off x="3352800" y="6096000"/>
+            <a:ext cx="304800" cy="304800"/>
+          </a:xfrm>
+          <a:prstGeom prst="moon">
+            <a:avLst>
+              <a:gd name="adj" fmla="val 74720"/>
+            </a:avLst>
+          </a:prstGeom>
+          <a:solidFill>
+            <a:schemeClr val="bg1"/>
+          </a:solidFill>
+          <a:ln w="12700">
+            <a:solidFill>
+              <a:srgbClr val="000000"/>
+            </a:solidFill>
+          </a:ln>
+        </p:spPr>
+        <p:style>
+          <a:lnRef idx="2">
+            <a:schemeClr val="accent1">
+              <a:shade val="50000"/>
+            </a:schemeClr>
+          </a:lnRef>
+          <a:fillRef idx="1">
+            <a:schemeClr val="accent1"/>
+          </a:fillRef>
+          <a:effectRef idx="0">
+            <a:schemeClr val="accent1"/>
+          </a:effectRef>
+          <a:fontRef idx="minor">
+            <a:schemeClr val="lt1"/>
+          </a:fontRef>
+        </p:style>
+        <p:txBody>
+          <a:bodyPr rtlCol="0" anchor="ctr"/>
+          <a:lstStyle/>
+          <a:p>
+            <a:pPr algn="ctr"/>
+            <a:endParaRPr lang="en-US" sz="3730"/>
+          </a:p>
+        </p:txBody>
+      </p:sp>
+      <p:cxnSp>
+        <p:nvCxnSpPr>
+          <p:cNvPr id="394" name="Straight Connector 393"/>
+          <p:cNvCxnSpPr/>
+          <p:nvPr/>
+        </p:nvCxnSpPr>
+        <p:spPr>
+          <a:xfrm>
+            <a:off x="2971800" y="6324600"/>
+            <a:ext cx="304800" cy="0"/>
+          </a:xfrm>
+          <a:prstGeom prst="line">
+            <a:avLst/>
+          </a:prstGeom>
+          <a:ln w="12700">
+            <a:solidFill>
+              <a:srgbClr val="000000"/>
+            </a:solidFill>
+            <a:headEnd type="none" w="med" len="med"/>
+            <a:tailEnd type="none" w="med" len="med"/>
+          </a:ln>
+        </p:spPr>
+        <p:style>
+          <a:lnRef idx="1">
+            <a:schemeClr val="accent1"/>
+          </a:lnRef>
+          <a:fillRef idx="0">
+            <a:schemeClr val="accent1"/>
+          </a:fillRef>
+          <a:effectRef idx="0">
+            <a:schemeClr val="accent1"/>
+          </a:effectRef>
+          <a:fontRef idx="minor">
+            <a:schemeClr val="tx1"/>
+          </a:fontRef>
+        </p:style>
+      </p:cxnSp>
+      <p:cxnSp>
+        <p:nvCxnSpPr>
+          <p:cNvPr id="395" name="Straight Connector 394"/>
+          <p:cNvCxnSpPr/>
+          <p:nvPr/>
+        </p:nvCxnSpPr>
+        <p:spPr>
+          <a:xfrm flipV="1">
+            <a:off x="2971800" y="6324600"/>
+            <a:ext cx="0" cy="457200"/>
+          </a:xfrm>
+          <a:prstGeom prst="line">
+            <a:avLst/>
+          </a:prstGeom>
+          <a:ln w="12700">
+            <a:solidFill>
+              <a:srgbClr val="000000"/>
+            </a:solidFill>
+            <a:headEnd type="none" w="med" len="med"/>
+            <a:tailEnd type="none" w="med" len="med"/>
+          </a:ln>
+        </p:spPr>
+        <p:style>
+          <a:lnRef idx="1">
+            <a:schemeClr val="accent1"/>
+          </a:lnRef>
+          <a:fillRef idx="0">
+            <a:schemeClr val="accent1"/>
+          </a:fillRef>
+          <a:effectRef idx="0">
+            <a:schemeClr val="accent1"/>
+          </a:effectRef>
+          <a:fontRef idx="minor">
+            <a:schemeClr val="tx1"/>
+          </a:fontRef>
+        </p:style>
+      </p:cxnSp>
+      <p:cxnSp>
+        <p:nvCxnSpPr>
+          <p:cNvPr id="396" name="Straight Connector 395"/>
+          <p:cNvCxnSpPr/>
+          <p:nvPr/>
+        </p:nvCxnSpPr>
+        <p:spPr>
+          <a:xfrm>
+            <a:off x="2667000" y="6781800"/>
+            <a:ext cx="304800" cy="0"/>
+          </a:xfrm>
+          <a:prstGeom prst="line">
+            <a:avLst/>
+          </a:prstGeom>
+          <a:ln w="12700">
+            <a:solidFill>
+              <a:srgbClr val="000000"/>
+            </a:solidFill>
+            <a:headEnd type="none" w="med" len="med"/>
+            <a:tailEnd type="none" w="med" len="med"/>
+          </a:ln>
+        </p:spPr>
+        <p:style>
+          <a:lnRef idx="1">
+            <a:schemeClr val="accent1"/>
+          </a:lnRef>
+          <a:fillRef idx="0">
+            <a:schemeClr val="accent1"/>
+          </a:fillRef>
+          <a:effectRef idx="0">
+            <a:schemeClr val="accent1"/>
+          </a:effectRef>
+          <a:fontRef idx="minor">
+            <a:schemeClr val="tx1"/>
+          </a:fontRef>
+        </p:style>
+      </p:cxnSp>
+      <p:sp>
+        <p:nvSpPr>
+          <p:cNvPr id="399" name="Rectangle 398"/>
+          <p:cNvSpPr/>
+          <p:nvPr/>
+        </p:nvSpPr>
+        <p:spPr>
+          <a:xfrm>
+            <a:off x="2057400" y="6705600"/>
+            <a:ext cx="304800" cy="304793"/>
+          </a:xfrm>
+          <a:prstGeom prst="rect">
+            <a:avLst/>
+          </a:prstGeom>
+          <a:noFill/>
+          <a:ln w="12700">
+            <a:solidFill>
+              <a:srgbClr val="000000"/>
+            </a:solidFill>
+          </a:ln>
+        </p:spPr>
+        <p:style>
+          <a:lnRef idx="2">
+            <a:schemeClr val="accent1">
+              <a:shade val="50000"/>
+            </a:schemeClr>
+          </a:lnRef>
+          <a:fillRef idx="1">
+            <a:schemeClr val="accent1"/>
+          </a:fillRef>
+          <a:effectRef idx="0">
+            <a:schemeClr val="accent1"/>
+          </a:effectRef>
+          <a:fontRef idx="minor">
+            <a:schemeClr val="lt1"/>
+          </a:fontRef>
+        </p:style>
+        <p:txBody>
+          <a:bodyPr rtlCol="0" anchor="ctr"/>
+          <a:lstStyle/>
+          <a:p>
+            <a:pPr algn="ctr"/>
+            <a:endParaRPr lang="en-US" sz="3730"/>
+          </a:p>
+        </p:txBody>
+      </p:sp>
+      <p:cxnSp>
+        <p:nvCxnSpPr>
+          <p:cNvPr id="401" name="Straight Connector 400"/>
+          <p:cNvCxnSpPr/>
+          <p:nvPr/>
+        </p:nvCxnSpPr>
+        <p:spPr>
+          <a:xfrm flipV="1">
+            <a:off x="2133601" y="6934161"/>
+            <a:ext cx="76200" cy="76200"/>
+          </a:xfrm>
+          <a:prstGeom prst="line">
+            <a:avLst/>
+          </a:prstGeom>
+          <a:ln w="12700">
+            <a:solidFill>
+              <a:srgbClr val="000000"/>
+            </a:solidFill>
+          </a:ln>
+        </p:spPr>
+        <p:style>
+          <a:lnRef idx="1">
+            <a:schemeClr val="accent1"/>
+          </a:lnRef>
+          <a:fillRef idx="0">
+            <a:schemeClr val="accent1"/>
+          </a:fillRef>
+          <a:effectRef idx="0">
+            <a:schemeClr val="accent1"/>
+          </a:effectRef>
+          <a:fontRef idx="minor">
+            <a:schemeClr val="tx1"/>
+          </a:fontRef>
+        </p:style>
+      </p:cxnSp>
+      <p:cxnSp>
+        <p:nvCxnSpPr>
+          <p:cNvPr id="402" name="Straight Connector 401"/>
+          <p:cNvCxnSpPr/>
+          <p:nvPr/>
+        </p:nvCxnSpPr>
+        <p:spPr>
+          <a:xfrm flipH="1" flipV="1">
+            <a:off x="2209801" y="6934161"/>
+            <a:ext cx="76200" cy="76200"/>
+          </a:xfrm>
+          <a:prstGeom prst="line">
+            <a:avLst/>
+          </a:prstGeom>
+          <a:ln w="12700">
+            <a:solidFill>
+              <a:srgbClr val="000000"/>
+            </a:solidFill>
+          </a:ln>
+        </p:spPr>
+        <p:style>
+          <a:lnRef idx="1">
+            <a:schemeClr val="accent1"/>
+          </a:lnRef>
+          <a:fillRef idx="0">
+            <a:schemeClr val="accent1"/>
+          </a:fillRef>
+          <a:effectRef idx="0">
+            <a:schemeClr val="accent1"/>
+          </a:effectRef>
+          <a:fontRef idx="minor">
+            <a:schemeClr val="tx1"/>
+          </a:fontRef>
+        </p:style>
+      </p:cxnSp>
+      <p:sp>
+        <p:nvSpPr>
+          <p:cNvPr id="405" name="Rectangle 404"/>
+          <p:cNvSpPr/>
+          <p:nvPr/>
+        </p:nvSpPr>
+        <p:spPr>
+          <a:xfrm>
+            <a:off x="2133600" y="6705568"/>
+            <a:ext cx="152400" cy="152400"/>
+          </a:xfrm>
+          <a:prstGeom prst="rect">
+            <a:avLst/>
+          </a:prstGeom>
+          <a:noFill/>
+          <a:ln>
+            <a:noFill/>
+          </a:ln>
+        </p:spPr>
+        <p:style>
+          <a:lnRef idx="2">
+            <a:schemeClr val="accent1">
+              <a:shade val="50000"/>
+            </a:schemeClr>
+          </a:lnRef>
+          <a:fillRef idx="1">
+            <a:schemeClr val="accent1"/>
+          </a:fillRef>
+          <a:effectRef idx="0">
+            <a:schemeClr val="accent1"/>
+          </a:effectRef>
+          <a:fontRef idx="minor">
+            <a:schemeClr val="lt1"/>
+          </a:fontRef>
+        </p:style>
+        <p:txBody>
+          <a:bodyPr wrap="none" lIns="45720" rIns="45720" rtlCol="0" anchor="ctr"/>
+          <a:lstStyle/>
+          <a:p>
+            <a:pPr algn="ctr"/>
+            <a:r>
+              <a:rPr lang="en-US" sz="900" dirty="0">
+                <a:solidFill>
+                  <a:srgbClr val="000000"/>
+                </a:solidFill>
+                <a:latin typeface="Courier New" panose="02070309020205020404" pitchFamily="49" charset="0"/>
+                <a:cs typeface="Courier New" panose="02070309020205020404" pitchFamily="49" charset="0"/>
+              </a:rPr>
+              <a:t>R</a:t>
+            </a:r>
+          </a:p>
+        </p:txBody>
+      </p:sp>
+      <p:cxnSp>
+        <p:nvCxnSpPr>
+          <p:cNvPr id="406" name="Straight Connector 405"/>
+          <p:cNvCxnSpPr/>
+          <p:nvPr/>
+        </p:nvCxnSpPr>
+        <p:spPr>
+          <a:xfrm>
+            <a:off x="1752600" y="6781800"/>
+            <a:ext cx="304800" cy="0"/>
+          </a:xfrm>
+          <a:prstGeom prst="line">
+            <a:avLst/>
+          </a:prstGeom>
+          <a:ln w="12700">
+            <a:solidFill>
+              <a:srgbClr val="000000"/>
+            </a:solidFill>
+            <a:headEnd type="none" w="med" len="med"/>
+            <a:tailEnd type="triangle" w="med" len="med"/>
+          </a:ln>
+        </p:spPr>
+        <p:style>
+          <a:lnRef idx="1">
+            <a:schemeClr val="accent1"/>
+          </a:lnRef>
+          <a:fillRef idx="0">
+            <a:schemeClr val="accent1"/>
+          </a:fillRef>
+          <a:effectRef idx="0">
+            <a:schemeClr val="accent1"/>
+          </a:effectRef>
+          <a:fontRef idx="minor">
+            <a:schemeClr val="tx1"/>
+          </a:fontRef>
+        </p:style>
+      </p:cxnSp>
+      <p:cxnSp>
+        <p:nvCxnSpPr>
+          <p:cNvPr id="409" name="Straight Connector 408"/>
+          <p:cNvCxnSpPr/>
+          <p:nvPr/>
+        </p:nvCxnSpPr>
+        <p:spPr>
+          <a:xfrm flipV="1">
+            <a:off x="1752600" y="6781800"/>
+            <a:ext cx="0" cy="5410200"/>
+          </a:xfrm>
+          <a:prstGeom prst="line">
+            <a:avLst/>
+          </a:prstGeom>
+          <a:ln w="12700">
+            <a:solidFill>
+              <a:srgbClr val="000000"/>
+            </a:solidFill>
+            <a:headEnd type="oval" w="med" len="med"/>
+            <a:tailEnd type="none" w="med" len="med"/>
+          </a:ln>
+        </p:spPr>
+        <p:style>
+          <a:lnRef idx="1">
+            <a:schemeClr val="accent1"/>
+          </a:lnRef>
+          <a:fillRef idx="0">
+            <a:schemeClr val="accent1"/>
+          </a:fillRef>
+          <a:effectRef idx="0">
+            <a:schemeClr val="accent1"/>
+          </a:effectRef>
+          <a:fontRef idx="minor">
+            <a:schemeClr val="tx1"/>
+          </a:fontRef>
+        </p:style>
+      </p:cxnSp>
+      <p:cxnSp>
+        <p:nvCxnSpPr>
+          <p:cNvPr id="412" name="Straight Connector 411"/>
+          <p:cNvCxnSpPr/>
+          <p:nvPr/>
+        </p:nvCxnSpPr>
+        <p:spPr>
+          <a:xfrm flipV="1">
+            <a:off x="2743200" y="6705600"/>
+            <a:ext cx="152400" cy="152404"/>
+          </a:xfrm>
+          <a:prstGeom prst="line">
+            <a:avLst/>
+          </a:prstGeom>
+          <a:ln w="12700">
+            <a:solidFill>
+              <a:srgbClr val="000000"/>
+            </a:solidFill>
+            <a:headEnd type="none" w="med" len="med"/>
+            <a:tailEnd type="none" w="med" len="med"/>
+          </a:ln>
+        </p:spPr>
+        <p:style>
+          <a:lnRef idx="1">
+            <a:schemeClr val="accent1"/>
+          </a:lnRef>
+          <a:fillRef idx="0">
+            <a:schemeClr val="accent1"/>
+          </a:fillRef>
+          <a:effectRef idx="0">
+            <a:schemeClr val="accent1"/>
+          </a:effectRef>
+          <a:fontRef idx="minor">
+            <a:schemeClr val="tx1"/>
+          </a:fontRef>
+        </p:style>
+      </p:cxnSp>
+      <p:sp>
+        <p:nvSpPr>
+          <p:cNvPr id="414" name="Rectangle 413"/>
+          <p:cNvSpPr/>
+          <p:nvPr/>
+        </p:nvSpPr>
+        <p:spPr>
+          <a:xfrm>
+            <a:off x="2743201" y="6629400"/>
+            <a:ext cx="152400" cy="76200"/>
+          </a:xfrm>
+          <a:prstGeom prst="rect">
+            <a:avLst/>
+          </a:prstGeom>
+          <a:noFill/>
+          <a:ln>
+            <a:noFill/>
+          </a:ln>
+        </p:spPr>
+        <p:style>
+          <a:lnRef idx="2">
+            <a:schemeClr val="accent1">
+              <a:shade val="50000"/>
+            </a:schemeClr>
+          </a:lnRef>
+          <a:fillRef idx="1">
+            <a:schemeClr val="accent1"/>
+          </a:fillRef>
+          <a:effectRef idx="0">
+            <a:schemeClr val="accent1"/>
+          </a:effectRef>
+          <a:fontRef idx="minor">
+            <a:schemeClr val="lt1"/>
+          </a:fontRef>
+        </p:style>
+        <p:txBody>
+          <a:bodyPr wrap="none" lIns="45720" rIns="45720" rtlCol="0" anchor="ctr"/>
+          <a:lstStyle/>
+          <a:p>
+            <a:pPr algn="ctr"/>
+            <a:r>
+              <a:rPr lang="en-US" sz="900" dirty="0">
+                <a:solidFill>
+                  <a:srgbClr val="000000"/>
+                </a:solidFill>
+                <a:latin typeface="Courier New" panose="02070309020205020404" pitchFamily="49" charset="0"/>
+                <a:cs typeface="Courier New" panose="02070309020205020404" pitchFamily="49" charset="0"/>
+              </a:rPr>
+              <a:t>1</a:t>
+            </a:r>
+          </a:p>
+        </p:txBody>
+      </p:sp>
+      <p:sp>
+        <p:nvSpPr>
+          <p:cNvPr id="415" name="Rectangle 414"/>
+          <p:cNvSpPr/>
+          <p:nvPr/>
+        </p:nvSpPr>
+        <p:spPr>
+          <a:xfrm>
+            <a:off x="2819400" y="6781800"/>
+            <a:ext cx="457200" cy="152400"/>
+          </a:xfrm>
+          <a:prstGeom prst="rect">
+            <a:avLst/>
+          </a:prstGeom>
+          <a:noFill/>
+          <a:ln>
+            <a:noFill/>
+          </a:ln>
+        </p:spPr>
+        <p:style>
+          <a:lnRef idx="2">
+            <a:schemeClr val="accent1">
+              <a:shade val="50000"/>
+            </a:schemeClr>
+          </a:lnRef>
+          <a:fillRef idx="1">
+            <a:schemeClr val="accent1"/>
+          </a:fillRef>
+          <a:effectRef idx="0">
+            <a:schemeClr val="accent1"/>
+          </a:effectRef>
+          <a:fontRef idx="minor">
+            <a:schemeClr val="lt1"/>
+          </a:fontRef>
+        </p:style>
+        <p:txBody>
+          <a:bodyPr wrap="none" lIns="45720" rIns="45720" rtlCol="0" anchor="ctr"/>
+          <a:lstStyle/>
+          <a:p>
+            <a:r>
+              <a:rPr lang="en-US" sz="900" dirty="0" smtClean="0">
+                <a:solidFill>
+                  <a:srgbClr val="000000"/>
+                </a:solidFill>
+                <a:latin typeface="Courier New" panose="02070309020205020404" pitchFamily="49" charset="0"/>
+                <a:cs typeface="Courier New" panose="02070309020205020404" pitchFamily="49" charset="0"/>
+              </a:rPr>
+              <a:t>rstxf_d2</a:t>
+            </a:r>
+            <a:endParaRPr lang="en-US" sz="900" dirty="0">
+              <a:solidFill>
+                <a:srgbClr val="000000"/>
+              </a:solidFill>
+              <a:latin typeface="Courier New" panose="02070309020205020404" pitchFamily="49" charset="0"/>
+              <a:cs typeface="Courier New" panose="02070309020205020404" pitchFamily="49" charset="0"/>
+            </a:endParaRPr>
+          </a:p>
+        </p:txBody>
+      </p:sp>
+      <p:cxnSp>
+        <p:nvCxnSpPr>
+          <p:cNvPr id="420" name="Straight Connector 419"/>
+          <p:cNvCxnSpPr/>
+          <p:nvPr/>
+        </p:nvCxnSpPr>
+        <p:spPr>
+          <a:xfrm flipV="1">
+            <a:off x="3733800" y="6172200"/>
+            <a:ext cx="152400" cy="152404"/>
+          </a:xfrm>
+          <a:prstGeom prst="line">
+            <a:avLst/>
+          </a:prstGeom>
+          <a:ln w="12700">
+            <a:solidFill>
+              <a:srgbClr val="000000"/>
+            </a:solidFill>
+            <a:headEnd type="none" w="med" len="med"/>
+            <a:tailEnd type="none" w="med" len="med"/>
+          </a:ln>
+        </p:spPr>
+        <p:style>
+          <a:lnRef idx="1">
+            <a:schemeClr val="accent1"/>
+          </a:lnRef>
+          <a:fillRef idx="0">
+            <a:schemeClr val="accent1"/>
+          </a:fillRef>
+          <a:effectRef idx="0">
+            <a:schemeClr val="accent1"/>
+          </a:effectRef>
+          <a:fontRef idx="minor">
+            <a:schemeClr val="tx1"/>
+          </a:fontRef>
+        </p:style>
+      </p:cxnSp>
+      <p:sp>
+        <p:nvSpPr>
+          <p:cNvPr id="421" name="Rectangle 420"/>
+          <p:cNvSpPr/>
+          <p:nvPr/>
+        </p:nvSpPr>
+        <p:spPr>
+          <a:xfrm>
+            <a:off x="3733801" y="6096000"/>
+            <a:ext cx="152400" cy="76200"/>
+          </a:xfrm>
+          <a:prstGeom prst="rect">
+            <a:avLst/>
+          </a:prstGeom>
+          <a:noFill/>
+          <a:ln>
+            <a:noFill/>
+          </a:ln>
+        </p:spPr>
+        <p:style>
+          <a:lnRef idx="2">
+            <a:schemeClr val="accent1">
+              <a:shade val="50000"/>
+            </a:schemeClr>
+          </a:lnRef>
+          <a:fillRef idx="1">
+            <a:schemeClr val="accent1"/>
+          </a:fillRef>
+          <a:effectRef idx="0">
+            <a:schemeClr val="accent1"/>
+          </a:effectRef>
+          <a:fontRef idx="minor">
+            <a:schemeClr val="lt1"/>
+          </a:fontRef>
+        </p:style>
+        <p:txBody>
+          <a:bodyPr wrap="none" lIns="45720" rIns="45720" rtlCol="0" anchor="ctr"/>
+          <a:lstStyle/>
+          <a:p>
+            <a:pPr algn="ctr"/>
+            <a:r>
+              <a:rPr lang="en-US" sz="900" dirty="0">
+                <a:solidFill>
+                  <a:srgbClr val="000000"/>
+                </a:solidFill>
+                <a:latin typeface="Courier New" panose="02070309020205020404" pitchFamily="49" charset="0"/>
+                <a:cs typeface="Courier New" panose="02070309020205020404" pitchFamily="49" charset="0"/>
+              </a:rPr>
+              <a:t>1</a:t>
+            </a:r>
+          </a:p>
+        </p:txBody>
+      </p:sp>
+      <p:sp>
+        <p:nvSpPr>
+          <p:cNvPr id="422" name="Rectangle 421"/>
+          <p:cNvSpPr/>
+          <p:nvPr/>
+        </p:nvSpPr>
+        <p:spPr>
+          <a:xfrm>
+            <a:off x="4038600" y="6096000"/>
+            <a:ext cx="457200" cy="152400"/>
+          </a:xfrm>
+          <a:prstGeom prst="rect">
+            <a:avLst/>
+          </a:prstGeom>
+          <a:noFill/>
+          <a:ln>
+            <a:noFill/>
+          </a:ln>
+        </p:spPr>
+        <p:style>
+          <a:lnRef idx="2">
+            <a:schemeClr val="accent1">
+              <a:shade val="50000"/>
+            </a:schemeClr>
+          </a:lnRef>
+          <a:fillRef idx="1">
+            <a:schemeClr val="accent1"/>
+          </a:fillRef>
+          <a:effectRef idx="0">
+            <a:schemeClr val="accent1"/>
+          </a:effectRef>
+          <a:fontRef idx="minor">
+            <a:schemeClr val="lt1"/>
+          </a:fontRef>
+        </p:style>
+        <p:txBody>
+          <a:bodyPr wrap="none" lIns="45720" rIns="45720" rtlCol="0" anchor="ctr"/>
+          <a:lstStyle/>
+          <a:p>
+            <a:r>
+              <a:rPr lang="en-US" sz="900" dirty="0" err="1" smtClean="0">
+                <a:solidFill>
+                  <a:srgbClr val="000000"/>
+                </a:solidFill>
+                <a:latin typeface="Courier New" panose="02070309020205020404" pitchFamily="49" charset="0"/>
+                <a:cs typeface="Courier New" panose="02070309020205020404" pitchFamily="49" charset="0"/>
+              </a:rPr>
+              <a:t>clr_int</a:t>
+            </a:r>
+            <a:endParaRPr lang="en-US" sz="900" dirty="0">
+              <a:solidFill>
+                <a:srgbClr val="000000"/>
+              </a:solidFill>
+              <a:latin typeface="Courier New" panose="02070309020205020404" pitchFamily="49" charset="0"/>
+              <a:cs typeface="Courier New" panose="02070309020205020404" pitchFamily="49" charset="0"/>
+            </a:endParaRPr>
+          </a:p>
+        </p:txBody>
+      </p:sp>
+      <p:cxnSp>
+        <p:nvCxnSpPr>
+          <p:cNvPr id="423" name="Straight Connector 422"/>
+          <p:cNvCxnSpPr/>
+          <p:nvPr/>
+        </p:nvCxnSpPr>
+        <p:spPr>
+          <a:xfrm flipV="1">
+            <a:off x="2209800" y="7010400"/>
+            <a:ext cx="0" cy="5486400"/>
+          </a:xfrm>
+          <a:prstGeom prst="line">
+            <a:avLst/>
+          </a:prstGeom>
+          <a:ln w="12700">
+            <a:solidFill>
+              <a:srgbClr val="000000"/>
+            </a:solidFill>
+            <a:headEnd type="oval" w="med" len="med"/>
+            <a:tailEnd type="none" w="med" len="med"/>
+          </a:ln>
+        </p:spPr>
+        <p:style>
+          <a:lnRef idx="1">
+            <a:schemeClr val="accent1"/>
+          </a:lnRef>
+          <a:fillRef idx="0">
+            <a:schemeClr val="accent1"/>
+          </a:fillRef>
+          <a:effectRef idx="0">
+            <a:schemeClr val="accent1"/>
+          </a:effectRef>
+          <a:fontRef idx="minor">
+            <a:schemeClr val="tx1"/>
+          </a:fontRef>
+        </p:style>
+      </p:cxnSp>
+      <p:cxnSp>
+        <p:nvCxnSpPr>
+          <p:cNvPr id="424" name="Straight Connector 423"/>
+          <p:cNvCxnSpPr/>
+          <p:nvPr/>
+        </p:nvCxnSpPr>
+        <p:spPr>
+          <a:xfrm>
+            <a:off x="2209800" y="7162800"/>
+            <a:ext cx="304800" cy="0"/>
+          </a:xfrm>
+          <a:prstGeom prst="line">
+            <a:avLst/>
+          </a:prstGeom>
+          <a:ln w="12700">
+            <a:solidFill>
+              <a:srgbClr val="000000"/>
+            </a:solidFill>
+            <a:headEnd type="oval" w="med" len="med"/>
+            <a:tailEnd type="none" w="med" len="med"/>
+          </a:ln>
+        </p:spPr>
+        <p:style>
+          <a:lnRef idx="1">
+            <a:schemeClr val="accent1"/>
+          </a:lnRef>
+          <a:fillRef idx="0">
+            <a:schemeClr val="accent1"/>
+          </a:fillRef>
+          <a:effectRef idx="0">
+            <a:schemeClr val="accent1"/>
+          </a:effectRef>
+          <a:fontRef idx="minor">
+            <a:schemeClr val="tx1"/>
+          </a:fontRef>
+        </p:style>
+      </p:cxnSp>
+      <p:cxnSp>
+        <p:nvCxnSpPr>
+          <p:cNvPr id="425" name="Straight Connector 424"/>
+          <p:cNvCxnSpPr/>
+          <p:nvPr/>
+        </p:nvCxnSpPr>
+        <p:spPr>
+          <a:xfrm flipV="1">
+            <a:off x="2514600" y="7010400"/>
+            <a:ext cx="0" cy="152400"/>
+          </a:xfrm>
+          <a:prstGeom prst="line">
+            <a:avLst/>
+          </a:prstGeom>
+          <a:ln w="12700">
+            <a:solidFill>
+              <a:srgbClr val="000000"/>
+            </a:solidFill>
+            <a:headEnd type="none" w="med" len="med"/>
+            <a:tailEnd type="none" w="med" len="med"/>
+          </a:ln>
+        </p:spPr>
+        <p:style>
+          <a:lnRef idx="1">
+            <a:schemeClr val="accent1"/>
+          </a:lnRef>
+          <a:fillRef idx="0">
+            <a:schemeClr val="accent1"/>
+          </a:fillRef>
+          <a:effectRef idx="0">
+            <a:schemeClr val="accent1"/>
+          </a:effectRef>
+          <a:fontRef idx="minor">
+            <a:schemeClr val="tx1"/>
+          </a:fontRef>
+        </p:style>
+      </p:cxnSp>
+      <p:sp>
+        <p:nvSpPr>
+          <p:cNvPr id="426" name="Oval 425"/>
+          <p:cNvSpPr/>
+          <p:nvPr/>
+        </p:nvSpPr>
+        <p:spPr>
+          <a:xfrm>
+            <a:off x="2133600" y="6553200"/>
+            <a:ext cx="152400" cy="152400"/>
+          </a:xfrm>
+          <a:prstGeom prst="ellipse">
+            <a:avLst/>
+          </a:prstGeom>
+          <a:noFill/>
+          <a:ln>
+            <a:solidFill>
+              <a:schemeClr val="tx1"/>
+            </a:solidFill>
+          </a:ln>
+        </p:spPr>
+        <p:style>
+          <a:lnRef idx="2">
+            <a:schemeClr val="accent1">
+              <a:shade val="50000"/>
+            </a:schemeClr>
+          </a:lnRef>
+          <a:fillRef idx="1">
+            <a:schemeClr val="accent1"/>
+          </a:fillRef>
+          <a:effectRef idx="0">
+            <a:schemeClr val="accent1"/>
+          </a:effectRef>
+          <a:fontRef idx="minor">
+            <a:schemeClr val="lt1"/>
+          </a:fontRef>
+        </p:style>
+        <p:txBody>
+          <a:bodyPr rtlCol="0" anchor="ctr"/>
+          <a:lstStyle/>
+          <a:p>
+            <a:pPr algn="ctr"/>
+            <a:endParaRPr lang="en-US"/>
+          </a:p>
+        </p:txBody>
+      </p:sp>
+      <p:sp>
+        <p:nvSpPr>
+          <p:cNvPr id="427" name="Oval 426"/>
+          <p:cNvSpPr/>
+          <p:nvPr/>
+        </p:nvSpPr>
+        <p:spPr>
+          <a:xfrm>
+            <a:off x="2438400" y="6553200"/>
+            <a:ext cx="152400" cy="152400"/>
+          </a:xfrm>
+          <a:prstGeom prst="ellipse">
+            <a:avLst/>
+          </a:prstGeom>
+          <a:noFill/>
+          <a:ln>
+            <a:solidFill>
+              <a:schemeClr val="tx1"/>
+            </a:solidFill>
+          </a:ln>
+        </p:spPr>
+        <p:style>
+          <a:lnRef idx="2">
+            <a:schemeClr val="accent1">
+              <a:shade val="50000"/>
+            </a:schemeClr>
+          </a:lnRef>
+          <a:fillRef idx="1">
+            <a:schemeClr val="accent1"/>
+          </a:fillRef>
+          <a:effectRef idx="0">
+            <a:schemeClr val="accent1"/>
+          </a:effectRef>
+          <a:fontRef idx="minor">
+            <a:schemeClr val="lt1"/>
+          </a:fontRef>
+        </p:style>
+        <p:txBody>
+          <a:bodyPr rtlCol="0" anchor="ctr"/>
+          <a:lstStyle/>
+          <a:p>
+            <a:pPr algn="ctr"/>
+            <a:endParaRPr lang="en-US"/>
+          </a:p>
+        </p:txBody>
+      </p:sp>
+      <p:cxnSp>
+        <p:nvCxnSpPr>
+          <p:cNvPr id="428" name="Straight Connector 427"/>
+          <p:cNvCxnSpPr/>
+          <p:nvPr/>
+        </p:nvCxnSpPr>
+        <p:spPr>
+          <a:xfrm>
+            <a:off x="2209800" y="6400800"/>
+            <a:ext cx="0" cy="152400"/>
+          </a:xfrm>
+          <a:prstGeom prst="line">
+            <a:avLst/>
+          </a:prstGeom>
+          <a:ln w="12700">
+            <a:solidFill>
+              <a:srgbClr val="000000"/>
+            </a:solidFill>
+            <a:headEnd type="oval" w="med" len="med"/>
+            <a:tailEnd type="none" w="med" len="med"/>
+          </a:ln>
+        </p:spPr>
+        <p:style>
+          <a:lnRef idx="1">
+            <a:schemeClr val="accent1"/>
+          </a:lnRef>
+          <a:fillRef idx="0">
+            <a:schemeClr val="accent1"/>
+          </a:fillRef>
+          <a:effectRef idx="0">
+            <a:schemeClr val="accent1"/>
+          </a:effectRef>
+          <a:fontRef idx="minor">
+            <a:schemeClr val="tx1"/>
+          </a:fontRef>
+        </p:style>
+      </p:cxnSp>
+      <p:cxnSp>
+        <p:nvCxnSpPr>
+          <p:cNvPr id="429" name="Straight Connector 428"/>
+          <p:cNvCxnSpPr/>
+          <p:nvPr/>
+        </p:nvCxnSpPr>
+        <p:spPr>
+          <a:xfrm>
+            <a:off x="2514600" y="6400800"/>
+            <a:ext cx="0" cy="152400"/>
+          </a:xfrm>
+          <a:prstGeom prst="line">
+            <a:avLst/>
+          </a:prstGeom>
+          <a:ln w="12700">
+            <a:solidFill>
+              <a:srgbClr val="000000"/>
+            </a:solidFill>
+            <a:headEnd type="none" w="med" len="med"/>
+            <a:tailEnd type="none" w="med" len="med"/>
+          </a:ln>
+        </p:spPr>
+        <p:style>
+          <a:lnRef idx="1">
+            <a:schemeClr val="accent1"/>
+          </a:lnRef>
+          <a:fillRef idx="0">
+            <a:schemeClr val="accent1"/>
+          </a:fillRef>
+          <a:effectRef idx="0">
+            <a:schemeClr val="accent1"/>
+          </a:effectRef>
+          <a:fontRef idx="minor">
+            <a:schemeClr val="tx1"/>
+          </a:fontRef>
+        </p:style>
+      </p:cxnSp>
+      <p:cxnSp>
+        <p:nvCxnSpPr>
+          <p:cNvPr id="430" name="Straight Connector 429"/>
+          <p:cNvCxnSpPr/>
+          <p:nvPr/>
+        </p:nvCxnSpPr>
+        <p:spPr>
+          <a:xfrm>
+            <a:off x="1905000" y="6400800"/>
+            <a:ext cx="609600" cy="0"/>
+          </a:xfrm>
+          <a:prstGeom prst="line">
+            <a:avLst/>
+          </a:prstGeom>
+          <a:ln w="12700">
+            <a:solidFill>
+              <a:srgbClr val="000000"/>
+            </a:solidFill>
+            <a:headEnd type="none" w="med" len="med"/>
+            <a:tailEnd type="none" w="med" len="med"/>
+          </a:ln>
+        </p:spPr>
+        <p:style>
+          <a:lnRef idx="1">
+            <a:schemeClr val="accent1"/>
+          </a:lnRef>
+          <a:fillRef idx="0">
+            <a:schemeClr val="accent1"/>
+          </a:fillRef>
+          <a:effectRef idx="0">
+            <a:schemeClr val="accent1"/>
+          </a:effectRef>
+          <a:fontRef idx="minor">
+            <a:schemeClr val="tx1"/>
+          </a:fontRef>
+        </p:style>
+      </p:cxnSp>
+      <p:sp>
+        <p:nvSpPr>
+          <p:cNvPr id="431" name="Rectangle 430"/>
+          <p:cNvSpPr/>
+          <p:nvPr/>
+        </p:nvSpPr>
+        <p:spPr>
+          <a:xfrm>
+            <a:off x="1676400" y="6248400"/>
+            <a:ext cx="457200" cy="152400"/>
+          </a:xfrm>
+          <a:prstGeom prst="rect">
+            <a:avLst/>
+          </a:prstGeom>
+          <a:noFill/>
+          <a:ln>
+            <a:noFill/>
+          </a:ln>
+        </p:spPr>
+        <p:style>
+          <a:lnRef idx="2">
+            <a:schemeClr val="accent1">
+              <a:shade val="50000"/>
+            </a:schemeClr>
+          </a:lnRef>
+          <a:fillRef idx="1">
+            <a:schemeClr val="accent1"/>
+          </a:fillRef>
+          <a:effectRef idx="0">
+            <a:schemeClr val="accent1"/>
+          </a:effectRef>
+          <a:fontRef idx="minor">
+            <a:schemeClr val="lt1"/>
+          </a:fontRef>
+        </p:style>
+        <p:txBody>
+          <a:bodyPr wrap="none" lIns="45720" rIns="45720" rtlCol="0" anchor="ctr"/>
+          <a:lstStyle/>
+          <a:p>
+            <a:r>
+              <a:rPr lang="en-US" sz="900" dirty="0" smtClean="0">
+                <a:solidFill>
+                  <a:srgbClr val="000000"/>
+                </a:solidFill>
+                <a:latin typeface="Courier New" panose="02070309020205020404" pitchFamily="49" charset="0"/>
+                <a:cs typeface="Courier New" panose="02070309020205020404" pitchFamily="49" charset="0"/>
+              </a:rPr>
+              <a:t>RSTXP</a:t>
             </a:r>
             <a:endParaRPr lang="en-US" sz="900" dirty="0">
               <a:solidFill>

--- a/0090_ber/rtl/schematic/lvds1.pptx
+++ b/0090_ber/rtl/schematic/lvds1.pptx
@@ -2,7 +2,7 @@
 <file path=ppt/presentation.xml><?xml version="1.0" encoding="utf-8"?>
 <p:presentation xmlns:a="http://schemas.openxmlformats.org/drawingml/2006/main" xmlns:r="http://schemas.openxmlformats.org/officeDocument/2006/relationships" xmlns:p="http://schemas.openxmlformats.org/presentationml/2006/main" saveSubsetFonts="1">
   <p:sldMasterIdLst>
-    <p:sldMasterId id="2147484513" r:id="rId1"/>
+    <p:sldMasterId id="2147484537" r:id="rId1"/>
   </p:sldMasterIdLst>
   <p:notesMasterIdLst>
     <p:notesMasterId r:id="rId3"/>
@@ -10,7 +10,7 @@
   <p:sldIdLst>
     <p:sldId id="262" r:id="rId2"/>
   </p:sldIdLst>
-  <p:sldSz cx="25603200" cy="18288000"/>
+  <p:sldSz cx="27432000" cy="18288000"/>
   <p:notesSz cx="6797675" cy="9926638"/>
   <p:defaultTextStyle>
     <a:defPPr>
@@ -197,7 +197,7 @@
           <a:p>
             <a:fld id="{B9E5BF02-4A65-43B2-AA51-912306618617}" type="datetimeFigureOut">
               <a:rPr lang="en-US" smtClean="0"/>
-              <a:t>10/12/2017</a:t>
+              <a:t>10/25/2017</a:t>
             </a:fld>
             <a:endParaRPr lang="en-US"/>
           </a:p>
@@ -215,8 +215,8 @@
         </p:nvSpPr>
         <p:spPr>
           <a:xfrm>
-            <a:off x="1054100" y="1241425"/>
-            <a:ext cx="4689475" cy="3349625"/>
+            <a:off x="885825" y="1241425"/>
+            <a:ext cx="5026025" cy="3349625"/>
           </a:xfrm>
           <a:prstGeom prst="rect">
             <a:avLst/>
@@ -494,8 +494,8 @@
         </p:nvSpPr>
         <p:spPr>
           <a:xfrm>
-            <a:off x="1054100" y="1241425"/>
-            <a:ext cx="4689475" cy="3349625"/>
+            <a:off x="885825" y="1241425"/>
+            <a:ext cx="5026025" cy="3349625"/>
           </a:xfrm>
         </p:spPr>
       </p:sp>
@@ -583,8 +583,8 @@
         </p:nvSpPr>
         <p:spPr>
           <a:xfrm>
-            <a:off x="1920240" y="2992968"/>
-            <a:ext cx="21762720" cy="6366933"/>
+            <a:off x="2057400" y="2992968"/>
+            <a:ext cx="23317200" cy="6366933"/>
           </a:xfrm>
         </p:spPr>
         <p:txBody>
@@ -615,8 +615,8 @@
         </p:nvSpPr>
         <p:spPr>
           <a:xfrm>
-            <a:off x="3200400" y="9605435"/>
-            <a:ext cx="19202400" cy="4415365"/>
+            <a:off x="3429000" y="9605435"/>
+            <a:ext cx="20574000" cy="4415365"/>
           </a:xfrm>
         </p:spPr>
         <p:txBody>
@@ -685,7 +685,7 @@
           <a:p>
             <a:fld id="{F8F920B2-3E99-4C9D-9450-62A3DEC5476B}" type="datetimeFigureOut">
               <a:rPr lang="en-US" smtClean="0"/>
-              <a:t>10/12/2017</a:t>
+              <a:t>10/25/2017</a:t>
             </a:fld>
             <a:endParaRPr lang="en-US"/>
           </a:p>
@@ -736,7 +736,7 @@
     </p:spTree>
     <p:extLst>
       <p:ext uri="{BB962C8B-B14F-4D97-AF65-F5344CB8AC3E}">
-        <p14:creationId xmlns:p14="http://schemas.microsoft.com/office/powerpoint/2010/main" val="3145381081"/>
+        <p14:creationId xmlns:p14="http://schemas.microsoft.com/office/powerpoint/2010/main" val="1794670131"/>
       </p:ext>
     </p:extLst>
   </p:cSld>
@@ -855,7 +855,7 @@
           <a:p>
             <a:fld id="{F8F920B2-3E99-4C9D-9450-62A3DEC5476B}" type="datetimeFigureOut">
               <a:rPr lang="en-US" smtClean="0"/>
-              <a:t>10/12/2017</a:t>
+              <a:t>10/25/2017</a:t>
             </a:fld>
             <a:endParaRPr lang="en-US"/>
           </a:p>
@@ -906,7 +906,7 @@
     </p:spTree>
     <p:extLst>
       <p:ext uri="{BB962C8B-B14F-4D97-AF65-F5344CB8AC3E}">
-        <p14:creationId xmlns:p14="http://schemas.microsoft.com/office/powerpoint/2010/main" val="4272540088"/>
+        <p14:creationId xmlns:p14="http://schemas.microsoft.com/office/powerpoint/2010/main" val="930212756"/>
       </p:ext>
     </p:extLst>
   </p:cSld>
@@ -945,8 +945,8 @@
         </p:nvSpPr>
         <p:spPr>
           <a:xfrm>
-            <a:off x="18322291" y="973667"/>
-            <a:ext cx="5520690" cy="15498235"/>
+            <a:off x="19631027" y="973667"/>
+            <a:ext cx="5915025" cy="15498235"/>
           </a:xfrm>
         </p:spPr>
         <p:txBody>
@@ -973,8 +973,8 @@
         </p:nvSpPr>
         <p:spPr>
           <a:xfrm>
-            <a:off x="1760221" y="973667"/>
-            <a:ext cx="16242030" cy="15498235"/>
+            <a:off x="1885952" y="973667"/>
+            <a:ext cx="17402175" cy="15498235"/>
           </a:xfrm>
         </p:spPr>
         <p:txBody>
@@ -1035,7 +1035,7 @@
           <a:p>
             <a:fld id="{F8F920B2-3E99-4C9D-9450-62A3DEC5476B}" type="datetimeFigureOut">
               <a:rPr lang="en-US" smtClean="0"/>
-              <a:t>10/12/2017</a:t>
+              <a:t>10/25/2017</a:t>
             </a:fld>
             <a:endParaRPr lang="en-US"/>
           </a:p>
@@ -1086,7 +1086,7 @@
     </p:spTree>
     <p:extLst>
       <p:ext uri="{BB962C8B-B14F-4D97-AF65-F5344CB8AC3E}">
-        <p14:creationId xmlns:p14="http://schemas.microsoft.com/office/powerpoint/2010/main" val="382989275"/>
+        <p14:creationId xmlns:p14="http://schemas.microsoft.com/office/powerpoint/2010/main" val="3989422453"/>
       </p:ext>
     </p:extLst>
   </p:cSld>
@@ -1205,7 +1205,7 @@
           <a:p>
             <a:fld id="{F8F920B2-3E99-4C9D-9450-62A3DEC5476B}" type="datetimeFigureOut">
               <a:rPr lang="en-US" smtClean="0"/>
-              <a:t>10/12/2017</a:t>
+              <a:t>10/25/2017</a:t>
             </a:fld>
             <a:endParaRPr lang="en-US"/>
           </a:p>
@@ -1256,7 +1256,7 @@
     </p:spTree>
     <p:extLst>
       <p:ext uri="{BB962C8B-B14F-4D97-AF65-F5344CB8AC3E}">
-        <p14:creationId xmlns:p14="http://schemas.microsoft.com/office/powerpoint/2010/main" val="435677612"/>
+        <p14:creationId xmlns:p14="http://schemas.microsoft.com/office/powerpoint/2010/main" val="4118258925"/>
       </p:ext>
     </p:extLst>
   </p:cSld>
@@ -1295,8 +1295,8 @@
         </p:nvSpPr>
         <p:spPr>
           <a:xfrm>
-            <a:off x="1746886" y="4559305"/>
-            <a:ext cx="22082760" cy="7607299"/>
+            <a:off x="1871664" y="4559305"/>
+            <a:ext cx="23660100" cy="7607299"/>
           </a:xfrm>
         </p:spPr>
         <p:txBody>
@@ -1327,8 +1327,8 @@
         </p:nvSpPr>
         <p:spPr>
           <a:xfrm>
-            <a:off x="1746886" y="12238572"/>
-            <a:ext cx="22082760" cy="4000499"/>
+            <a:off x="1871664" y="12238572"/>
+            <a:ext cx="23660100" cy="4000499"/>
           </a:xfrm>
         </p:spPr>
         <p:txBody>
@@ -1449,7 +1449,7 @@
           <a:p>
             <a:fld id="{F8F920B2-3E99-4C9D-9450-62A3DEC5476B}" type="datetimeFigureOut">
               <a:rPr lang="en-US" smtClean="0"/>
-              <a:t>10/12/2017</a:t>
+              <a:t>10/25/2017</a:t>
             </a:fld>
             <a:endParaRPr lang="en-US"/>
           </a:p>
@@ -1500,7 +1500,7 @@
     </p:spTree>
     <p:extLst>
       <p:ext uri="{BB962C8B-B14F-4D97-AF65-F5344CB8AC3E}">
-        <p14:creationId xmlns:p14="http://schemas.microsoft.com/office/powerpoint/2010/main" val="1990666383"/>
+        <p14:creationId xmlns:p14="http://schemas.microsoft.com/office/powerpoint/2010/main" val="3244784299"/>
       </p:ext>
     </p:extLst>
   </p:cSld>
@@ -1562,8 +1562,8 @@
         </p:nvSpPr>
         <p:spPr>
           <a:xfrm>
-            <a:off x="1760220" y="4868333"/>
-            <a:ext cx="10881360" cy="11603568"/>
+            <a:off x="1885950" y="4868333"/>
+            <a:ext cx="11658600" cy="11603568"/>
           </a:xfrm>
         </p:spPr>
         <p:txBody>
@@ -1619,8 +1619,8 @@
         </p:nvSpPr>
         <p:spPr>
           <a:xfrm>
-            <a:off x="12961620" y="4868333"/>
-            <a:ext cx="10881360" cy="11603568"/>
+            <a:off x="13887450" y="4868333"/>
+            <a:ext cx="11658600" cy="11603568"/>
           </a:xfrm>
         </p:spPr>
         <p:txBody>
@@ -1681,7 +1681,7 @@
           <a:p>
             <a:fld id="{F8F920B2-3E99-4C9D-9450-62A3DEC5476B}" type="datetimeFigureOut">
               <a:rPr lang="en-US" smtClean="0"/>
-              <a:t>10/12/2017</a:t>
+              <a:t>10/25/2017</a:t>
             </a:fld>
             <a:endParaRPr lang="en-US"/>
           </a:p>
@@ -1732,7 +1732,7 @@
     </p:spTree>
     <p:extLst>
       <p:ext uri="{BB962C8B-B14F-4D97-AF65-F5344CB8AC3E}">
-        <p14:creationId xmlns:p14="http://schemas.microsoft.com/office/powerpoint/2010/main" val="3119035017"/>
+        <p14:creationId xmlns:p14="http://schemas.microsoft.com/office/powerpoint/2010/main" val="3949240212"/>
       </p:ext>
     </p:extLst>
   </p:cSld>
@@ -1771,8 +1771,8 @@
         </p:nvSpPr>
         <p:spPr>
           <a:xfrm>
-            <a:off x="1763555" y="973671"/>
-            <a:ext cx="22082760" cy="3534835"/>
+            <a:off x="1889523" y="973671"/>
+            <a:ext cx="23660100" cy="3534835"/>
           </a:xfrm>
         </p:spPr>
         <p:txBody>
@@ -1799,8 +1799,8 @@
         </p:nvSpPr>
         <p:spPr>
           <a:xfrm>
-            <a:off x="1763558" y="4483101"/>
-            <a:ext cx="10831352" cy="2197099"/>
+            <a:off x="1889526" y="4483101"/>
+            <a:ext cx="11605020" cy="2197099"/>
           </a:xfrm>
         </p:spPr>
         <p:txBody>
@@ -1864,8 +1864,8 @@
         </p:nvSpPr>
         <p:spPr>
           <a:xfrm>
-            <a:off x="1763558" y="6680200"/>
-            <a:ext cx="10831352" cy="9825568"/>
+            <a:off x="1889526" y="6680200"/>
+            <a:ext cx="11605020" cy="9825568"/>
           </a:xfrm>
         </p:spPr>
         <p:txBody>
@@ -1921,8 +1921,8 @@
         </p:nvSpPr>
         <p:spPr>
           <a:xfrm>
-            <a:off x="12961621" y="4483101"/>
-            <a:ext cx="10884695" cy="2197099"/>
+            <a:off x="13887452" y="4483101"/>
+            <a:ext cx="11662173" cy="2197099"/>
           </a:xfrm>
         </p:spPr>
         <p:txBody>
@@ -1986,8 +1986,8 @@
         </p:nvSpPr>
         <p:spPr>
           <a:xfrm>
-            <a:off x="12961621" y="6680200"/>
-            <a:ext cx="10884695" cy="9825568"/>
+            <a:off x="13887452" y="6680200"/>
+            <a:ext cx="11662173" cy="9825568"/>
           </a:xfrm>
         </p:spPr>
         <p:txBody>
@@ -2048,7 +2048,7 @@
           <a:p>
             <a:fld id="{F8F920B2-3E99-4C9D-9450-62A3DEC5476B}" type="datetimeFigureOut">
               <a:rPr lang="en-US" smtClean="0"/>
-              <a:t>10/12/2017</a:t>
+              <a:t>10/25/2017</a:t>
             </a:fld>
             <a:endParaRPr lang="en-US"/>
           </a:p>
@@ -2099,7 +2099,7 @@
     </p:spTree>
     <p:extLst>
       <p:ext uri="{BB962C8B-B14F-4D97-AF65-F5344CB8AC3E}">
-        <p14:creationId xmlns:p14="http://schemas.microsoft.com/office/powerpoint/2010/main" val="1217456912"/>
+        <p14:creationId xmlns:p14="http://schemas.microsoft.com/office/powerpoint/2010/main" val="2507165435"/>
       </p:ext>
     </p:extLst>
   </p:cSld>
@@ -2166,7 +2166,7 @@
           <a:p>
             <a:fld id="{F8F920B2-3E99-4C9D-9450-62A3DEC5476B}" type="datetimeFigureOut">
               <a:rPr lang="en-US" smtClean="0"/>
-              <a:t>10/12/2017</a:t>
+              <a:t>10/25/2017</a:t>
             </a:fld>
             <a:endParaRPr lang="en-US"/>
           </a:p>
@@ -2217,7 +2217,7 @@
     </p:spTree>
     <p:extLst>
       <p:ext uri="{BB962C8B-B14F-4D97-AF65-F5344CB8AC3E}">
-        <p14:creationId xmlns:p14="http://schemas.microsoft.com/office/powerpoint/2010/main" val="1153296595"/>
+        <p14:creationId xmlns:p14="http://schemas.microsoft.com/office/powerpoint/2010/main" val="662295828"/>
       </p:ext>
     </p:extLst>
   </p:cSld>
@@ -2261,7 +2261,7 @@
           <a:p>
             <a:fld id="{F8F920B2-3E99-4C9D-9450-62A3DEC5476B}" type="datetimeFigureOut">
               <a:rPr lang="en-US" smtClean="0"/>
-              <a:t>10/12/2017</a:t>
+              <a:t>10/25/2017</a:t>
             </a:fld>
             <a:endParaRPr lang="en-US"/>
           </a:p>
@@ -2312,7 +2312,7 @@
     </p:spTree>
     <p:extLst>
       <p:ext uri="{BB962C8B-B14F-4D97-AF65-F5344CB8AC3E}">
-        <p14:creationId xmlns:p14="http://schemas.microsoft.com/office/powerpoint/2010/main" val="1600779657"/>
+        <p14:creationId xmlns:p14="http://schemas.microsoft.com/office/powerpoint/2010/main" val="2858160493"/>
       </p:ext>
     </p:extLst>
   </p:cSld>
@@ -2351,8 +2351,8 @@
         </p:nvSpPr>
         <p:spPr>
           <a:xfrm>
-            <a:off x="1763555" y="1219200"/>
-            <a:ext cx="8257698" cy="4267200"/>
+            <a:off x="1889523" y="1219200"/>
+            <a:ext cx="8847534" cy="4267200"/>
           </a:xfrm>
         </p:spPr>
         <p:txBody>
@@ -2383,8 +2383,8 @@
         </p:nvSpPr>
         <p:spPr>
           <a:xfrm>
-            <a:off x="10884695" y="2633138"/>
-            <a:ext cx="12961620" cy="12996333"/>
+            <a:off x="11662173" y="2633138"/>
+            <a:ext cx="13887450" cy="12996333"/>
           </a:xfrm>
         </p:spPr>
         <p:txBody>
@@ -2468,8 +2468,8 @@
         </p:nvSpPr>
         <p:spPr>
           <a:xfrm>
-            <a:off x="1763555" y="5486400"/>
-            <a:ext cx="8257698" cy="10164235"/>
+            <a:off x="1889523" y="5486400"/>
+            <a:ext cx="8847534" cy="10164235"/>
           </a:xfrm>
         </p:spPr>
         <p:txBody>
@@ -2538,7 +2538,7 @@
           <a:p>
             <a:fld id="{F8F920B2-3E99-4C9D-9450-62A3DEC5476B}" type="datetimeFigureOut">
               <a:rPr lang="en-US" smtClean="0"/>
-              <a:t>10/12/2017</a:t>
+              <a:t>10/25/2017</a:t>
             </a:fld>
             <a:endParaRPr lang="en-US"/>
           </a:p>
@@ -2589,7 +2589,7 @@
     </p:spTree>
     <p:extLst>
       <p:ext uri="{BB962C8B-B14F-4D97-AF65-F5344CB8AC3E}">
-        <p14:creationId xmlns:p14="http://schemas.microsoft.com/office/powerpoint/2010/main" val="697443860"/>
+        <p14:creationId xmlns:p14="http://schemas.microsoft.com/office/powerpoint/2010/main" val="129491679"/>
       </p:ext>
     </p:extLst>
   </p:cSld>
@@ -2628,8 +2628,8 @@
         </p:nvSpPr>
         <p:spPr>
           <a:xfrm>
-            <a:off x="1763555" y="1219200"/>
-            <a:ext cx="8257698" cy="4267200"/>
+            <a:off x="1889523" y="1219200"/>
+            <a:ext cx="8847534" cy="4267200"/>
           </a:xfrm>
         </p:spPr>
         <p:txBody>
@@ -2660,8 +2660,8 @@
         </p:nvSpPr>
         <p:spPr>
           <a:xfrm>
-            <a:off x="10884695" y="2633138"/>
-            <a:ext cx="12961620" cy="12996333"/>
+            <a:off x="11662173" y="2633138"/>
+            <a:ext cx="13887450" cy="12996333"/>
           </a:xfrm>
         </p:spPr>
         <p:txBody>
@@ -2725,8 +2725,8 @@
         </p:nvSpPr>
         <p:spPr>
           <a:xfrm>
-            <a:off x="1763555" y="5486400"/>
-            <a:ext cx="8257698" cy="10164235"/>
+            <a:off x="1889523" y="5486400"/>
+            <a:ext cx="8847534" cy="10164235"/>
           </a:xfrm>
         </p:spPr>
         <p:txBody>
@@ -2795,7 +2795,7 @@
           <a:p>
             <a:fld id="{F8F920B2-3E99-4C9D-9450-62A3DEC5476B}" type="datetimeFigureOut">
               <a:rPr lang="en-US" smtClean="0"/>
-              <a:t>10/12/2017</a:t>
+              <a:t>10/25/2017</a:t>
             </a:fld>
             <a:endParaRPr lang="en-US"/>
           </a:p>
@@ -2846,7 +2846,7 @@
     </p:spTree>
     <p:extLst>
       <p:ext uri="{BB962C8B-B14F-4D97-AF65-F5344CB8AC3E}">
-        <p14:creationId xmlns:p14="http://schemas.microsoft.com/office/powerpoint/2010/main" val="3871417374"/>
+        <p14:creationId xmlns:p14="http://schemas.microsoft.com/office/powerpoint/2010/main" val="3452006532"/>
       </p:ext>
     </p:extLst>
   </p:cSld>
@@ -2890,8 +2890,8 @@
         </p:nvSpPr>
         <p:spPr>
           <a:xfrm>
-            <a:off x="1760220" y="973671"/>
-            <a:ext cx="22082760" cy="3534835"/>
+            <a:off x="1885950" y="973671"/>
+            <a:ext cx="23660100" cy="3534835"/>
           </a:xfrm>
           <a:prstGeom prst="rect">
             <a:avLst/>
@@ -2923,8 +2923,8 @@
         </p:nvSpPr>
         <p:spPr>
           <a:xfrm>
-            <a:off x="1760220" y="4868333"/>
-            <a:ext cx="22082760" cy="11603568"/>
+            <a:off x="1885950" y="4868333"/>
+            <a:ext cx="23660100" cy="11603568"/>
           </a:xfrm>
           <a:prstGeom prst="rect">
             <a:avLst/>
@@ -2985,8 +2985,8 @@
         </p:nvSpPr>
         <p:spPr>
           <a:xfrm>
-            <a:off x="1760220" y="16950271"/>
-            <a:ext cx="5760720" cy="973667"/>
+            <a:off x="1885950" y="16950271"/>
+            <a:ext cx="6172200" cy="973667"/>
           </a:xfrm>
           <a:prstGeom prst="rect">
             <a:avLst/>
@@ -3008,7 +3008,7 @@
           <a:p>
             <a:fld id="{F8F920B2-3E99-4C9D-9450-62A3DEC5476B}" type="datetimeFigureOut">
               <a:rPr lang="en-US" smtClean="0"/>
-              <a:t>10/12/2017</a:t>
+              <a:t>10/25/2017</a:t>
             </a:fld>
             <a:endParaRPr lang="en-US"/>
           </a:p>
@@ -3026,8 +3026,8 @@
         </p:nvSpPr>
         <p:spPr>
           <a:xfrm>
-            <a:off x="8481060" y="16950271"/>
-            <a:ext cx="8641080" cy="973667"/>
+            <a:off x="9086850" y="16950271"/>
+            <a:ext cx="9258300" cy="973667"/>
           </a:xfrm>
           <a:prstGeom prst="rect">
             <a:avLst/>
@@ -3063,8 +3063,8 @@
         </p:nvSpPr>
         <p:spPr>
           <a:xfrm>
-            <a:off x="18082260" y="16950271"/>
-            <a:ext cx="5760720" cy="973667"/>
+            <a:off x="19373850" y="16950271"/>
+            <a:ext cx="6172200" cy="973667"/>
           </a:xfrm>
           <a:prstGeom prst="rect">
             <a:avLst/>
@@ -3095,23 +3095,23 @@
     </p:spTree>
     <p:extLst>
       <p:ext uri="{BB962C8B-B14F-4D97-AF65-F5344CB8AC3E}">
-        <p14:creationId xmlns:p14="http://schemas.microsoft.com/office/powerpoint/2010/main" val="466422031"/>
+        <p14:creationId xmlns:p14="http://schemas.microsoft.com/office/powerpoint/2010/main" val="1415131070"/>
       </p:ext>
     </p:extLst>
   </p:cSld>
   <p:clrMap bg1="lt1" tx1="dk1" bg2="lt2" tx2="dk2" accent1="accent1" accent2="accent2" accent3="accent3" accent4="accent4" accent5="accent5" accent6="accent6" hlink="hlink" folHlink="folHlink"/>
   <p:sldLayoutIdLst>
-    <p:sldLayoutId id="2147484514" r:id="rId1"/>
-    <p:sldLayoutId id="2147484515" r:id="rId2"/>
-    <p:sldLayoutId id="2147484516" r:id="rId3"/>
-    <p:sldLayoutId id="2147484517" r:id="rId4"/>
-    <p:sldLayoutId id="2147484518" r:id="rId5"/>
-    <p:sldLayoutId id="2147484519" r:id="rId6"/>
-    <p:sldLayoutId id="2147484520" r:id="rId7"/>
-    <p:sldLayoutId id="2147484521" r:id="rId8"/>
-    <p:sldLayoutId id="2147484522" r:id="rId9"/>
-    <p:sldLayoutId id="2147484523" r:id="rId10"/>
-    <p:sldLayoutId id="2147484524" r:id="rId11"/>
+    <p:sldLayoutId id="2147484538" r:id="rId1"/>
+    <p:sldLayoutId id="2147484539" r:id="rId2"/>
+    <p:sldLayoutId id="2147484540" r:id="rId3"/>
+    <p:sldLayoutId id="2147484541" r:id="rId4"/>
+    <p:sldLayoutId id="2147484542" r:id="rId5"/>
+    <p:sldLayoutId id="2147484543" r:id="rId6"/>
+    <p:sldLayoutId id="2147484544" r:id="rId7"/>
+    <p:sldLayoutId id="2147484545" r:id="rId8"/>
+    <p:sldLayoutId id="2147484546" r:id="rId9"/>
+    <p:sldLayoutId id="2147484547" r:id="rId10"/>
+    <p:sldLayoutId id="2147484548" r:id="rId11"/>
   </p:sldLayoutIdLst>
   <p:txStyles>
     <p:titleStyle>
@@ -3421,7 +3421,7 @@
         </p:nvSpPr>
         <p:spPr>
           <a:xfrm>
-            <a:off x="304800" y="5562600"/>
+            <a:off x="533400" y="4191000"/>
             <a:ext cx="1524000" cy="228600"/>
           </a:xfrm>
           <a:prstGeom prst="roundRect">
@@ -3479,7 +3479,7 @@
         </p:nvCxnSpPr>
         <p:spPr>
           <a:xfrm flipV="1">
-            <a:off x="609600" y="11201400"/>
+            <a:off x="838200" y="11201400"/>
             <a:ext cx="152400" cy="152404"/>
           </a:xfrm>
           <a:prstGeom prst="line">
@@ -3516,7 +3516,7 @@
         </p:nvSpPr>
         <p:spPr>
           <a:xfrm>
-            <a:off x="914400" y="11125200"/>
+            <a:off x="1143000" y="11125200"/>
             <a:ext cx="457200" cy="152400"/>
           </a:xfrm>
           <a:prstGeom prst="rect">
@@ -3568,7 +3568,7 @@
         </p:nvSpPr>
         <p:spPr>
           <a:xfrm>
-            <a:off x="609601" y="11125200"/>
+            <a:off x="838201" y="11125200"/>
             <a:ext cx="152400" cy="76200"/>
           </a:xfrm>
           <a:prstGeom prst="rect">
@@ -3621,7 +3621,7 @@
         </p:nvSpPr>
         <p:spPr>
           <a:xfrm>
-            <a:off x="304800" y="11201400"/>
+            <a:off x="533400" y="11201400"/>
             <a:ext cx="228600" cy="152400"/>
           </a:xfrm>
           <a:prstGeom prst="homePlate">
@@ -3674,8 +3674,8 @@
         </p:nvCxnSpPr>
         <p:spPr>
           <a:xfrm>
-            <a:off x="533400" y="11277600"/>
-            <a:ext cx="11963400" cy="0"/>
+            <a:off x="762000" y="11277600"/>
+            <a:ext cx="13182600" cy="0"/>
           </a:xfrm>
           <a:prstGeom prst="line">
             <a:avLst/>
@@ -3711,7 +3711,7 @@
         </p:nvCxnSpPr>
         <p:spPr>
           <a:xfrm>
-            <a:off x="12496800" y="9220200"/>
+            <a:off x="13944600" y="9220200"/>
             <a:ext cx="0" cy="2057400"/>
           </a:xfrm>
           <a:prstGeom prst="line">
@@ -3748,7 +3748,7 @@
         </p:nvSpPr>
         <p:spPr>
           <a:xfrm>
-            <a:off x="8077200" y="8153400"/>
+            <a:off x="9525000" y="8153400"/>
             <a:ext cx="457200" cy="152400"/>
           </a:xfrm>
           <a:prstGeom prst="rect">
@@ -3801,7 +3801,7 @@
         </p:nvSpPr>
         <p:spPr>
           <a:xfrm>
-            <a:off x="8077200" y="8458200"/>
+            <a:off x="9525000" y="8458200"/>
             <a:ext cx="457200" cy="152400"/>
           </a:xfrm>
           <a:prstGeom prst="rect">
@@ -3854,7 +3854,7 @@
         </p:nvSpPr>
         <p:spPr>
           <a:xfrm>
-            <a:off x="8077200" y="9067800"/>
+            <a:off x="9525000" y="9067800"/>
             <a:ext cx="457200" cy="152400"/>
           </a:xfrm>
           <a:prstGeom prst="rect">
@@ -3907,7 +3907,7 @@
         </p:nvSpPr>
         <p:spPr>
           <a:xfrm>
-            <a:off x="8077200" y="8763000"/>
+            <a:off x="9525000" y="8763000"/>
             <a:ext cx="457200" cy="152400"/>
           </a:xfrm>
           <a:prstGeom prst="rect">
@@ -3960,7 +3960,7 @@
         </p:nvSpPr>
         <p:spPr>
           <a:xfrm>
-            <a:off x="7315200" y="8458200"/>
+            <a:off x="8763000" y="8458200"/>
             <a:ext cx="457200" cy="152400"/>
           </a:xfrm>
           <a:prstGeom prst="rect">
@@ -4012,7 +4012,7 @@
         </p:nvSpPr>
         <p:spPr>
           <a:xfrm>
-            <a:off x="7315200" y="8763000"/>
+            <a:off x="8763000" y="8763000"/>
             <a:ext cx="457200" cy="152400"/>
           </a:xfrm>
           <a:prstGeom prst="rect">
@@ -4064,7 +4064,7 @@
         </p:nvSpPr>
         <p:spPr>
           <a:xfrm>
-            <a:off x="7315200" y="9067800"/>
+            <a:off x="8763000" y="9067800"/>
             <a:ext cx="457200" cy="152400"/>
           </a:xfrm>
           <a:prstGeom prst="rect">
@@ -4116,7 +4116,7 @@
         </p:nvSpPr>
         <p:spPr>
           <a:xfrm>
-            <a:off x="7315200" y="9372600"/>
+            <a:off x="8763000" y="9372600"/>
             <a:ext cx="457200" cy="152400"/>
           </a:xfrm>
           <a:prstGeom prst="rect">
@@ -4168,7 +4168,7 @@
         </p:nvSpPr>
         <p:spPr>
           <a:xfrm>
-            <a:off x="7315200" y="7467600"/>
+            <a:off x="8763000" y="7467600"/>
             <a:ext cx="1219200" cy="2286000"/>
           </a:xfrm>
           <a:prstGeom prst="rect">
@@ -4230,7 +4230,7 @@
         </p:nvCxnSpPr>
         <p:spPr>
           <a:xfrm>
-            <a:off x="7315200" y="9144000"/>
+            <a:off x="8763000" y="9144000"/>
             <a:ext cx="76200" cy="76200"/>
           </a:xfrm>
           <a:prstGeom prst="line">
@@ -4265,7 +4265,7 @@
         </p:nvCxnSpPr>
         <p:spPr>
           <a:xfrm flipH="1">
-            <a:off x="7315200" y="9220200"/>
+            <a:off x="8763000" y="9220200"/>
             <a:ext cx="76200" cy="76200"/>
           </a:xfrm>
           <a:prstGeom prst="line">
@@ -4300,7 +4300,7 @@
         </p:nvCxnSpPr>
         <p:spPr>
           <a:xfrm flipH="1">
-            <a:off x="8458200" y="9144000"/>
+            <a:off x="9906000" y="9144000"/>
             <a:ext cx="76200" cy="76200"/>
           </a:xfrm>
           <a:prstGeom prst="line">
@@ -4335,7 +4335,7 @@
         </p:nvCxnSpPr>
         <p:spPr>
           <a:xfrm>
-            <a:off x="8458200" y="9220200"/>
+            <a:off x="9906000" y="9220200"/>
             <a:ext cx="76200" cy="76200"/>
           </a:xfrm>
           <a:prstGeom prst="line">
@@ -4370,7 +4370,7 @@
         </p:nvSpPr>
         <p:spPr>
           <a:xfrm>
-            <a:off x="7315200" y="8153400"/>
+            <a:off x="8763000" y="7848600"/>
             <a:ext cx="457200" cy="152400"/>
           </a:xfrm>
           <a:prstGeom prst="rect">
@@ -4422,7 +4422,7 @@
         </p:nvSpPr>
         <p:spPr>
           <a:xfrm>
-            <a:off x="7315200" y="7162800"/>
+            <a:off x="8763000" y="7162800"/>
             <a:ext cx="457200" cy="304800"/>
           </a:xfrm>
           <a:prstGeom prst="rect">
@@ -4493,7 +4493,7 @@
         </p:nvSpPr>
         <p:spPr>
           <a:xfrm>
-            <a:off x="8077200" y="9372600"/>
+            <a:off x="9525000" y="9372600"/>
             <a:ext cx="457200" cy="152400"/>
           </a:xfrm>
           <a:prstGeom prst="rect">
@@ -4546,7 +4546,7 @@
         </p:nvSpPr>
         <p:spPr>
           <a:xfrm>
-            <a:off x="5334000" y="8153400"/>
+            <a:off x="5562600" y="8153400"/>
             <a:ext cx="457200" cy="152400"/>
           </a:xfrm>
           <a:prstGeom prst="rect">
@@ -4599,7 +4599,7 @@
         </p:nvSpPr>
         <p:spPr>
           <a:xfrm>
-            <a:off x="5334000" y="8763000"/>
+            <a:off x="5562600" y="8763000"/>
             <a:ext cx="457200" cy="152400"/>
           </a:xfrm>
           <a:prstGeom prst="rect">
@@ -4652,7 +4652,7 @@
         </p:nvSpPr>
         <p:spPr>
           <a:xfrm>
-            <a:off x="4572000" y="6858000"/>
+            <a:off x="4800600" y="6858000"/>
             <a:ext cx="457200" cy="152400"/>
           </a:xfrm>
           <a:prstGeom prst="rect">
@@ -4704,7 +4704,7 @@
         </p:nvSpPr>
         <p:spPr>
           <a:xfrm>
-            <a:off x="4572000" y="8458200"/>
+            <a:off x="4800600" y="8458200"/>
             <a:ext cx="457200" cy="152400"/>
           </a:xfrm>
           <a:prstGeom prst="rect">
@@ -4756,7 +4756,7 @@
         </p:nvSpPr>
         <p:spPr>
           <a:xfrm>
-            <a:off x="4572000" y="8839200"/>
+            <a:off x="4800600" y="8839200"/>
             <a:ext cx="457200" cy="152400"/>
           </a:xfrm>
           <a:prstGeom prst="rect">
@@ -4808,7 +4808,7 @@
         </p:nvSpPr>
         <p:spPr>
           <a:xfrm>
-            <a:off x="4572000" y="6553200"/>
+            <a:off x="4800600" y="6553200"/>
             <a:ext cx="1219200" cy="2895600"/>
           </a:xfrm>
           <a:prstGeom prst="rect">
@@ -4870,7 +4870,7 @@
         </p:nvCxnSpPr>
         <p:spPr>
           <a:xfrm>
-            <a:off x="4572000" y="8534400"/>
+            <a:off x="4800600" y="8534400"/>
             <a:ext cx="76200" cy="76200"/>
           </a:xfrm>
           <a:prstGeom prst="line">
@@ -4905,7 +4905,7 @@
         </p:nvCxnSpPr>
         <p:spPr>
           <a:xfrm flipH="1">
-            <a:off x="4572000" y="8610600"/>
+            <a:off x="4800600" y="8610600"/>
             <a:ext cx="76200" cy="76200"/>
           </a:xfrm>
           <a:prstGeom prst="line">
@@ -4940,7 +4940,7 @@
         </p:nvSpPr>
         <p:spPr>
           <a:xfrm>
-            <a:off x="4572000" y="6400800"/>
+            <a:off x="4800600" y="6400800"/>
             <a:ext cx="457200" cy="152400"/>
           </a:xfrm>
           <a:prstGeom prst="rect">
@@ -4999,7 +4999,7 @@
         </p:nvSpPr>
         <p:spPr>
           <a:xfrm>
-            <a:off x="5334000" y="8458200"/>
+            <a:off x="5562600" y="8458200"/>
             <a:ext cx="457200" cy="152400"/>
           </a:xfrm>
           <a:prstGeom prst="rect">
@@ -5052,7 +5052,7 @@
         </p:nvSpPr>
         <p:spPr>
           <a:xfrm>
-            <a:off x="10820400" y="8153400"/>
+            <a:off x="12268200" y="8153400"/>
             <a:ext cx="457200" cy="152400"/>
           </a:xfrm>
           <a:prstGeom prst="rect">
@@ -5105,7 +5105,7 @@
         </p:nvSpPr>
         <p:spPr>
           <a:xfrm>
-            <a:off x="10820400" y="9067800"/>
+            <a:off x="12268200" y="9067800"/>
             <a:ext cx="457200" cy="152400"/>
           </a:xfrm>
           <a:prstGeom prst="rect">
@@ -5158,7 +5158,7 @@
         </p:nvSpPr>
         <p:spPr>
           <a:xfrm>
-            <a:off x="10820400" y="9372600"/>
+            <a:off x="12268200" y="9372600"/>
             <a:ext cx="457200" cy="152400"/>
           </a:xfrm>
           <a:prstGeom prst="rect">
@@ -5211,7 +5211,7 @@
         </p:nvSpPr>
         <p:spPr>
           <a:xfrm>
-            <a:off x="10058400" y="7467600"/>
+            <a:off x="11506200" y="7467600"/>
             <a:ext cx="1219200" cy="2286000"/>
           </a:xfrm>
           <a:prstGeom prst="rect">
@@ -5273,7 +5273,7 @@
         </p:nvSpPr>
         <p:spPr>
           <a:xfrm>
-            <a:off x="10058400" y="8153400"/>
+            <a:off x="11506200" y="8153400"/>
             <a:ext cx="457200" cy="152400"/>
           </a:xfrm>
           <a:prstGeom prst="rect">
@@ -5325,7 +5325,7 @@
         </p:nvSpPr>
         <p:spPr>
           <a:xfrm>
-            <a:off x="10058400" y="7315200"/>
+            <a:off x="11506200" y="7315200"/>
             <a:ext cx="457200" cy="152400"/>
           </a:xfrm>
           <a:prstGeom prst="rect">
@@ -5384,7 +5384,7 @@
         </p:nvSpPr>
         <p:spPr>
           <a:xfrm>
-            <a:off x="10058400" y="9067800"/>
+            <a:off x="11506200" y="9067800"/>
             <a:ext cx="457200" cy="152400"/>
           </a:xfrm>
           <a:prstGeom prst="rect">
@@ -5436,7 +5436,7 @@
         </p:nvCxnSpPr>
         <p:spPr>
           <a:xfrm>
-            <a:off x="10058400" y="9144000"/>
+            <a:off x="11506200" y="9144000"/>
             <a:ext cx="76200" cy="76200"/>
           </a:xfrm>
           <a:prstGeom prst="line">
@@ -5471,7 +5471,7 @@
         </p:nvCxnSpPr>
         <p:spPr>
           <a:xfrm flipH="1">
-            <a:off x="10058400" y="9220200"/>
+            <a:off x="11506200" y="9220200"/>
             <a:ext cx="76200" cy="76200"/>
           </a:xfrm>
           <a:prstGeom prst="line">
@@ -5506,7 +5506,7 @@
         </p:nvSpPr>
         <p:spPr>
           <a:xfrm>
-            <a:off x="14782800" y="8153400"/>
+            <a:off x="16230600" y="8153400"/>
             <a:ext cx="457200" cy="152400"/>
           </a:xfrm>
           <a:prstGeom prst="rect">
@@ -5559,7 +5559,7 @@
         </p:nvSpPr>
         <p:spPr>
           <a:xfrm>
-            <a:off x="14020800" y="7467600"/>
+            <a:off x="15468600" y="7467600"/>
             <a:ext cx="1219200" cy="2286000"/>
           </a:xfrm>
           <a:prstGeom prst="rect">
@@ -5621,7 +5621,7 @@
         </p:nvSpPr>
         <p:spPr>
           <a:xfrm>
-            <a:off x="14020800" y="8153400"/>
+            <a:off x="15468600" y="8153400"/>
             <a:ext cx="457200" cy="152400"/>
           </a:xfrm>
           <a:prstGeom prst="rect">
@@ -5673,7 +5673,7 @@
         </p:nvSpPr>
         <p:spPr>
           <a:xfrm>
-            <a:off x="14020800" y="7315200"/>
+            <a:off x="15468600" y="7315200"/>
             <a:ext cx="457200" cy="152400"/>
           </a:xfrm>
           <a:prstGeom prst="rect">
@@ -5732,7 +5732,7 @@
         </p:nvSpPr>
         <p:spPr>
           <a:xfrm>
-            <a:off x="14020800" y="7848600"/>
+            <a:off x="15468600" y="7848600"/>
             <a:ext cx="457200" cy="152400"/>
           </a:xfrm>
           <a:prstGeom prst="rect">
@@ -5784,7 +5784,7 @@
         </p:nvSpPr>
         <p:spPr>
           <a:xfrm>
-            <a:off x="17526000" y="8153400"/>
+            <a:off x="18973800" y="8153400"/>
             <a:ext cx="457200" cy="152400"/>
           </a:xfrm>
           <a:prstGeom prst="rect">
@@ -5837,7 +5837,7 @@
         </p:nvSpPr>
         <p:spPr>
           <a:xfrm>
-            <a:off x="17526000" y="8458200"/>
+            <a:off x="18973800" y="8458200"/>
             <a:ext cx="457200" cy="152400"/>
           </a:xfrm>
           <a:prstGeom prst="rect">
@@ -5890,7 +5890,7 @@
         </p:nvSpPr>
         <p:spPr>
           <a:xfrm>
-            <a:off x="17526000" y="9067800"/>
+            <a:off x="18973800" y="9067800"/>
             <a:ext cx="457200" cy="152400"/>
           </a:xfrm>
           <a:prstGeom prst="rect">
@@ -5943,7 +5943,7 @@
         </p:nvSpPr>
         <p:spPr>
           <a:xfrm>
-            <a:off x="17526000" y="8763000"/>
+            <a:off x="18973800" y="8763000"/>
             <a:ext cx="457200" cy="152400"/>
           </a:xfrm>
           <a:prstGeom prst="rect">
@@ -5996,7 +5996,7 @@
         </p:nvSpPr>
         <p:spPr>
           <a:xfrm>
-            <a:off x="16764000" y="8458200"/>
+            <a:off x="18211800" y="8458200"/>
             <a:ext cx="457200" cy="152400"/>
           </a:xfrm>
           <a:prstGeom prst="rect">
@@ -6048,7 +6048,7 @@
         </p:nvSpPr>
         <p:spPr>
           <a:xfrm>
-            <a:off x="16764000" y="8763000"/>
+            <a:off x="18211800" y="8763000"/>
             <a:ext cx="457200" cy="152400"/>
           </a:xfrm>
           <a:prstGeom prst="rect">
@@ -6100,7 +6100,7 @@
         </p:nvSpPr>
         <p:spPr>
           <a:xfrm>
-            <a:off x="16764000" y="9067800"/>
+            <a:off x="18211800" y="9067800"/>
             <a:ext cx="457200" cy="152400"/>
           </a:xfrm>
           <a:prstGeom prst="rect">
@@ -6152,7 +6152,7 @@
         </p:nvSpPr>
         <p:spPr>
           <a:xfrm>
-            <a:off x="16764000" y="9372600"/>
+            <a:off x="18211800" y="9372600"/>
             <a:ext cx="457200" cy="152400"/>
           </a:xfrm>
           <a:prstGeom prst="rect">
@@ -6204,7 +6204,7 @@
         </p:nvSpPr>
         <p:spPr>
           <a:xfrm>
-            <a:off x="16764000" y="7467600"/>
+            <a:off x="18211800" y="7467600"/>
             <a:ext cx="1219200" cy="2286000"/>
           </a:xfrm>
           <a:prstGeom prst="rect">
@@ -6266,7 +6266,7 @@
         </p:nvCxnSpPr>
         <p:spPr>
           <a:xfrm>
-            <a:off x="16764000" y="9144000"/>
+            <a:off x="18211800" y="9144000"/>
             <a:ext cx="76200" cy="76200"/>
           </a:xfrm>
           <a:prstGeom prst="line">
@@ -6301,7 +6301,7 @@
         </p:nvCxnSpPr>
         <p:spPr>
           <a:xfrm flipH="1">
-            <a:off x="16764000" y="9220200"/>
+            <a:off x="18211800" y="9220200"/>
             <a:ext cx="76200" cy="76200"/>
           </a:xfrm>
           <a:prstGeom prst="line">
@@ -6336,7 +6336,7 @@
         </p:nvCxnSpPr>
         <p:spPr>
           <a:xfrm flipH="1">
-            <a:off x="17907000" y="9144000"/>
+            <a:off x="19354800" y="9144000"/>
             <a:ext cx="76200" cy="76200"/>
           </a:xfrm>
           <a:prstGeom prst="line">
@@ -6371,7 +6371,7 @@
         </p:nvCxnSpPr>
         <p:spPr>
           <a:xfrm>
-            <a:off x="17907000" y="9220200"/>
+            <a:off x="19354800" y="9220200"/>
             <a:ext cx="76200" cy="76200"/>
           </a:xfrm>
           <a:prstGeom prst="line">
@@ -6406,7 +6406,7 @@
         </p:nvSpPr>
         <p:spPr>
           <a:xfrm>
-            <a:off x="16764000" y="8153400"/>
+            <a:off x="18211800" y="8153400"/>
             <a:ext cx="457200" cy="152400"/>
           </a:xfrm>
           <a:prstGeom prst="rect">
@@ -6458,7 +6458,7 @@
         </p:nvSpPr>
         <p:spPr>
           <a:xfrm>
-            <a:off x="16764000" y="7162800"/>
+            <a:off x="18211800" y="7162800"/>
             <a:ext cx="457200" cy="304800"/>
           </a:xfrm>
           <a:prstGeom prst="rect">
@@ -6529,7 +6529,7 @@
         </p:nvSpPr>
         <p:spPr>
           <a:xfrm>
-            <a:off x="17526000" y="9372600"/>
+            <a:off x="18973800" y="9372600"/>
             <a:ext cx="457200" cy="152400"/>
           </a:xfrm>
           <a:prstGeom prst="rect">
@@ -6582,7 +6582,7 @@
         </p:nvSpPr>
         <p:spPr>
           <a:xfrm>
-            <a:off x="20269200" y="8153400"/>
+            <a:off x="22021800" y="8153400"/>
             <a:ext cx="457200" cy="152400"/>
           </a:xfrm>
           <a:prstGeom prst="rect">
@@ -6635,7 +6635,7 @@
         </p:nvSpPr>
         <p:spPr>
           <a:xfrm>
-            <a:off x="19507200" y="9067800"/>
+            <a:off x="21259800" y="9067800"/>
             <a:ext cx="457200" cy="152400"/>
           </a:xfrm>
           <a:prstGeom prst="rect">
@@ -6687,7 +6687,7 @@
         </p:nvSpPr>
         <p:spPr>
           <a:xfrm>
-            <a:off x="19507200" y="9372600"/>
+            <a:off x="21259800" y="9372600"/>
             <a:ext cx="457200" cy="152400"/>
           </a:xfrm>
           <a:prstGeom prst="rect">
@@ -6739,7 +6739,7 @@
         </p:nvSpPr>
         <p:spPr>
           <a:xfrm>
-            <a:off x="19507200" y="7467600"/>
+            <a:off x="21259800" y="7467600"/>
             <a:ext cx="1219200" cy="2286000"/>
           </a:xfrm>
           <a:prstGeom prst="rect">
@@ -6801,7 +6801,7 @@
         </p:nvCxnSpPr>
         <p:spPr>
           <a:xfrm>
-            <a:off x="19507200" y="9144000"/>
+            <a:off x="21259800" y="9144000"/>
             <a:ext cx="76200" cy="76200"/>
           </a:xfrm>
           <a:prstGeom prst="line">
@@ -6836,7 +6836,7 @@
         </p:nvCxnSpPr>
         <p:spPr>
           <a:xfrm flipH="1">
-            <a:off x="19507200" y="9220200"/>
+            <a:off x="21259800" y="9220200"/>
             <a:ext cx="76200" cy="76200"/>
           </a:xfrm>
           <a:prstGeom prst="line">
@@ -6871,7 +6871,7 @@
         </p:nvSpPr>
         <p:spPr>
           <a:xfrm>
-            <a:off x="19507200" y="8153400"/>
+            <a:off x="21259800" y="8001000"/>
             <a:ext cx="457200" cy="152400"/>
           </a:xfrm>
           <a:prstGeom prst="rect">
@@ -6923,7 +6923,7 @@
         </p:nvSpPr>
         <p:spPr>
           <a:xfrm>
-            <a:off x="19507200" y="7315200"/>
+            <a:off x="21259800" y="7315200"/>
             <a:ext cx="457200" cy="152400"/>
           </a:xfrm>
           <a:prstGeom prst="rect">
@@ -6982,7 +6982,7 @@
         </p:nvSpPr>
         <p:spPr>
           <a:xfrm>
-            <a:off x="19507200" y="8458200"/>
+            <a:off x="21259800" y="8458200"/>
             <a:ext cx="457200" cy="152400"/>
           </a:xfrm>
           <a:prstGeom prst="rect">
@@ -7034,7 +7034,7 @@
         </p:nvSpPr>
         <p:spPr>
           <a:xfrm>
-            <a:off x="19507200" y="7848600"/>
+            <a:off x="21259800" y="7696200"/>
             <a:ext cx="457200" cy="152400"/>
           </a:xfrm>
           <a:prstGeom prst="rect">
@@ -7086,7 +7086,7 @@
         </p:nvSpPr>
         <p:spPr>
           <a:xfrm>
-            <a:off x="20269200" y="8458200"/>
+            <a:off x="22021800" y="8458200"/>
             <a:ext cx="457200" cy="152400"/>
           </a:xfrm>
           <a:prstGeom prst="rect">
@@ -7139,7 +7139,7 @@
         </p:nvSpPr>
         <p:spPr>
           <a:xfrm>
-            <a:off x="20269200" y="8763000"/>
+            <a:off x="22021800" y="8763000"/>
             <a:ext cx="457200" cy="152400"/>
           </a:xfrm>
           <a:prstGeom prst="rect">
@@ -7192,7 +7192,7 @@
         </p:nvSpPr>
         <p:spPr>
           <a:xfrm>
-            <a:off x="23012400" y="8153400"/>
+            <a:off x="24765000" y="8153400"/>
             <a:ext cx="457200" cy="152400"/>
           </a:xfrm>
           <a:prstGeom prst="rect">
@@ -7245,7 +7245,7 @@
         </p:nvSpPr>
         <p:spPr>
           <a:xfrm>
-            <a:off x="22250400" y="9677400"/>
+            <a:off x="24003000" y="9677400"/>
             <a:ext cx="457200" cy="152400"/>
           </a:xfrm>
           <a:prstGeom prst="rect">
@@ -7297,7 +7297,7 @@
         </p:nvSpPr>
         <p:spPr>
           <a:xfrm>
-            <a:off x="22250400" y="10058400"/>
+            <a:off x="24003000" y="10058400"/>
             <a:ext cx="457200" cy="152400"/>
           </a:xfrm>
           <a:prstGeom prst="rect">
@@ -7349,7 +7349,7 @@
         </p:nvSpPr>
         <p:spPr>
           <a:xfrm>
-            <a:off x="22250400" y="7239000"/>
+            <a:off x="24003000" y="7239000"/>
             <a:ext cx="1219200" cy="3124200"/>
           </a:xfrm>
           <a:prstGeom prst="rect">
@@ -7411,7 +7411,7 @@
         </p:nvCxnSpPr>
         <p:spPr>
           <a:xfrm>
-            <a:off x="22250400" y="9753600"/>
+            <a:off x="24003000" y="9753600"/>
             <a:ext cx="76200" cy="76200"/>
           </a:xfrm>
           <a:prstGeom prst="line">
@@ -7446,7 +7446,7 @@
         </p:nvCxnSpPr>
         <p:spPr>
           <a:xfrm flipH="1">
-            <a:off x="22250400" y="9829800"/>
+            <a:off x="24003000" y="9829800"/>
             <a:ext cx="76200" cy="76200"/>
           </a:xfrm>
           <a:prstGeom prst="line">
@@ -7481,7 +7481,7 @@
         </p:nvSpPr>
         <p:spPr>
           <a:xfrm>
-            <a:off x="22250400" y="8153400"/>
+            <a:off x="24003000" y="8153400"/>
             <a:ext cx="457200" cy="152400"/>
           </a:xfrm>
           <a:prstGeom prst="rect">
@@ -7533,7 +7533,7 @@
         </p:nvSpPr>
         <p:spPr>
           <a:xfrm>
-            <a:off x="22250400" y="7086600"/>
+            <a:off x="24003000" y="7086600"/>
             <a:ext cx="457200" cy="152400"/>
           </a:xfrm>
           <a:prstGeom prst="rect">
@@ -7592,7 +7592,7 @@
         </p:nvSpPr>
         <p:spPr>
           <a:xfrm>
-            <a:off x="22250400" y="8458200"/>
+            <a:off x="24003000" y="8458200"/>
             <a:ext cx="457200" cy="152400"/>
           </a:xfrm>
           <a:prstGeom prst="rect">
@@ -7644,7 +7644,7 @@
         </p:nvSpPr>
         <p:spPr>
           <a:xfrm>
-            <a:off x="22250400" y="7848600"/>
+            <a:off x="24003000" y="7848600"/>
             <a:ext cx="457200" cy="152400"/>
           </a:xfrm>
           <a:prstGeom prst="rect">
@@ -7696,7 +7696,7 @@
         </p:nvSpPr>
         <p:spPr>
           <a:xfrm>
-            <a:off x="22250400" y="8763000"/>
+            <a:off x="24003000" y="8763000"/>
             <a:ext cx="457200" cy="152400"/>
           </a:xfrm>
           <a:prstGeom prst="rect">
@@ -7748,7 +7748,7 @@
         </p:nvSpPr>
         <p:spPr>
           <a:xfrm>
-            <a:off x="22250400" y="7543800"/>
+            <a:off x="24003000" y="7543800"/>
             <a:ext cx="457200" cy="152400"/>
           </a:xfrm>
           <a:prstGeom prst="rect">
@@ -7800,7 +7800,7 @@
         </p:nvCxnSpPr>
         <p:spPr>
           <a:xfrm flipV="1">
-            <a:off x="11963400" y="8153396"/>
+            <a:off x="13411200" y="8153396"/>
             <a:ext cx="152400" cy="152404"/>
           </a:xfrm>
           <a:prstGeom prst="line">
@@ -7837,7 +7837,7 @@
         </p:nvSpPr>
         <p:spPr>
           <a:xfrm>
-            <a:off x="11963401" y="8077196"/>
+            <a:off x="13411201" y="8077196"/>
             <a:ext cx="152400" cy="76200"/>
           </a:xfrm>
           <a:prstGeom prst="rect">
@@ -7890,7 +7890,7 @@
         </p:nvSpPr>
         <p:spPr>
           <a:xfrm>
-            <a:off x="12192000" y="8153396"/>
+            <a:off x="13639800" y="8153396"/>
             <a:ext cx="228600" cy="152400"/>
           </a:xfrm>
           <a:prstGeom prst="homePlate">
@@ -7944,7 +7944,7 @@
         </p:nvCxnSpPr>
         <p:spPr>
           <a:xfrm flipV="1">
-            <a:off x="11277600" y="8229596"/>
+            <a:off x="12725400" y="8229596"/>
             <a:ext cx="914400" cy="4"/>
           </a:xfrm>
           <a:prstGeom prst="line">
@@ -7981,7 +7981,7 @@
         </p:nvSpPr>
         <p:spPr>
           <a:xfrm>
-            <a:off x="11430000" y="8077196"/>
+            <a:off x="12877800" y="8077196"/>
             <a:ext cx="457200" cy="152400"/>
           </a:xfrm>
           <a:prstGeom prst="rect">
@@ -8033,7 +8033,7 @@
         </p:nvSpPr>
         <p:spPr>
           <a:xfrm>
-            <a:off x="12877800" y="8153400"/>
+            <a:off x="14325600" y="8153400"/>
             <a:ext cx="228600" cy="152400"/>
           </a:xfrm>
           <a:prstGeom prst="homePlate">
@@ -8084,7 +8084,7 @@
         </p:nvCxnSpPr>
         <p:spPr>
           <a:xfrm flipV="1">
-            <a:off x="13106400" y="8229600"/>
+            <a:off x="14554200" y="8229600"/>
             <a:ext cx="914400" cy="4"/>
           </a:xfrm>
           <a:prstGeom prst="line">
@@ -8121,7 +8121,7 @@
         </p:nvCxnSpPr>
         <p:spPr>
           <a:xfrm flipV="1">
-            <a:off x="13182600" y="8153400"/>
+            <a:off x="14630400" y="8153400"/>
             <a:ext cx="152400" cy="152404"/>
           </a:xfrm>
           <a:prstGeom prst="line">
@@ -8158,7 +8158,7 @@
         </p:nvSpPr>
         <p:spPr>
           <a:xfrm>
-            <a:off x="13182601" y="8077200"/>
+            <a:off x="14630401" y="8077200"/>
             <a:ext cx="152400" cy="76200"/>
           </a:xfrm>
           <a:prstGeom prst="rect">
@@ -8211,7 +8211,7 @@
         </p:nvSpPr>
         <p:spPr>
           <a:xfrm>
-            <a:off x="13411200" y="8077200"/>
+            <a:off x="14859000" y="8077200"/>
             <a:ext cx="457200" cy="152400"/>
           </a:xfrm>
           <a:prstGeom prst="rect">
@@ -8263,7 +8263,7 @@
         </p:nvSpPr>
         <p:spPr>
           <a:xfrm>
-            <a:off x="5334000" y="6858000"/>
+            <a:off x="5562600" y="6858000"/>
             <a:ext cx="457200" cy="152400"/>
           </a:xfrm>
           <a:prstGeom prst="rect">
@@ -8315,9 +8315,9 @@
           <p:nvPr/>
         </p:nvCxnSpPr>
         <p:spPr>
-          <a:xfrm flipV="1">
-            <a:off x="5791200" y="8229600"/>
-            <a:ext cx="1524000" cy="4"/>
+          <a:xfrm>
+            <a:off x="8534400" y="7924800"/>
+            <a:ext cx="228600" cy="0"/>
           </a:xfrm>
           <a:prstGeom prst="line">
             <a:avLst/>
@@ -8352,9 +8352,9 @@
           <p:nvPr/>
         </p:nvCxnSpPr>
         <p:spPr>
-          <a:xfrm flipV="1">
-            <a:off x="5791200" y="8534400"/>
-            <a:ext cx="1524000" cy="4"/>
+          <a:xfrm>
+            <a:off x="6019800" y="8534400"/>
+            <a:ext cx="2743200" cy="0"/>
           </a:xfrm>
           <a:prstGeom prst="line">
             <a:avLst/>
@@ -8391,9 +8391,9 @@
           <p:nvPr/>
         </p:nvCxnSpPr>
         <p:spPr>
-          <a:xfrm flipH="1" flipV="1">
-            <a:off x="5791200" y="8839200"/>
-            <a:ext cx="1524000" cy="4"/>
+          <a:xfrm flipH="1">
+            <a:off x="6019800" y="8839200"/>
+            <a:ext cx="2743200" cy="0"/>
           </a:xfrm>
           <a:prstGeom prst="line">
             <a:avLst/>
@@ -8429,7 +8429,7 @@
         </p:nvCxnSpPr>
         <p:spPr>
           <a:xfrm flipV="1">
-            <a:off x="8534400" y="8229600"/>
+            <a:off x="9982200" y="8229600"/>
             <a:ext cx="1524000" cy="4"/>
           </a:xfrm>
           <a:prstGeom prst="line">
@@ -8466,7 +8466,7 @@
         </p:nvCxnSpPr>
         <p:spPr>
           <a:xfrm flipH="1">
-            <a:off x="8534400" y="8839200"/>
+            <a:off x="9982200" y="8839200"/>
             <a:ext cx="304800" cy="0"/>
           </a:xfrm>
           <a:prstGeom prst="line">
@@ -8503,7 +8503,7 @@
         </p:nvSpPr>
         <p:spPr>
           <a:xfrm>
-            <a:off x="8686800" y="8686800"/>
+            <a:off x="10134600" y="8686800"/>
             <a:ext cx="457200" cy="152400"/>
           </a:xfrm>
           <a:prstGeom prst="rect">
@@ -8555,7 +8555,7 @@
         </p:nvCxnSpPr>
         <p:spPr>
           <a:xfrm>
-            <a:off x="8534400" y="8534404"/>
+            <a:off x="9982200" y="8534404"/>
             <a:ext cx="304800" cy="0"/>
           </a:xfrm>
           <a:prstGeom prst="line">
@@ -8592,7 +8592,7 @@
         </p:nvCxnSpPr>
         <p:spPr>
           <a:xfrm flipV="1">
-            <a:off x="8763000" y="8458200"/>
+            <a:off x="10210800" y="8458200"/>
             <a:ext cx="152400" cy="152404"/>
           </a:xfrm>
           <a:prstGeom prst="line">
@@ -8629,7 +8629,7 @@
         </p:nvCxnSpPr>
         <p:spPr>
           <a:xfrm>
-            <a:off x="8763000" y="8458200"/>
+            <a:off x="10210800" y="8458200"/>
             <a:ext cx="152400" cy="152400"/>
           </a:xfrm>
           <a:prstGeom prst="line">
@@ -8666,7 +8666,7 @@
         </p:nvCxnSpPr>
         <p:spPr>
           <a:xfrm flipV="1">
-            <a:off x="15240000" y="8229600"/>
+            <a:off x="16687800" y="8229600"/>
             <a:ext cx="1524000" cy="4"/>
           </a:xfrm>
           <a:prstGeom prst="line">
@@ -8703,7 +8703,7 @@
         </p:nvCxnSpPr>
         <p:spPr>
           <a:xfrm flipV="1">
-            <a:off x="5943599" y="8153400"/>
+            <a:off x="6172199" y="8153400"/>
             <a:ext cx="152400" cy="152404"/>
           </a:xfrm>
           <a:prstGeom prst="line">
@@ -8740,7 +8740,7 @@
         </p:nvSpPr>
         <p:spPr>
           <a:xfrm>
-            <a:off x="5943600" y="8077200"/>
+            <a:off x="6172200" y="8077200"/>
             <a:ext cx="152400" cy="76200"/>
           </a:xfrm>
           <a:prstGeom prst="rect">
@@ -8793,7 +8793,7 @@
         </p:nvCxnSpPr>
         <p:spPr>
           <a:xfrm flipV="1">
-            <a:off x="5943600" y="8458196"/>
+            <a:off x="6172200" y="8458196"/>
             <a:ext cx="152400" cy="152404"/>
           </a:xfrm>
           <a:prstGeom prst="line">
@@ -8830,7 +8830,7 @@
         </p:nvSpPr>
         <p:spPr>
           <a:xfrm>
-            <a:off x="5943601" y="8381996"/>
+            <a:off x="6172201" y="8381996"/>
             <a:ext cx="152400" cy="76200"/>
           </a:xfrm>
           <a:prstGeom prst="rect">
@@ -8883,7 +8883,7 @@
         </p:nvCxnSpPr>
         <p:spPr>
           <a:xfrm flipV="1">
-            <a:off x="5943600" y="8762996"/>
+            <a:off x="6172200" y="8762996"/>
             <a:ext cx="152400" cy="152404"/>
           </a:xfrm>
           <a:prstGeom prst="line">
@@ -8920,7 +8920,7 @@
         </p:nvSpPr>
         <p:spPr>
           <a:xfrm>
-            <a:off x="5943601" y="8686796"/>
+            <a:off x="6172201" y="8686796"/>
             <a:ext cx="152400" cy="76200"/>
           </a:xfrm>
           <a:prstGeom prst="rect">
@@ -8973,7 +8973,7 @@
         </p:nvCxnSpPr>
         <p:spPr>
           <a:xfrm flipV="1">
-            <a:off x="8686800" y="8153400"/>
+            <a:off x="10134600" y="8153400"/>
             <a:ext cx="152400" cy="152404"/>
           </a:xfrm>
           <a:prstGeom prst="line">
@@ -9010,7 +9010,7 @@
         </p:nvSpPr>
         <p:spPr>
           <a:xfrm>
-            <a:off x="8686801" y="8077200"/>
+            <a:off x="10134601" y="8077200"/>
             <a:ext cx="152400" cy="76200"/>
           </a:xfrm>
           <a:prstGeom prst="rect">
@@ -9063,7 +9063,7 @@
         </p:nvCxnSpPr>
         <p:spPr>
           <a:xfrm>
-            <a:off x="16459200" y="8534400"/>
+            <a:off x="17907000" y="8534400"/>
             <a:ext cx="304800" cy="0"/>
           </a:xfrm>
           <a:prstGeom prst="line">
@@ -9100,7 +9100,7 @@
         </p:nvSpPr>
         <p:spPr>
           <a:xfrm>
-            <a:off x="16154400" y="8382000"/>
+            <a:off x="17602200" y="8382000"/>
             <a:ext cx="457200" cy="152400"/>
           </a:xfrm>
           <a:prstGeom prst="rect">
@@ -9153,7 +9153,7 @@
         </p:nvCxnSpPr>
         <p:spPr>
           <a:xfrm flipH="1">
-            <a:off x="16459200" y="8839200"/>
+            <a:off x="17907000" y="8839200"/>
             <a:ext cx="304800" cy="0"/>
           </a:xfrm>
           <a:prstGeom prst="line">
@@ -9190,7 +9190,7 @@
         </p:nvCxnSpPr>
         <p:spPr>
           <a:xfrm flipV="1">
-            <a:off x="16383000" y="8763000"/>
+            <a:off x="17830800" y="8763000"/>
             <a:ext cx="152400" cy="152404"/>
           </a:xfrm>
           <a:prstGeom prst="line">
@@ -9227,7 +9227,7 @@
         </p:nvCxnSpPr>
         <p:spPr>
           <a:xfrm>
-            <a:off x="16383000" y="8763000"/>
+            <a:off x="17830800" y="8763000"/>
             <a:ext cx="152400" cy="152400"/>
           </a:xfrm>
           <a:prstGeom prst="line">
@@ -9264,7 +9264,7 @@
         </p:nvCxnSpPr>
         <p:spPr>
           <a:xfrm flipV="1">
-            <a:off x="15392400" y="8153400"/>
+            <a:off x="16840200" y="8153400"/>
             <a:ext cx="152400" cy="152404"/>
           </a:xfrm>
           <a:prstGeom prst="line">
@@ -9301,7 +9301,7 @@
         </p:nvSpPr>
         <p:spPr>
           <a:xfrm>
-            <a:off x="15392401" y="8077200"/>
+            <a:off x="16840201" y="8077200"/>
             <a:ext cx="152400" cy="76200"/>
           </a:xfrm>
           <a:prstGeom prst="rect">
@@ -9354,7 +9354,7 @@
         </p:nvCxnSpPr>
         <p:spPr>
           <a:xfrm>
-            <a:off x="4267200" y="6934200"/>
+            <a:off x="4495800" y="6934200"/>
             <a:ext cx="304800" cy="0"/>
           </a:xfrm>
           <a:prstGeom prst="line">
@@ -9386,13 +9386,16 @@
       <p:cxnSp>
         <p:nvCxnSpPr>
           <p:cNvPr id="285" name="Straight Connector 284"/>
-          <p:cNvCxnSpPr/>
+          <p:cNvCxnSpPr>
+            <a:stCxn id="456" idx="0"/>
+            <a:endCxn id="227" idx="1"/>
+          </p:cNvCxnSpPr>
           <p:nvPr/>
         </p:nvCxnSpPr>
         <p:spPr>
-          <a:xfrm flipV="1">
-            <a:off x="17983200" y="8229600"/>
-            <a:ext cx="1524000" cy="4"/>
+          <a:xfrm>
+            <a:off x="20650200" y="8077200"/>
+            <a:ext cx="609600" cy="0"/>
           </a:xfrm>
           <a:prstGeom prst="line">
             <a:avLst/>
@@ -9423,13 +9426,15 @@
       <p:cxnSp>
         <p:nvCxnSpPr>
           <p:cNvPr id="286" name="Straight Connector 285"/>
-          <p:cNvCxnSpPr/>
+          <p:cNvCxnSpPr>
+            <a:endCxn id="229" idx="1"/>
+          </p:cNvCxnSpPr>
           <p:nvPr/>
         </p:nvCxnSpPr>
         <p:spPr>
           <a:xfrm flipV="1">
-            <a:off x="17983200" y="8534400"/>
-            <a:ext cx="1524000" cy="4"/>
+            <a:off x="19431000" y="8534400"/>
+            <a:ext cx="1828800" cy="4"/>
           </a:xfrm>
           <a:prstGeom prst="line">
             <a:avLst/>
@@ -9465,7 +9470,7 @@
         </p:nvCxnSpPr>
         <p:spPr>
           <a:xfrm flipH="1">
-            <a:off x="17983200" y="8839200"/>
+            <a:off x="19431000" y="8839200"/>
             <a:ext cx="304800" cy="0"/>
           </a:xfrm>
           <a:prstGeom prst="line">
@@ -9502,7 +9507,7 @@
         </p:nvCxnSpPr>
         <p:spPr>
           <a:xfrm flipV="1">
-            <a:off x="18135599" y="8153400"/>
+            <a:off x="19583399" y="8153400"/>
             <a:ext cx="152400" cy="152404"/>
           </a:xfrm>
           <a:prstGeom prst="line">
@@ -9539,7 +9544,7 @@
         </p:nvSpPr>
         <p:spPr>
           <a:xfrm>
-            <a:off x="18135600" y="8077200"/>
+            <a:off x="19583400" y="8077200"/>
             <a:ext cx="152400" cy="76200"/>
           </a:xfrm>
           <a:prstGeom prst="rect">
@@ -9592,7 +9597,7 @@
         </p:nvCxnSpPr>
         <p:spPr>
           <a:xfrm flipV="1">
-            <a:off x="18135600" y="8458196"/>
+            <a:off x="19583400" y="8458196"/>
             <a:ext cx="152400" cy="152404"/>
           </a:xfrm>
           <a:prstGeom prst="line">
@@ -9629,7 +9634,7 @@
         </p:nvSpPr>
         <p:spPr>
           <a:xfrm>
-            <a:off x="18135601" y="8381996"/>
+            <a:off x="19583401" y="8381996"/>
             <a:ext cx="152400" cy="76200"/>
           </a:xfrm>
           <a:prstGeom prst="rect">
@@ -9682,7 +9687,7 @@
         </p:nvCxnSpPr>
         <p:spPr>
           <a:xfrm flipV="1">
-            <a:off x="20726400" y="8229600"/>
+            <a:off x="22479000" y="8229600"/>
             <a:ext cx="1524000" cy="4"/>
           </a:xfrm>
           <a:prstGeom prst="line">
@@ -9719,7 +9724,7 @@
         </p:nvCxnSpPr>
         <p:spPr>
           <a:xfrm flipV="1">
-            <a:off x="20726400" y="8534400"/>
+            <a:off x="22479000" y="8534400"/>
             <a:ext cx="1524000" cy="4"/>
           </a:xfrm>
           <a:prstGeom prst="line">
@@ -9756,7 +9761,7 @@
         </p:nvCxnSpPr>
         <p:spPr>
           <a:xfrm flipV="1">
-            <a:off x="20878799" y="8153400"/>
+            <a:off x="22631399" y="8153400"/>
             <a:ext cx="152400" cy="152404"/>
           </a:xfrm>
           <a:prstGeom prst="line">
@@ -9793,7 +9798,7 @@
         </p:nvSpPr>
         <p:spPr>
           <a:xfrm>
-            <a:off x="20878800" y="8077200"/>
+            <a:off x="22631400" y="8077200"/>
             <a:ext cx="152400" cy="76200"/>
           </a:xfrm>
           <a:prstGeom prst="rect">
@@ -9853,7 +9858,7 @@
         </p:nvCxnSpPr>
         <p:spPr>
           <a:xfrm flipV="1">
-            <a:off x="20878800" y="8458196"/>
+            <a:off x="22631400" y="8458196"/>
             <a:ext cx="152400" cy="152404"/>
           </a:xfrm>
           <a:prstGeom prst="line">
@@ -9890,7 +9895,7 @@
         </p:nvSpPr>
         <p:spPr>
           <a:xfrm>
-            <a:off x="20878801" y="8381996"/>
+            <a:off x="22631401" y="8381996"/>
             <a:ext cx="152400" cy="76200"/>
           </a:xfrm>
           <a:prstGeom prst="rect">
@@ -9943,7 +9948,7 @@
         </p:nvCxnSpPr>
         <p:spPr>
           <a:xfrm flipV="1">
-            <a:off x="20726400" y="8839200"/>
+            <a:off x="22479000" y="8839200"/>
             <a:ext cx="1524000" cy="4"/>
           </a:xfrm>
           <a:prstGeom prst="line">
@@ -9980,7 +9985,7 @@
         </p:nvCxnSpPr>
         <p:spPr>
           <a:xfrm flipV="1">
-            <a:off x="20878800" y="8762996"/>
+            <a:off x="22631400" y="8762996"/>
             <a:ext cx="152400" cy="152404"/>
           </a:xfrm>
           <a:prstGeom prst="line">
@@ -10017,7 +10022,7 @@
         </p:nvSpPr>
         <p:spPr>
           <a:xfrm>
-            <a:off x="20878801" y="8686796"/>
+            <a:off x="22631401" y="8686796"/>
             <a:ext cx="152400" cy="76200"/>
           </a:xfrm>
           <a:prstGeom prst="rect">
@@ -10070,7 +10075,7 @@
         </p:nvSpPr>
         <p:spPr>
           <a:xfrm>
-            <a:off x="10058400" y="9372600"/>
+            <a:off x="11506200" y="9372600"/>
             <a:ext cx="457200" cy="152400"/>
           </a:xfrm>
           <a:prstGeom prst="rect">
@@ -10122,7 +10127,7 @@
         </p:nvSpPr>
         <p:spPr>
           <a:xfrm>
-            <a:off x="14020800" y="9067800"/>
+            <a:off x="15468600" y="9067800"/>
             <a:ext cx="457200" cy="152400"/>
           </a:xfrm>
           <a:prstGeom prst="rect">
@@ -10174,7 +10179,7 @@
         </p:nvSpPr>
         <p:spPr>
           <a:xfrm>
-            <a:off x="14020800" y="9372600"/>
+            <a:off x="15468600" y="9372600"/>
             <a:ext cx="457200" cy="152400"/>
           </a:xfrm>
           <a:prstGeom prst="rect">
@@ -10226,7 +10231,7 @@
         </p:nvCxnSpPr>
         <p:spPr>
           <a:xfrm>
-            <a:off x="14020800" y="9144000"/>
+            <a:off x="15468600" y="9144000"/>
             <a:ext cx="76200" cy="76200"/>
           </a:xfrm>
           <a:prstGeom prst="line">
@@ -10261,7 +10266,7 @@
         </p:nvCxnSpPr>
         <p:spPr>
           <a:xfrm flipH="1">
-            <a:off x="14020800" y="9220200"/>
+            <a:off x="15468600" y="9220200"/>
             <a:ext cx="76200" cy="76200"/>
           </a:xfrm>
           <a:prstGeom prst="line">
@@ -10296,7 +10301,7 @@
         </p:nvCxnSpPr>
         <p:spPr>
           <a:xfrm flipH="1">
-            <a:off x="11201400" y="9144000"/>
+            <a:off x="12649200" y="9144000"/>
             <a:ext cx="76200" cy="76200"/>
           </a:xfrm>
           <a:prstGeom prst="line">
@@ -10331,7 +10336,7 @@
         </p:nvCxnSpPr>
         <p:spPr>
           <a:xfrm>
-            <a:off x="11201400" y="9220200"/>
+            <a:off x="12649200" y="9220200"/>
             <a:ext cx="76200" cy="76200"/>
           </a:xfrm>
           <a:prstGeom prst="line">
@@ -10366,7 +10371,7 @@
         </p:nvCxnSpPr>
         <p:spPr>
           <a:xfrm>
-            <a:off x="11277600" y="9220204"/>
+            <a:off x="12725400" y="9220204"/>
             <a:ext cx="2743200" cy="0"/>
           </a:xfrm>
           <a:prstGeom prst="line">
@@ -10403,7 +10408,7 @@
         </p:nvCxnSpPr>
         <p:spPr>
           <a:xfrm>
-            <a:off x="11277600" y="9448800"/>
+            <a:off x="12725400" y="9448800"/>
             <a:ext cx="2743200" cy="0"/>
           </a:xfrm>
           <a:prstGeom prst="line">
@@ -10440,7 +10445,7 @@
         </p:nvCxnSpPr>
         <p:spPr>
           <a:xfrm>
-            <a:off x="12801600" y="9448800"/>
+            <a:off x="14249400" y="9448800"/>
             <a:ext cx="0" cy="2133600"/>
           </a:xfrm>
           <a:prstGeom prst="line">
@@ -10477,7 +10482,7 @@
         </p:nvCxnSpPr>
         <p:spPr>
           <a:xfrm flipV="1">
-            <a:off x="609600" y="11506196"/>
+            <a:off x="838200" y="11506196"/>
             <a:ext cx="152400" cy="152404"/>
           </a:xfrm>
           <a:prstGeom prst="line">
@@ -10514,7 +10519,7 @@
         </p:nvSpPr>
         <p:spPr>
           <a:xfrm>
-            <a:off x="914400" y="11429996"/>
+            <a:off x="1143000" y="11429996"/>
             <a:ext cx="457200" cy="152400"/>
           </a:xfrm>
           <a:prstGeom prst="rect">
@@ -10566,7 +10571,7 @@
         </p:nvSpPr>
         <p:spPr>
           <a:xfrm>
-            <a:off x="609601" y="11429996"/>
+            <a:off x="838201" y="11429996"/>
             <a:ext cx="152400" cy="76200"/>
           </a:xfrm>
           <a:prstGeom prst="rect">
@@ -10619,7 +10624,7 @@
         </p:nvSpPr>
         <p:spPr>
           <a:xfrm>
-            <a:off x="304800" y="11506196"/>
+            <a:off x="533400" y="11506196"/>
             <a:ext cx="228600" cy="152400"/>
           </a:xfrm>
           <a:prstGeom prst="homePlate">
@@ -10672,8 +10677,8 @@
         </p:nvCxnSpPr>
         <p:spPr>
           <a:xfrm>
-            <a:off x="533400" y="11582396"/>
-            <a:ext cx="12268200" cy="0"/>
+            <a:off x="762000" y="11582396"/>
+            <a:ext cx="13487400" cy="0"/>
           </a:xfrm>
           <a:prstGeom prst="line">
             <a:avLst/>
@@ -10709,7 +10714,7 @@
         </p:nvCxnSpPr>
         <p:spPr>
           <a:xfrm>
-            <a:off x="8534400" y="9220200"/>
+            <a:off x="9982200" y="9220200"/>
             <a:ext cx="1524000" cy="0"/>
           </a:xfrm>
           <a:prstGeom prst="line">
@@ -10746,7 +10751,7 @@
         </p:nvCxnSpPr>
         <p:spPr>
           <a:xfrm>
-            <a:off x="8534400" y="9448800"/>
+            <a:off x="9982200" y="9448800"/>
             <a:ext cx="1524000" cy="0"/>
           </a:xfrm>
           <a:prstGeom prst="line">
@@ -10783,7 +10788,7 @@
         </p:nvCxnSpPr>
         <p:spPr>
           <a:xfrm>
-            <a:off x="9144000" y="9220200"/>
+            <a:off x="10591800" y="9220200"/>
             <a:ext cx="0" cy="2667000"/>
           </a:xfrm>
           <a:prstGeom prst="line">
@@ -10820,7 +10825,7 @@
         </p:nvCxnSpPr>
         <p:spPr>
           <a:xfrm>
-            <a:off x="9448800" y="9448800"/>
+            <a:off x="10896600" y="9448800"/>
             <a:ext cx="0" cy="2743200"/>
           </a:xfrm>
           <a:prstGeom prst="line">
@@ -10857,7 +10862,7 @@
         </p:nvCxnSpPr>
         <p:spPr>
           <a:xfrm flipV="1">
-            <a:off x="609600" y="11811000"/>
+            <a:off x="838200" y="11811000"/>
             <a:ext cx="152400" cy="152404"/>
           </a:xfrm>
           <a:prstGeom prst="line">
@@ -10894,7 +10899,7 @@
         </p:nvSpPr>
         <p:spPr>
           <a:xfrm>
-            <a:off x="914400" y="11734800"/>
+            <a:off x="1143000" y="11734800"/>
             <a:ext cx="457200" cy="152400"/>
           </a:xfrm>
           <a:prstGeom prst="rect">
@@ -10946,7 +10951,7 @@
         </p:nvSpPr>
         <p:spPr>
           <a:xfrm>
-            <a:off x="609601" y="11734800"/>
+            <a:off x="838201" y="11734800"/>
             <a:ext cx="152400" cy="76200"/>
           </a:xfrm>
           <a:prstGeom prst="rect">
@@ -10999,7 +11004,7 @@
         </p:nvSpPr>
         <p:spPr>
           <a:xfrm>
-            <a:off x="304800" y="11811000"/>
+            <a:off x="533400" y="11811000"/>
             <a:ext cx="228600" cy="152400"/>
           </a:xfrm>
           <a:prstGeom prst="homePlate">
@@ -11052,8 +11057,8 @@
         </p:nvCxnSpPr>
         <p:spPr>
           <a:xfrm>
-            <a:off x="533400" y="11887200"/>
-            <a:ext cx="15316200" cy="0"/>
+            <a:off x="762000" y="11887200"/>
+            <a:ext cx="16535400" cy="0"/>
           </a:xfrm>
           <a:prstGeom prst="line">
             <a:avLst/>
@@ -11089,7 +11094,7 @@
         </p:nvCxnSpPr>
         <p:spPr>
           <a:xfrm flipV="1">
-            <a:off x="609600" y="12115800"/>
+            <a:off x="838200" y="12115800"/>
             <a:ext cx="152400" cy="152404"/>
           </a:xfrm>
           <a:prstGeom prst="line">
@@ -11126,7 +11131,7 @@
         </p:nvSpPr>
         <p:spPr>
           <a:xfrm>
-            <a:off x="914400" y="12039600"/>
+            <a:off x="1143000" y="12039600"/>
             <a:ext cx="457200" cy="152400"/>
           </a:xfrm>
           <a:prstGeom prst="rect">
@@ -11178,7 +11183,7 @@
         </p:nvSpPr>
         <p:spPr>
           <a:xfrm>
-            <a:off x="609600" y="12039600"/>
+            <a:off x="838200" y="12039600"/>
             <a:ext cx="152400" cy="76200"/>
           </a:xfrm>
           <a:prstGeom prst="rect">
@@ -11231,7 +11236,7 @@
         </p:nvSpPr>
         <p:spPr>
           <a:xfrm>
-            <a:off x="304800" y="12115800"/>
+            <a:off x="533400" y="12115800"/>
             <a:ext cx="228600" cy="152400"/>
           </a:xfrm>
           <a:prstGeom prst="homePlate">
@@ -11284,8 +11289,8 @@
         </p:nvCxnSpPr>
         <p:spPr>
           <a:xfrm>
-            <a:off x="533400" y="12192000"/>
-            <a:ext cx="15621000" cy="0"/>
+            <a:off x="762000" y="12192000"/>
+            <a:ext cx="16840200" cy="0"/>
           </a:xfrm>
           <a:prstGeom prst="line">
             <a:avLst/>
@@ -11321,7 +11326,7 @@
         </p:nvCxnSpPr>
         <p:spPr>
           <a:xfrm>
-            <a:off x="15240000" y="9220200"/>
+            <a:off x="16687800" y="9220200"/>
             <a:ext cx="1524000" cy="0"/>
           </a:xfrm>
           <a:prstGeom prst="line">
@@ -11358,7 +11363,7 @@
         </p:nvCxnSpPr>
         <p:spPr>
           <a:xfrm>
-            <a:off x="16154400" y="9448800"/>
+            <a:off x="17602200" y="9448800"/>
             <a:ext cx="609600" cy="0"/>
           </a:xfrm>
           <a:prstGeom prst="line">
@@ -11395,7 +11400,7 @@
         </p:nvCxnSpPr>
         <p:spPr>
           <a:xfrm>
-            <a:off x="16154400" y="9448800"/>
+            <a:off x="17602200" y="9448800"/>
             <a:ext cx="0" cy="2743200"/>
           </a:xfrm>
           <a:prstGeom prst="line">
@@ -11432,7 +11437,7 @@
         </p:nvCxnSpPr>
         <p:spPr>
           <a:xfrm>
-            <a:off x="21640800" y="9829800"/>
+            <a:off x="23393400" y="9829800"/>
             <a:ext cx="609600" cy="0"/>
           </a:xfrm>
           <a:prstGeom prst="line">
@@ -11469,7 +11474,7 @@
         </p:nvCxnSpPr>
         <p:spPr>
           <a:xfrm>
-            <a:off x="21945600" y="10134600"/>
+            <a:off x="23698200" y="10134600"/>
             <a:ext cx="304800" cy="0"/>
           </a:xfrm>
           <a:prstGeom prst="line">
@@ -11506,7 +11511,7 @@
         </p:nvCxnSpPr>
         <p:spPr>
           <a:xfrm flipV="1">
-            <a:off x="21640800" y="9829800"/>
+            <a:off x="23393400" y="9829800"/>
             <a:ext cx="0" cy="2667000"/>
           </a:xfrm>
           <a:prstGeom prst="line">
@@ -11543,7 +11548,7 @@
         </p:nvCxnSpPr>
         <p:spPr>
           <a:xfrm flipV="1">
-            <a:off x="21945600" y="10134600"/>
+            <a:off x="23698200" y="10134600"/>
             <a:ext cx="0" cy="2667000"/>
           </a:xfrm>
           <a:prstGeom prst="line">
@@ -11582,8 +11587,8 @@
         </p:nvCxnSpPr>
         <p:spPr>
           <a:xfrm>
-            <a:off x="533400" y="12496796"/>
-            <a:ext cx="21107400" cy="0"/>
+            <a:off x="762000" y="12496796"/>
+            <a:ext cx="22631400" cy="4"/>
           </a:xfrm>
           <a:prstGeom prst="line">
             <a:avLst/>
@@ -11621,8 +11626,8 @@
         </p:nvCxnSpPr>
         <p:spPr>
           <a:xfrm>
-            <a:off x="533400" y="12801596"/>
-            <a:ext cx="21412200" cy="0"/>
+            <a:off x="762000" y="12801596"/>
+            <a:ext cx="22936200" cy="0"/>
           </a:xfrm>
           <a:prstGeom prst="line">
             <a:avLst/>
@@ -11658,7 +11663,7 @@
         </p:nvCxnSpPr>
         <p:spPr>
           <a:xfrm flipV="1">
-            <a:off x="609600" y="12420596"/>
+            <a:off x="838200" y="12420596"/>
             <a:ext cx="152400" cy="152404"/>
           </a:xfrm>
           <a:prstGeom prst="line">
@@ -11695,7 +11700,7 @@
         </p:nvSpPr>
         <p:spPr>
           <a:xfrm>
-            <a:off x="914400" y="12344396"/>
+            <a:off x="1143000" y="12344396"/>
             <a:ext cx="457200" cy="152400"/>
           </a:xfrm>
           <a:prstGeom prst="rect">
@@ -11747,7 +11752,7 @@
         </p:nvSpPr>
         <p:spPr>
           <a:xfrm>
-            <a:off x="609601" y="12344396"/>
+            <a:off x="838201" y="12344396"/>
             <a:ext cx="152400" cy="76200"/>
           </a:xfrm>
           <a:prstGeom prst="rect">
@@ -11800,7 +11805,7 @@
         </p:nvSpPr>
         <p:spPr>
           <a:xfrm>
-            <a:off x="304800" y="12420596"/>
+            <a:off x="533400" y="12420596"/>
             <a:ext cx="228600" cy="152400"/>
           </a:xfrm>
           <a:prstGeom prst="homePlate">
@@ -11851,7 +11856,7 @@
         </p:nvCxnSpPr>
         <p:spPr>
           <a:xfrm flipV="1">
-            <a:off x="609600" y="12725396"/>
+            <a:off x="838200" y="12725396"/>
             <a:ext cx="152400" cy="152404"/>
           </a:xfrm>
           <a:prstGeom prst="line">
@@ -11888,7 +11893,7 @@
         </p:nvSpPr>
         <p:spPr>
           <a:xfrm>
-            <a:off x="914400" y="12649196"/>
+            <a:off x="1143000" y="12649196"/>
             <a:ext cx="457200" cy="152400"/>
           </a:xfrm>
           <a:prstGeom prst="rect">
@@ -11940,7 +11945,7 @@
         </p:nvSpPr>
         <p:spPr>
           <a:xfrm>
-            <a:off x="609600" y="12649196"/>
+            <a:off x="838200" y="12649196"/>
             <a:ext cx="152400" cy="76200"/>
           </a:xfrm>
           <a:prstGeom prst="rect">
@@ -11993,7 +11998,7 @@
         </p:nvSpPr>
         <p:spPr>
           <a:xfrm>
-            <a:off x="304800" y="12725396"/>
+            <a:off x="533400" y="12725396"/>
             <a:ext cx="228600" cy="152400"/>
           </a:xfrm>
           <a:prstGeom prst="homePlate">
@@ -12044,8 +12049,8 @@
         </p:nvCxnSpPr>
         <p:spPr>
           <a:xfrm>
-            <a:off x="17983200" y="9220200"/>
-            <a:ext cx="1524000" cy="0"/>
+            <a:off x="19431000" y="9220200"/>
+            <a:ext cx="1828800" cy="0"/>
           </a:xfrm>
           <a:prstGeom prst="line">
             <a:avLst/>
@@ -12076,13 +12081,15 @@
       <p:cxnSp>
         <p:nvCxnSpPr>
           <p:cNvPr id="387" name="Straight Connector 386"/>
-          <p:cNvCxnSpPr/>
+          <p:cNvCxnSpPr>
+            <a:endCxn id="223" idx="1"/>
+          </p:cNvCxnSpPr>
           <p:nvPr/>
         </p:nvCxnSpPr>
         <p:spPr>
           <a:xfrm>
-            <a:off x="17983200" y="9448800"/>
-            <a:ext cx="1524000" cy="0"/>
+            <a:off x="19431000" y="9448800"/>
+            <a:ext cx="1828800" cy="0"/>
           </a:xfrm>
           <a:prstGeom prst="line">
             <a:avLst/>
@@ -12118,7 +12125,7 @@
         </p:nvCxnSpPr>
         <p:spPr>
           <a:xfrm>
-            <a:off x="18592800" y="9220200"/>
+            <a:off x="20040600" y="9220200"/>
             <a:ext cx="0" cy="3276600"/>
           </a:xfrm>
           <a:prstGeom prst="line">
@@ -12155,7 +12162,7 @@
         </p:nvCxnSpPr>
         <p:spPr>
           <a:xfrm>
-            <a:off x="18897600" y="9448800"/>
+            <a:off x="20345400" y="9448800"/>
             <a:ext cx="0" cy="3352800"/>
           </a:xfrm>
           <a:prstGeom prst="line">
@@ -12192,7 +12199,7 @@
         </p:nvCxnSpPr>
         <p:spPr>
           <a:xfrm>
-            <a:off x="7010400" y="9448800"/>
+            <a:off x="8458200" y="9448800"/>
             <a:ext cx="304800" cy="0"/>
           </a:xfrm>
           <a:prstGeom prst="line">
@@ -12229,7 +12236,7 @@
         </p:nvCxnSpPr>
         <p:spPr>
           <a:xfrm flipV="1">
-            <a:off x="7010400" y="9448800"/>
+            <a:off x="8458200" y="9448800"/>
             <a:ext cx="0" cy="3352800"/>
           </a:xfrm>
           <a:prstGeom prst="line">
@@ -12266,7 +12273,7 @@
         </p:nvCxnSpPr>
         <p:spPr>
           <a:xfrm flipV="1">
-            <a:off x="6705600" y="9220200"/>
+            <a:off x="8153400" y="9220200"/>
             <a:ext cx="0" cy="3276600"/>
           </a:xfrm>
           <a:prstGeom prst="line">
@@ -12303,7 +12310,7 @@
         </p:nvCxnSpPr>
         <p:spPr>
           <a:xfrm>
-            <a:off x="6705600" y="9220200"/>
+            <a:off x="8153400" y="9220200"/>
             <a:ext cx="609600" cy="0"/>
           </a:xfrm>
           <a:prstGeom prst="line">
@@ -12340,7 +12347,7 @@
         </p:nvCxnSpPr>
         <p:spPr>
           <a:xfrm flipV="1">
-            <a:off x="3962400" y="8610600"/>
+            <a:off x="4191000" y="8610600"/>
             <a:ext cx="0" cy="3886200"/>
           </a:xfrm>
           <a:prstGeom prst="line">
@@ -12377,7 +12384,7 @@
         </p:nvCxnSpPr>
         <p:spPr>
           <a:xfrm>
-            <a:off x="3962400" y="8610600"/>
+            <a:off x="4191000" y="8610600"/>
             <a:ext cx="609600" cy="0"/>
           </a:xfrm>
           <a:prstGeom prst="line">
@@ -12414,7 +12421,7 @@
         </p:nvCxnSpPr>
         <p:spPr>
           <a:xfrm flipV="1">
-            <a:off x="4267200" y="8915400"/>
+            <a:off x="4495800" y="8915400"/>
             <a:ext cx="0" cy="3886200"/>
           </a:xfrm>
           <a:prstGeom prst="line">
@@ -12451,7 +12458,7 @@
         </p:nvCxnSpPr>
         <p:spPr>
           <a:xfrm>
-            <a:off x="4267200" y="8915400"/>
+            <a:off x="4495800" y="8915400"/>
             <a:ext cx="304800" cy="0"/>
           </a:xfrm>
           <a:prstGeom prst="line">
@@ -12488,7 +12495,7 @@
         </p:nvSpPr>
         <p:spPr>
           <a:xfrm>
-            <a:off x="24993600" y="8153400"/>
+            <a:off x="26746200" y="8153400"/>
             <a:ext cx="228600" cy="152400"/>
           </a:xfrm>
           <a:prstGeom prst="homePlate">
@@ -12541,7 +12548,7 @@
         </p:nvCxnSpPr>
         <p:spPr>
           <a:xfrm>
-            <a:off x="23469600" y="8229600"/>
+            <a:off x="25222200" y="8229600"/>
             <a:ext cx="1524000" cy="0"/>
           </a:xfrm>
           <a:prstGeom prst="line">
@@ -12578,7 +12585,7 @@
         </p:nvCxnSpPr>
         <p:spPr>
           <a:xfrm flipV="1">
-            <a:off x="24765000" y="8153400"/>
+            <a:off x="26517600" y="8153400"/>
             <a:ext cx="152400" cy="152404"/>
           </a:xfrm>
           <a:prstGeom prst="line">
@@ -12615,7 +12622,7 @@
         </p:nvSpPr>
         <p:spPr>
           <a:xfrm>
-            <a:off x="24765001" y="8077200"/>
+            <a:off x="26517601" y="8077200"/>
             <a:ext cx="152400" cy="76200"/>
           </a:xfrm>
           <a:prstGeom prst="rect">
@@ -12668,7 +12675,7 @@
         </p:nvSpPr>
         <p:spPr>
           <a:xfrm>
-            <a:off x="23774400" y="8077200"/>
+            <a:off x="25527000" y="8077200"/>
             <a:ext cx="457200" cy="152400"/>
           </a:xfrm>
           <a:prstGeom prst="rect">
@@ -12720,7 +12727,7 @@
         </p:nvSpPr>
         <p:spPr>
           <a:xfrm>
-            <a:off x="18135600" y="8686800"/>
+            <a:off x="19583400" y="8686800"/>
             <a:ext cx="457200" cy="152400"/>
           </a:xfrm>
           <a:prstGeom prst="rect">
@@ -12772,7 +12779,7 @@
         </p:nvCxnSpPr>
         <p:spPr>
           <a:xfrm>
-            <a:off x="21945600" y="7620000"/>
+            <a:off x="23698200" y="7620000"/>
             <a:ext cx="304800" cy="0"/>
           </a:xfrm>
           <a:prstGeom prst="line">
@@ -12809,8 +12816,8 @@
         </p:nvCxnSpPr>
         <p:spPr>
           <a:xfrm>
-            <a:off x="5791200" y="6934200"/>
-            <a:ext cx="15849600" cy="0"/>
+            <a:off x="6019800" y="6934200"/>
+            <a:ext cx="17373600" cy="0"/>
           </a:xfrm>
           <a:prstGeom prst="line">
             <a:avLst/>
@@ -12846,7 +12853,7 @@
         </p:nvCxnSpPr>
         <p:spPr>
           <a:xfrm>
-            <a:off x="13716000" y="7924800"/>
+            <a:off x="15163800" y="7924800"/>
             <a:ext cx="304800" cy="0"/>
           </a:xfrm>
           <a:prstGeom prst="line">
@@ -12883,7 +12890,7 @@
         </p:nvCxnSpPr>
         <p:spPr>
           <a:xfrm>
-            <a:off x="13716000" y="6934200"/>
+            <a:off x="15163800" y="6934200"/>
             <a:ext cx="0" cy="990600"/>
           </a:xfrm>
           <a:prstGeom prst="line">
@@ -12920,7 +12927,7 @@
         </p:nvCxnSpPr>
         <p:spPr>
           <a:xfrm>
-            <a:off x="19126200" y="7924800"/>
+            <a:off x="20878800" y="7772400"/>
             <a:ext cx="381000" cy="0"/>
           </a:xfrm>
           <a:prstGeom prst="line">
@@ -12957,7 +12964,7 @@
         </p:nvCxnSpPr>
         <p:spPr>
           <a:xfrm>
-            <a:off x="19050000" y="6934200"/>
+            <a:off x="20802600" y="6934200"/>
             <a:ext cx="0" cy="304800"/>
           </a:xfrm>
           <a:prstGeom prst="line">
@@ -12994,7 +13001,7 @@
         </p:nvCxnSpPr>
         <p:spPr>
           <a:xfrm>
-            <a:off x="21640800" y="7924800"/>
+            <a:off x="23393400" y="7924800"/>
             <a:ext cx="609600" cy="0"/>
           </a:xfrm>
           <a:prstGeom prst="line">
@@ -13031,7 +13038,7 @@
         </p:nvCxnSpPr>
         <p:spPr>
           <a:xfrm>
-            <a:off x="21640800" y="6934200"/>
+            <a:off x="23393400" y="6934200"/>
             <a:ext cx="0" cy="990600"/>
           </a:xfrm>
           <a:prstGeom prst="line">
@@ -13068,7 +13075,7 @@
         </p:nvSpPr>
         <p:spPr>
           <a:xfrm>
-            <a:off x="14782800" y="9144000"/>
+            <a:off x="16230600" y="9144000"/>
             <a:ext cx="457200" cy="152400"/>
           </a:xfrm>
           <a:prstGeom prst="rect">
@@ -13121,7 +13128,7 @@
         </p:nvCxnSpPr>
         <p:spPr>
           <a:xfrm>
-            <a:off x="15849600" y="9220200"/>
+            <a:off x="17297400" y="9220200"/>
             <a:ext cx="0" cy="2667000"/>
           </a:xfrm>
           <a:prstGeom prst="line">
@@ -13158,7 +13165,7 @@
         </p:nvSpPr>
         <p:spPr>
           <a:xfrm>
-            <a:off x="6248400" y="8077200"/>
+            <a:off x="6400800" y="8077200"/>
             <a:ext cx="457200" cy="152400"/>
           </a:xfrm>
           <a:prstGeom prst="rect">
@@ -13217,7 +13224,7 @@
         </p:nvSpPr>
         <p:spPr>
           <a:xfrm>
-            <a:off x="8991600" y="8077200"/>
+            <a:off x="10439400" y="8077200"/>
             <a:ext cx="457200" cy="152400"/>
           </a:xfrm>
           <a:prstGeom prst="rect">
@@ -13276,7 +13283,7 @@
         </p:nvSpPr>
         <p:spPr>
           <a:xfrm>
-            <a:off x="15697200" y="8077200"/>
+            <a:off x="17145000" y="8077200"/>
             <a:ext cx="457200" cy="152400"/>
           </a:xfrm>
           <a:prstGeom prst="rect">
@@ -13335,7 +13342,7 @@
         </p:nvSpPr>
         <p:spPr>
           <a:xfrm>
-            <a:off x="18440400" y="8077200"/>
+            <a:off x="19888200" y="8077200"/>
             <a:ext cx="457200" cy="152400"/>
           </a:xfrm>
           <a:prstGeom prst="rect">
@@ -13394,7 +13401,7 @@
         </p:nvSpPr>
         <p:spPr>
           <a:xfrm>
-            <a:off x="21183600" y="8077200"/>
+            <a:off x="22936200" y="8077200"/>
             <a:ext cx="457200" cy="152400"/>
           </a:xfrm>
           <a:prstGeom prst="rect">
@@ -13453,7 +13460,7 @@
         </p:nvSpPr>
         <p:spPr>
           <a:xfrm>
-            <a:off x="6248400" y="8382000"/>
+            <a:off x="6400800" y="8382000"/>
             <a:ext cx="457200" cy="152400"/>
           </a:xfrm>
           <a:prstGeom prst="rect">
@@ -13512,7 +13519,7 @@
         </p:nvSpPr>
         <p:spPr>
           <a:xfrm>
-            <a:off x="6248400" y="8686800"/>
+            <a:off x="6400800" y="8686800"/>
             <a:ext cx="457200" cy="152400"/>
           </a:xfrm>
           <a:prstGeom prst="rect">
@@ -13571,7 +13578,7 @@
         </p:nvSpPr>
         <p:spPr>
           <a:xfrm>
-            <a:off x="18440400" y="8382000"/>
+            <a:off x="19888200" y="8382000"/>
             <a:ext cx="457200" cy="152400"/>
           </a:xfrm>
           <a:prstGeom prst="rect">
@@ -13630,7 +13637,7 @@
         </p:nvSpPr>
         <p:spPr>
           <a:xfrm>
-            <a:off x="21183600" y="8382000"/>
+            <a:off x="22936200" y="8382000"/>
             <a:ext cx="457200" cy="152400"/>
           </a:xfrm>
           <a:prstGeom prst="rect">
@@ -13689,7 +13696,7 @@
         </p:nvSpPr>
         <p:spPr>
           <a:xfrm>
-            <a:off x="21183600" y="8686800"/>
+            <a:off x="22936200" y="8686800"/>
             <a:ext cx="457200" cy="152400"/>
           </a:xfrm>
           <a:prstGeom prst="rect">
@@ -13741,7 +13748,7 @@
         </p:nvCxnSpPr>
         <p:spPr>
           <a:xfrm flipV="1">
-            <a:off x="5943600" y="6858000"/>
+            <a:off x="6172200" y="6858000"/>
             <a:ext cx="152400" cy="152404"/>
           </a:xfrm>
           <a:prstGeom prst="line">
@@ -13778,7 +13785,7 @@
         </p:nvSpPr>
         <p:spPr>
           <a:xfrm>
-            <a:off x="5943601" y="6781800"/>
+            <a:off x="6172201" y="6781800"/>
             <a:ext cx="152400" cy="76200"/>
           </a:xfrm>
           <a:prstGeom prst="rect">
@@ -13831,7 +13838,7 @@
         </p:nvSpPr>
         <p:spPr>
           <a:xfrm>
-            <a:off x="6248400" y="6781800"/>
+            <a:off x="6400800" y="6781800"/>
             <a:ext cx="457200" cy="152400"/>
           </a:xfrm>
           <a:prstGeom prst="rect">
@@ -13890,7 +13897,7 @@
         </p:nvCxnSpPr>
         <p:spPr>
           <a:xfrm flipV="1">
-            <a:off x="609600" y="6096000"/>
+            <a:off x="838200" y="6096000"/>
             <a:ext cx="152400" cy="152404"/>
           </a:xfrm>
           <a:prstGeom prst="line">
@@ -13927,7 +13934,7 @@
         </p:nvSpPr>
         <p:spPr>
           <a:xfrm>
-            <a:off x="914400" y="6019800"/>
+            <a:off x="1143000" y="6019800"/>
             <a:ext cx="457200" cy="152400"/>
           </a:xfrm>
           <a:prstGeom prst="rect">
@@ -13979,7 +13986,7 @@
         </p:nvSpPr>
         <p:spPr>
           <a:xfrm>
-            <a:off x="609601" y="6019800"/>
+            <a:off x="838201" y="6019800"/>
             <a:ext cx="152400" cy="76200"/>
           </a:xfrm>
           <a:prstGeom prst="rect">
@@ -14032,7 +14039,7 @@
         </p:nvSpPr>
         <p:spPr>
           <a:xfrm>
-            <a:off x="304800" y="6096000"/>
+            <a:off x="533400" y="6096000"/>
             <a:ext cx="228600" cy="152400"/>
           </a:xfrm>
           <a:prstGeom prst="homePlate">
@@ -14085,8 +14092,8 @@
         </p:nvCxnSpPr>
         <p:spPr>
           <a:xfrm>
-            <a:off x="3657600" y="6248400"/>
-            <a:ext cx="18288000" cy="0"/>
+            <a:off x="3886200" y="6248400"/>
+            <a:ext cx="19812000" cy="0"/>
           </a:xfrm>
           <a:prstGeom prst="line">
             <a:avLst/>
@@ -14122,7 +14129,7 @@
         </p:nvCxnSpPr>
         <p:spPr>
           <a:xfrm>
-            <a:off x="4267200" y="6248400"/>
+            <a:off x="4495800" y="6248400"/>
             <a:ext cx="0" cy="685800"/>
           </a:xfrm>
           <a:prstGeom prst="line">
@@ -14159,7 +14166,7 @@
         </p:nvSpPr>
         <p:spPr>
           <a:xfrm rot="16200000">
-            <a:off x="18973800" y="7162800"/>
+            <a:off x="20726400" y="7162800"/>
             <a:ext cx="304800" cy="304800"/>
           </a:xfrm>
           <a:prstGeom prst="moon">
@@ -14207,7 +14214,7 @@
         </p:nvCxnSpPr>
         <p:spPr>
           <a:xfrm>
-            <a:off x="21945600" y="6248400"/>
+            <a:off x="23698200" y="6248400"/>
             <a:ext cx="0" cy="1371600"/>
           </a:xfrm>
           <a:prstGeom prst="line">
@@ -14246,8 +14253,8 @@
         </p:nvCxnSpPr>
         <p:spPr>
           <a:xfrm>
-            <a:off x="19126200" y="7467600"/>
-            <a:ext cx="0" cy="457200"/>
+            <a:off x="20878800" y="7467600"/>
+            <a:ext cx="0" cy="304800"/>
           </a:xfrm>
           <a:prstGeom prst="line">
             <a:avLst/>
@@ -14283,7 +14290,7 @@
         </p:nvCxnSpPr>
         <p:spPr>
           <a:xfrm>
-            <a:off x="19202400" y="6248400"/>
+            <a:off x="20955000" y="6248400"/>
             <a:ext cx="0" cy="990600"/>
           </a:xfrm>
           <a:prstGeom prst="line">
@@ -14320,7 +14327,7 @@
         </p:nvSpPr>
         <p:spPr>
           <a:xfrm>
-            <a:off x="23012400" y="8458200"/>
+            <a:off x="24765000" y="8458200"/>
             <a:ext cx="457200" cy="152400"/>
           </a:xfrm>
           <a:prstGeom prst="rect">
@@ -14373,7 +14380,7 @@
         </p:nvSpPr>
         <p:spPr>
           <a:xfrm>
-            <a:off x="24993600" y="8458200"/>
+            <a:off x="26746200" y="8458200"/>
             <a:ext cx="228600" cy="152400"/>
           </a:xfrm>
           <a:prstGeom prst="homePlate">
@@ -14426,7 +14433,7 @@
         </p:nvCxnSpPr>
         <p:spPr>
           <a:xfrm>
-            <a:off x="23469600" y="8534400"/>
+            <a:off x="25222200" y="8534400"/>
             <a:ext cx="1524000" cy="0"/>
           </a:xfrm>
           <a:prstGeom prst="line">
@@ -14463,7 +14470,7 @@
         </p:nvCxnSpPr>
         <p:spPr>
           <a:xfrm flipV="1">
-            <a:off x="24765000" y="8458200"/>
+            <a:off x="26517600" y="8458200"/>
             <a:ext cx="152400" cy="152404"/>
           </a:xfrm>
           <a:prstGeom prst="line">
@@ -14500,7 +14507,7 @@
         </p:nvSpPr>
         <p:spPr>
           <a:xfrm>
-            <a:off x="24765001" y="8382000"/>
+            <a:off x="26517601" y="8382000"/>
             <a:ext cx="152400" cy="76200"/>
           </a:xfrm>
           <a:prstGeom prst="rect">
@@ -14553,7 +14560,7 @@
         </p:nvSpPr>
         <p:spPr>
           <a:xfrm>
-            <a:off x="23774400" y="8382000"/>
+            <a:off x="25527000" y="8382000"/>
             <a:ext cx="457200" cy="152400"/>
           </a:xfrm>
           <a:prstGeom prst="rect">
@@ -14605,7 +14612,7 @@
         </p:nvSpPr>
         <p:spPr>
           <a:xfrm>
-            <a:off x="2362200" y="6705600"/>
+            <a:off x="2590800" y="6705602"/>
             <a:ext cx="304800" cy="304793"/>
           </a:xfrm>
           <a:prstGeom prst="rect">
@@ -14651,7 +14658,7 @@
         </p:nvCxnSpPr>
         <p:spPr>
           <a:xfrm flipV="1">
-            <a:off x="2438401" y="6934161"/>
+            <a:off x="2667001" y="6934161"/>
             <a:ext cx="76200" cy="76200"/>
           </a:xfrm>
           <a:prstGeom prst="line">
@@ -14686,7 +14693,7 @@
         </p:nvCxnSpPr>
         <p:spPr>
           <a:xfrm flipH="1" flipV="1">
-            <a:off x="2514601" y="6934161"/>
+            <a:off x="2743201" y="6934161"/>
             <a:ext cx="76200" cy="76200"/>
           </a:xfrm>
           <a:prstGeom prst="line">
@@ -14721,7 +14728,7 @@
         </p:nvSpPr>
         <p:spPr>
           <a:xfrm>
-            <a:off x="2438400" y="6705568"/>
+            <a:off x="2667000" y="6705568"/>
             <a:ext cx="152400" cy="152400"/>
           </a:xfrm>
           <a:prstGeom prst="rect">
@@ -14776,7 +14783,7 @@
         </p:nvCxnSpPr>
         <p:spPr>
           <a:xfrm>
-            <a:off x="533400" y="6172200"/>
+            <a:off x="762000" y="6172200"/>
             <a:ext cx="2895600" cy="0"/>
           </a:xfrm>
           <a:prstGeom prst="line">
@@ -14813,7 +14820,7 @@
         </p:nvSpPr>
         <p:spPr>
           <a:xfrm>
-            <a:off x="3276600" y="6248400"/>
+            <a:off x="3505200" y="6248400"/>
             <a:ext cx="152400" cy="152400"/>
           </a:xfrm>
           <a:prstGeom prst="ellipse">
@@ -14859,7 +14866,7 @@
         </p:nvSpPr>
         <p:spPr>
           <a:xfrm rot="10800000">
-            <a:off x="3352800" y="6096000"/>
+            <a:off x="3581400" y="6096000"/>
             <a:ext cx="304800" cy="304800"/>
           </a:xfrm>
           <a:prstGeom prst="moon">
@@ -14909,7 +14916,7 @@
         </p:nvCxnSpPr>
         <p:spPr>
           <a:xfrm>
-            <a:off x="2971800" y="6324600"/>
+            <a:off x="3200400" y="6324600"/>
             <a:ext cx="304800" cy="0"/>
           </a:xfrm>
           <a:prstGeom prst="line">
@@ -14946,7 +14953,7 @@
         </p:nvCxnSpPr>
         <p:spPr>
           <a:xfrm flipV="1">
-            <a:off x="2971800" y="6324600"/>
+            <a:off x="3200400" y="6324600"/>
             <a:ext cx="0" cy="457200"/>
           </a:xfrm>
           <a:prstGeom prst="line">
@@ -14983,7 +14990,7 @@
         </p:nvCxnSpPr>
         <p:spPr>
           <a:xfrm>
-            <a:off x="2667000" y="6781800"/>
+            <a:off x="2895600" y="6781800"/>
             <a:ext cx="304800" cy="0"/>
           </a:xfrm>
           <a:prstGeom prst="line">
@@ -15020,7 +15027,7 @@
         </p:nvSpPr>
         <p:spPr>
           <a:xfrm>
-            <a:off x="2057400" y="6705600"/>
+            <a:off x="2286000" y="6705602"/>
             <a:ext cx="304800" cy="304793"/>
           </a:xfrm>
           <a:prstGeom prst="rect">
@@ -15066,7 +15073,7 @@
         </p:nvCxnSpPr>
         <p:spPr>
           <a:xfrm flipV="1">
-            <a:off x="2133601" y="6934161"/>
+            <a:off x="2362201" y="6934161"/>
             <a:ext cx="76200" cy="76200"/>
           </a:xfrm>
           <a:prstGeom prst="line">
@@ -15101,7 +15108,7 @@
         </p:nvCxnSpPr>
         <p:spPr>
           <a:xfrm flipH="1" flipV="1">
-            <a:off x="2209801" y="6934161"/>
+            <a:off x="2438401" y="6934161"/>
             <a:ext cx="76200" cy="76200"/>
           </a:xfrm>
           <a:prstGeom prst="line">
@@ -15136,7 +15143,7 @@
         </p:nvSpPr>
         <p:spPr>
           <a:xfrm>
-            <a:off x="2133600" y="6705568"/>
+            <a:off x="2362200" y="6705568"/>
             <a:ext cx="152400" cy="152400"/>
           </a:xfrm>
           <a:prstGeom prst="rect">
@@ -15189,7 +15196,7 @@
         </p:nvCxnSpPr>
         <p:spPr>
           <a:xfrm>
-            <a:off x="1752600" y="6781800"/>
+            <a:off x="1981200" y="6781800"/>
             <a:ext cx="304800" cy="0"/>
           </a:xfrm>
           <a:prstGeom prst="line">
@@ -15226,7 +15233,7 @@
         </p:nvCxnSpPr>
         <p:spPr>
           <a:xfrm flipV="1">
-            <a:off x="1752600" y="6781800"/>
+            <a:off x="1981200" y="6781800"/>
             <a:ext cx="0" cy="5410200"/>
           </a:xfrm>
           <a:prstGeom prst="line">
@@ -15263,7 +15270,7 @@
         </p:nvCxnSpPr>
         <p:spPr>
           <a:xfrm flipV="1">
-            <a:off x="2743200" y="6705600"/>
+            <a:off x="2971800" y="6705600"/>
             <a:ext cx="152400" cy="152404"/>
           </a:xfrm>
           <a:prstGeom prst="line">
@@ -15300,7 +15307,7 @@
         </p:nvSpPr>
         <p:spPr>
           <a:xfrm>
-            <a:off x="2743201" y="6629400"/>
+            <a:off x="2971801" y="6629400"/>
             <a:ext cx="152400" cy="76200"/>
           </a:xfrm>
           <a:prstGeom prst="rect">
@@ -15353,7 +15360,7 @@
         </p:nvSpPr>
         <p:spPr>
           <a:xfrm>
-            <a:off x="2819400" y="6781800"/>
+            <a:off x="3048000" y="6781800"/>
             <a:ext cx="457200" cy="152400"/>
           </a:xfrm>
           <a:prstGeom prst="rect">
@@ -15385,7 +15392,7 @@
           <a:lstStyle/>
           <a:p>
             <a:r>
-              <a:rPr lang="en-US" sz="900" dirty="0" smtClean="0">
+              <a:rPr lang="en-US" sz="900" dirty="0">
                 <a:solidFill>
                   <a:srgbClr val="000000"/>
                 </a:solidFill>
@@ -15412,7 +15419,7 @@
         </p:nvCxnSpPr>
         <p:spPr>
           <a:xfrm flipV="1">
-            <a:off x="3733800" y="6172200"/>
+            <a:off x="3962400" y="6172200"/>
             <a:ext cx="152400" cy="152404"/>
           </a:xfrm>
           <a:prstGeom prst="line">
@@ -15449,7 +15456,7 @@
         </p:nvSpPr>
         <p:spPr>
           <a:xfrm>
-            <a:off x="3733801" y="6096000"/>
+            <a:off x="3962401" y="6096000"/>
             <a:ext cx="152400" cy="76200"/>
           </a:xfrm>
           <a:prstGeom prst="rect">
@@ -15502,7 +15509,7 @@
         </p:nvSpPr>
         <p:spPr>
           <a:xfrm>
-            <a:off x="4038600" y="6096000"/>
+            <a:off x="4267200" y="6096000"/>
             <a:ext cx="457200" cy="152400"/>
           </a:xfrm>
           <a:prstGeom prst="rect">
@@ -15534,7 +15541,7 @@
           <a:lstStyle/>
           <a:p>
             <a:r>
-              <a:rPr lang="en-US" sz="900" dirty="0" err="1" smtClean="0">
+              <a:rPr lang="en-US" sz="900" dirty="0" err="1">
                 <a:solidFill>
                   <a:srgbClr val="000000"/>
                 </a:solidFill>
@@ -15561,7 +15568,7 @@
         </p:nvCxnSpPr>
         <p:spPr>
           <a:xfrm flipV="1">
-            <a:off x="2209800" y="7010400"/>
+            <a:off x="2438400" y="7010400"/>
             <a:ext cx="0" cy="5486400"/>
           </a:xfrm>
           <a:prstGeom prst="line">
@@ -15598,7 +15605,7 @@
         </p:nvCxnSpPr>
         <p:spPr>
           <a:xfrm>
-            <a:off x="2209800" y="7162800"/>
+            <a:off x="2438400" y="7162800"/>
             <a:ext cx="304800" cy="0"/>
           </a:xfrm>
           <a:prstGeom prst="line">
@@ -15635,7 +15642,7 @@
         </p:nvCxnSpPr>
         <p:spPr>
           <a:xfrm flipV="1">
-            <a:off x="2514600" y="7010400"/>
+            <a:off x="2743200" y="7010400"/>
             <a:ext cx="0" cy="152400"/>
           </a:xfrm>
           <a:prstGeom prst="line">
@@ -15672,7 +15679,7 @@
         </p:nvSpPr>
         <p:spPr>
           <a:xfrm>
-            <a:off x="2133600" y="6553200"/>
+            <a:off x="2362200" y="6553200"/>
             <a:ext cx="152400" cy="152400"/>
           </a:xfrm>
           <a:prstGeom prst="ellipse">
@@ -15718,7 +15725,7 @@
         </p:nvSpPr>
         <p:spPr>
           <a:xfrm>
-            <a:off x="2438400" y="6553200"/>
+            <a:off x="2667000" y="6553200"/>
             <a:ext cx="152400" cy="152400"/>
           </a:xfrm>
           <a:prstGeom prst="ellipse">
@@ -15764,7 +15771,7 @@
         </p:nvCxnSpPr>
         <p:spPr>
           <a:xfrm>
-            <a:off x="2209800" y="6400800"/>
+            <a:off x="2438400" y="6400800"/>
             <a:ext cx="0" cy="152400"/>
           </a:xfrm>
           <a:prstGeom prst="line">
@@ -15801,7 +15808,7 @@
         </p:nvCxnSpPr>
         <p:spPr>
           <a:xfrm>
-            <a:off x="2514600" y="6400800"/>
+            <a:off x="2743200" y="6400800"/>
             <a:ext cx="0" cy="152400"/>
           </a:xfrm>
           <a:prstGeom prst="line">
@@ -15838,7 +15845,7 @@
         </p:nvCxnSpPr>
         <p:spPr>
           <a:xfrm>
-            <a:off x="1905000" y="6400800"/>
+            <a:off x="2133600" y="6400800"/>
             <a:ext cx="609600" cy="0"/>
           </a:xfrm>
           <a:prstGeom prst="line">
@@ -15875,7 +15882,7 @@
         </p:nvSpPr>
         <p:spPr>
           <a:xfrm>
-            <a:off x="1676400" y="6248400"/>
+            <a:off x="1905000" y="6248400"/>
             <a:ext cx="457200" cy="152400"/>
           </a:xfrm>
           <a:prstGeom prst="rect">
@@ -15907,7 +15914,7 @@
           <a:lstStyle/>
           <a:p>
             <a:r>
-              <a:rPr lang="en-US" sz="900" dirty="0" smtClean="0">
+              <a:rPr lang="en-US" sz="900" dirty="0">
                 <a:solidFill>
                   <a:srgbClr val="000000"/>
                 </a:solidFill>
@@ -15926,6 +15933,1510 @@
           </a:p>
         </p:txBody>
       </p:sp>
+      <p:sp>
+        <p:nvSpPr>
+          <p:cNvPr id="398" name="Trapezoid 397"/>
+          <p:cNvSpPr/>
+          <p:nvPr/>
+        </p:nvSpPr>
+        <p:spPr>
+          <a:xfrm rot="5400000">
+            <a:off x="7734300" y="7658100"/>
+            <a:ext cx="1143000" cy="457200"/>
+          </a:xfrm>
+          <a:prstGeom prst="trapezoid">
+            <a:avLst>
+              <a:gd name="adj" fmla="val 34594"/>
+            </a:avLst>
+          </a:prstGeom>
+          <a:noFill/>
+          <a:ln w="12700">
+            <a:solidFill>
+              <a:srgbClr val="000000"/>
+            </a:solidFill>
+          </a:ln>
+        </p:spPr>
+        <p:style>
+          <a:lnRef idx="2">
+            <a:schemeClr val="accent1">
+              <a:shade val="50000"/>
+            </a:schemeClr>
+          </a:lnRef>
+          <a:fillRef idx="1">
+            <a:schemeClr val="accent1"/>
+          </a:fillRef>
+          <a:effectRef idx="0">
+            <a:schemeClr val="accent1"/>
+          </a:effectRef>
+          <a:fontRef idx="minor">
+            <a:schemeClr val="lt1"/>
+          </a:fontRef>
+        </p:style>
+        <p:txBody>
+          <a:bodyPr rtlCol="0" anchor="ctr"/>
+          <a:lstStyle/>
+          <a:p>
+            <a:pPr algn="ctr"/>
+            <a:endParaRPr lang="en-US" sz="3730"/>
+          </a:p>
+        </p:txBody>
+      </p:sp>
+      <p:sp>
+        <p:nvSpPr>
+          <p:cNvPr id="433" name="Rectangle 432"/>
+          <p:cNvSpPr/>
+          <p:nvPr/>
+        </p:nvSpPr>
+        <p:spPr>
+          <a:xfrm>
+            <a:off x="8077200" y="7467600"/>
+            <a:ext cx="457200" cy="152400"/>
+          </a:xfrm>
+          <a:prstGeom prst="rect">
+            <a:avLst/>
+          </a:prstGeom>
+          <a:noFill/>
+          <a:ln>
+            <a:noFill/>
+          </a:ln>
+        </p:spPr>
+        <p:style>
+          <a:lnRef idx="2">
+            <a:schemeClr val="accent1">
+              <a:shade val="50000"/>
+            </a:schemeClr>
+          </a:lnRef>
+          <a:fillRef idx="1">
+            <a:schemeClr val="accent1"/>
+          </a:fillRef>
+          <a:effectRef idx="0">
+            <a:schemeClr val="accent1"/>
+          </a:effectRef>
+          <a:fontRef idx="minor">
+            <a:schemeClr val="lt1"/>
+          </a:fontRef>
+        </p:style>
+        <p:txBody>
+          <a:bodyPr wrap="none" lIns="45720" rIns="45720" rtlCol="0" anchor="ctr"/>
+          <a:lstStyle/>
+          <a:p>
+            <a:r>
+              <a:rPr lang="en-US" sz="900" dirty="0">
+                <a:solidFill>
+                  <a:srgbClr val="000000"/>
+                </a:solidFill>
+                <a:latin typeface="Courier New" panose="02070309020205020404" pitchFamily="49" charset="0"/>
+                <a:cs typeface="Courier New" panose="02070309020205020404" pitchFamily="49" charset="0"/>
+              </a:rPr>
+              <a:t>2’d3</a:t>
+            </a:r>
+            <a:endParaRPr lang="en-US" sz="900" dirty="0">
+              <a:solidFill>
+                <a:srgbClr val="000000"/>
+              </a:solidFill>
+              <a:latin typeface="Courier New" panose="02070309020205020404" pitchFamily="49" charset="0"/>
+              <a:cs typeface="Courier New" panose="02070309020205020404" pitchFamily="49" charset="0"/>
+            </a:endParaRPr>
+          </a:p>
+        </p:txBody>
+      </p:sp>
+      <p:sp>
+        <p:nvSpPr>
+          <p:cNvPr id="434" name="Rectangle 433"/>
+          <p:cNvSpPr/>
+          <p:nvPr/>
+        </p:nvSpPr>
+        <p:spPr>
+          <a:xfrm>
+            <a:off x="8077200" y="7696200"/>
+            <a:ext cx="457200" cy="152400"/>
+          </a:xfrm>
+          <a:prstGeom prst="rect">
+            <a:avLst/>
+          </a:prstGeom>
+          <a:noFill/>
+          <a:ln>
+            <a:noFill/>
+          </a:ln>
+        </p:spPr>
+        <p:style>
+          <a:lnRef idx="2">
+            <a:schemeClr val="accent1">
+              <a:shade val="50000"/>
+            </a:schemeClr>
+          </a:lnRef>
+          <a:fillRef idx="1">
+            <a:schemeClr val="accent1"/>
+          </a:fillRef>
+          <a:effectRef idx="0">
+            <a:schemeClr val="accent1"/>
+          </a:effectRef>
+          <a:fontRef idx="minor">
+            <a:schemeClr val="lt1"/>
+          </a:fontRef>
+        </p:style>
+        <p:txBody>
+          <a:bodyPr wrap="none" lIns="45720" rIns="45720" rtlCol="0" anchor="ctr"/>
+          <a:lstStyle/>
+          <a:p>
+            <a:r>
+              <a:rPr lang="en-US" sz="900" dirty="0">
+                <a:solidFill>
+                  <a:srgbClr val="000000"/>
+                </a:solidFill>
+                <a:latin typeface="Courier New" panose="02070309020205020404" pitchFamily="49" charset="0"/>
+                <a:cs typeface="Courier New" panose="02070309020205020404" pitchFamily="49" charset="0"/>
+              </a:rPr>
+              <a:t>2’d2</a:t>
+            </a:r>
+            <a:endParaRPr lang="en-US" sz="900" dirty="0">
+              <a:solidFill>
+                <a:srgbClr val="000000"/>
+              </a:solidFill>
+              <a:latin typeface="Courier New" panose="02070309020205020404" pitchFamily="49" charset="0"/>
+              <a:cs typeface="Courier New" panose="02070309020205020404" pitchFamily="49" charset="0"/>
+            </a:endParaRPr>
+          </a:p>
+        </p:txBody>
+      </p:sp>
+      <p:sp>
+        <p:nvSpPr>
+          <p:cNvPr id="435" name="Rectangle 434"/>
+          <p:cNvSpPr/>
+          <p:nvPr/>
+        </p:nvSpPr>
+        <p:spPr>
+          <a:xfrm>
+            <a:off x="8077200" y="7924800"/>
+            <a:ext cx="457200" cy="152400"/>
+          </a:xfrm>
+          <a:prstGeom prst="rect">
+            <a:avLst/>
+          </a:prstGeom>
+          <a:noFill/>
+          <a:ln>
+            <a:noFill/>
+          </a:ln>
+        </p:spPr>
+        <p:style>
+          <a:lnRef idx="2">
+            <a:schemeClr val="accent1">
+              <a:shade val="50000"/>
+            </a:schemeClr>
+          </a:lnRef>
+          <a:fillRef idx="1">
+            <a:schemeClr val="accent1"/>
+          </a:fillRef>
+          <a:effectRef idx="0">
+            <a:schemeClr val="accent1"/>
+          </a:effectRef>
+          <a:fontRef idx="minor">
+            <a:schemeClr val="lt1"/>
+          </a:fontRef>
+        </p:style>
+        <p:txBody>
+          <a:bodyPr wrap="none" lIns="45720" rIns="45720" rtlCol="0" anchor="ctr"/>
+          <a:lstStyle/>
+          <a:p>
+            <a:r>
+              <a:rPr lang="en-US" sz="900" dirty="0">
+                <a:solidFill>
+                  <a:srgbClr val="000000"/>
+                </a:solidFill>
+                <a:latin typeface="Courier New" panose="02070309020205020404" pitchFamily="49" charset="0"/>
+                <a:cs typeface="Courier New" panose="02070309020205020404" pitchFamily="49" charset="0"/>
+              </a:rPr>
+              <a:t>2’d1</a:t>
+            </a:r>
+            <a:endParaRPr lang="en-US" sz="900" dirty="0">
+              <a:solidFill>
+                <a:srgbClr val="000000"/>
+              </a:solidFill>
+              <a:latin typeface="Courier New" panose="02070309020205020404" pitchFamily="49" charset="0"/>
+              <a:cs typeface="Courier New" panose="02070309020205020404" pitchFamily="49" charset="0"/>
+            </a:endParaRPr>
+          </a:p>
+        </p:txBody>
+      </p:sp>
+      <p:sp>
+        <p:nvSpPr>
+          <p:cNvPr id="436" name="Rectangle 435"/>
+          <p:cNvSpPr/>
+          <p:nvPr/>
+        </p:nvSpPr>
+        <p:spPr>
+          <a:xfrm>
+            <a:off x="8077200" y="8153400"/>
+            <a:ext cx="457200" cy="152400"/>
+          </a:xfrm>
+          <a:prstGeom prst="rect">
+            <a:avLst/>
+          </a:prstGeom>
+          <a:noFill/>
+          <a:ln>
+            <a:noFill/>
+          </a:ln>
+        </p:spPr>
+        <p:style>
+          <a:lnRef idx="2">
+            <a:schemeClr val="accent1">
+              <a:shade val="50000"/>
+            </a:schemeClr>
+          </a:lnRef>
+          <a:fillRef idx="1">
+            <a:schemeClr val="accent1"/>
+          </a:fillRef>
+          <a:effectRef idx="0">
+            <a:schemeClr val="accent1"/>
+          </a:effectRef>
+          <a:fontRef idx="minor">
+            <a:schemeClr val="lt1"/>
+          </a:fontRef>
+        </p:style>
+        <p:txBody>
+          <a:bodyPr wrap="none" lIns="45720" rIns="45720" rtlCol="0" anchor="ctr"/>
+          <a:lstStyle/>
+          <a:p>
+            <a:r>
+              <a:rPr lang="en-US" sz="900" dirty="0">
+                <a:solidFill>
+                  <a:srgbClr val="000000"/>
+                </a:solidFill>
+                <a:latin typeface="Courier New" panose="02070309020205020404" pitchFamily="49" charset="0"/>
+                <a:cs typeface="Courier New" panose="02070309020205020404" pitchFamily="49" charset="0"/>
+              </a:rPr>
+              <a:t>2’d0</a:t>
+            </a:r>
+            <a:endParaRPr lang="en-US" sz="900" dirty="0">
+              <a:solidFill>
+                <a:srgbClr val="000000"/>
+              </a:solidFill>
+              <a:latin typeface="Courier New" panose="02070309020205020404" pitchFamily="49" charset="0"/>
+              <a:cs typeface="Courier New" panose="02070309020205020404" pitchFamily="49" charset="0"/>
+            </a:endParaRPr>
+          </a:p>
+        </p:txBody>
+      </p:sp>
+      <p:sp>
+        <p:nvSpPr>
+          <p:cNvPr id="437" name="Rectangle 436"/>
+          <p:cNvSpPr/>
+          <p:nvPr/>
+        </p:nvSpPr>
+        <p:spPr>
+          <a:xfrm>
+            <a:off x="7543800" y="7391400"/>
+            <a:ext cx="457200" cy="152400"/>
+          </a:xfrm>
+          <a:prstGeom prst="rect">
+            <a:avLst/>
+          </a:prstGeom>
+          <a:noFill/>
+          <a:ln>
+            <a:noFill/>
+          </a:ln>
+        </p:spPr>
+        <p:style>
+          <a:lnRef idx="2">
+            <a:schemeClr val="accent1">
+              <a:shade val="50000"/>
+            </a:schemeClr>
+          </a:lnRef>
+          <a:fillRef idx="1">
+            <a:schemeClr val="accent1"/>
+          </a:fillRef>
+          <a:effectRef idx="0">
+            <a:schemeClr val="accent1"/>
+          </a:effectRef>
+          <a:fontRef idx="minor">
+            <a:schemeClr val="lt1"/>
+          </a:fontRef>
+        </p:style>
+        <p:txBody>
+          <a:bodyPr wrap="none" lIns="45720" rIns="45720" rtlCol="0" anchor="ctr"/>
+          <a:lstStyle/>
+          <a:p>
+            <a:r>
+              <a:rPr lang="en-US" sz="900" dirty="0">
+                <a:solidFill>
+                  <a:srgbClr val="000000"/>
+                </a:solidFill>
+                <a:latin typeface="Courier New" panose="02070309020205020404" pitchFamily="49" charset="0"/>
+                <a:cs typeface="Courier New" panose="02070309020205020404" pitchFamily="49" charset="0"/>
+              </a:rPr>
+              <a:t>64’d0</a:t>
+            </a:r>
+            <a:endParaRPr lang="en-US" sz="900" dirty="0">
+              <a:solidFill>
+                <a:srgbClr val="000000"/>
+              </a:solidFill>
+              <a:latin typeface="Courier New" panose="02070309020205020404" pitchFamily="49" charset="0"/>
+              <a:cs typeface="Courier New" panose="02070309020205020404" pitchFamily="49" charset="0"/>
+            </a:endParaRPr>
+          </a:p>
+        </p:txBody>
+      </p:sp>
+      <p:sp>
+        <p:nvSpPr>
+          <p:cNvPr id="438" name="Rectangle 437"/>
+          <p:cNvSpPr/>
+          <p:nvPr/>
+        </p:nvSpPr>
+        <p:spPr>
+          <a:xfrm>
+            <a:off x="6324600" y="7848600"/>
+            <a:ext cx="457200" cy="152400"/>
+          </a:xfrm>
+          <a:prstGeom prst="rect">
+            <a:avLst/>
+          </a:prstGeom>
+          <a:noFill/>
+          <a:ln>
+            <a:noFill/>
+          </a:ln>
+        </p:spPr>
+        <p:style>
+          <a:lnRef idx="2">
+            <a:schemeClr val="accent1">
+              <a:shade val="50000"/>
+            </a:schemeClr>
+          </a:lnRef>
+          <a:fillRef idx="1">
+            <a:schemeClr val="accent1"/>
+          </a:fillRef>
+          <a:effectRef idx="0">
+            <a:schemeClr val="accent1"/>
+          </a:effectRef>
+          <a:fontRef idx="minor">
+            <a:schemeClr val="lt1"/>
+          </a:fontRef>
+        </p:style>
+        <p:txBody>
+          <a:bodyPr wrap="none" lIns="45720" rIns="45720" rtlCol="0" anchor="ctr"/>
+          <a:lstStyle/>
+          <a:p>
+            <a:r>
+              <a:rPr lang="en-US" sz="900" dirty="0">
+                <a:solidFill>
+                  <a:srgbClr val="000000"/>
+                </a:solidFill>
+                <a:latin typeface="Courier New" panose="02070309020205020404" pitchFamily="49" charset="0"/>
+                <a:cs typeface="Courier New" panose="02070309020205020404" pitchFamily="49" charset="0"/>
+              </a:rPr>
+              <a:t>64’hAAAA_AAAA_AAAA_AAAA</a:t>
+            </a:r>
+            <a:endParaRPr lang="en-US" sz="900" dirty="0">
+              <a:solidFill>
+                <a:srgbClr val="000000"/>
+              </a:solidFill>
+              <a:latin typeface="Courier New" panose="02070309020205020404" pitchFamily="49" charset="0"/>
+              <a:cs typeface="Courier New" panose="02070309020205020404" pitchFamily="49" charset="0"/>
+            </a:endParaRPr>
+          </a:p>
+        </p:txBody>
+      </p:sp>
+      <p:cxnSp>
+        <p:nvCxnSpPr>
+          <p:cNvPr id="440" name="Straight Connector 439"/>
+          <p:cNvCxnSpPr>
+            <a:stCxn id="153" idx="3"/>
+          </p:cNvCxnSpPr>
+          <p:nvPr/>
+        </p:nvCxnSpPr>
+        <p:spPr>
+          <a:xfrm>
+            <a:off x="6019800" y="8229600"/>
+            <a:ext cx="2057400" cy="0"/>
+          </a:xfrm>
+          <a:prstGeom prst="line">
+            <a:avLst/>
+          </a:prstGeom>
+          <a:ln w="12700">
+            <a:solidFill>
+              <a:srgbClr val="000000"/>
+            </a:solidFill>
+            <a:headEnd type="none" w="med" len="med"/>
+            <a:tailEnd type="none" w="med" len="med"/>
+          </a:ln>
+        </p:spPr>
+        <p:style>
+          <a:lnRef idx="1">
+            <a:schemeClr val="accent1"/>
+          </a:lnRef>
+          <a:fillRef idx="0">
+            <a:schemeClr val="accent1"/>
+          </a:fillRef>
+          <a:effectRef idx="0">
+            <a:schemeClr val="accent1"/>
+          </a:effectRef>
+          <a:fontRef idx="minor">
+            <a:schemeClr val="tx1"/>
+          </a:fontRef>
+        </p:style>
+      </p:cxnSp>
+      <p:cxnSp>
+        <p:nvCxnSpPr>
+          <p:cNvPr id="441" name="Straight Connector 440"/>
+          <p:cNvCxnSpPr/>
+          <p:nvPr/>
+        </p:nvCxnSpPr>
+        <p:spPr>
+          <a:xfrm>
+            <a:off x="7772400" y="8001000"/>
+            <a:ext cx="304800" cy="0"/>
+          </a:xfrm>
+          <a:prstGeom prst="line">
+            <a:avLst/>
+          </a:prstGeom>
+          <a:ln w="12700">
+            <a:solidFill>
+              <a:srgbClr val="000000"/>
+            </a:solidFill>
+            <a:headEnd type="none" w="med" len="med"/>
+            <a:tailEnd type="none" w="med" len="med"/>
+          </a:ln>
+        </p:spPr>
+        <p:style>
+          <a:lnRef idx="1">
+            <a:schemeClr val="accent1"/>
+          </a:lnRef>
+          <a:fillRef idx="0">
+            <a:schemeClr val="accent1"/>
+          </a:fillRef>
+          <a:effectRef idx="0">
+            <a:schemeClr val="accent1"/>
+          </a:effectRef>
+          <a:fontRef idx="minor">
+            <a:schemeClr val="tx1"/>
+          </a:fontRef>
+        </p:style>
+      </p:cxnSp>
+      <p:cxnSp>
+        <p:nvCxnSpPr>
+          <p:cNvPr id="442" name="Straight Connector 441"/>
+          <p:cNvCxnSpPr/>
+          <p:nvPr/>
+        </p:nvCxnSpPr>
+        <p:spPr>
+          <a:xfrm>
+            <a:off x="7772400" y="7772400"/>
+            <a:ext cx="304800" cy="0"/>
+          </a:xfrm>
+          <a:prstGeom prst="line">
+            <a:avLst/>
+          </a:prstGeom>
+          <a:ln w="12700">
+            <a:solidFill>
+              <a:srgbClr val="000000"/>
+            </a:solidFill>
+            <a:headEnd type="none" w="med" len="med"/>
+            <a:tailEnd type="none" w="med" len="med"/>
+          </a:ln>
+        </p:spPr>
+        <p:style>
+          <a:lnRef idx="1">
+            <a:schemeClr val="accent1"/>
+          </a:lnRef>
+          <a:fillRef idx="0">
+            <a:schemeClr val="accent1"/>
+          </a:fillRef>
+          <a:effectRef idx="0">
+            <a:schemeClr val="accent1"/>
+          </a:effectRef>
+          <a:fontRef idx="minor">
+            <a:schemeClr val="tx1"/>
+          </a:fontRef>
+        </p:style>
+      </p:cxnSp>
+      <p:cxnSp>
+        <p:nvCxnSpPr>
+          <p:cNvPr id="443" name="Straight Connector 442"/>
+          <p:cNvCxnSpPr/>
+          <p:nvPr/>
+        </p:nvCxnSpPr>
+        <p:spPr>
+          <a:xfrm>
+            <a:off x="7772400" y="7543800"/>
+            <a:ext cx="304800" cy="0"/>
+          </a:xfrm>
+          <a:prstGeom prst="line">
+            <a:avLst/>
+          </a:prstGeom>
+          <a:ln w="12700">
+            <a:solidFill>
+              <a:srgbClr val="000000"/>
+            </a:solidFill>
+            <a:headEnd type="none" w="med" len="med"/>
+            <a:tailEnd type="none" w="med" len="med"/>
+          </a:ln>
+        </p:spPr>
+        <p:style>
+          <a:lnRef idx="1">
+            <a:schemeClr val="accent1"/>
+          </a:lnRef>
+          <a:fillRef idx="0">
+            <a:schemeClr val="accent1"/>
+          </a:fillRef>
+          <a:effectRef idx="0">
+            <a:schemeClr val="accent1"/>
+          </a:effectRef>
+          <a:fontRef idx="minor">
+            <a:schemeClr val="tx1"/>
+          </a:fontRef>
+        </p:style>
+      </p:cxnSp>
+      <p:sp>
+        <p:nvSpPr>
+          <p:cNvPr id="444" name="Rectangle 443"/>
+          <p:cNvSpPr/>
+          <p:nvPr/>
+        </p:nvSpPr>
+        <p:spPr>
+          <a:xfrm>
+            <a:off x="7543800" y="7620000"/>
+            <a:ext cx="457200" cy="152400"/>
+          </a:xfrm>
+          <a:prstGeom prst="rect">
+            <a:avLst/>
+          </a:prstGeom>
+          <a:noFill/>
+          <a:ln>
+            <a:noFill/>
+          </a:ln>
+        </p:spPr>
+        <p:style>
+          <a:lnRef idx="2">
+            <a:schemeClr val="accent1">
+              <a:shade val="50000"/>
+            </a:schemeClr>
+          </a:lnRef>
+          <a:fillRef idx="1">
+            <a:schemeClr val="accent1"/>
+          </a:fillRef>
+          <a:effectRef idx="0">
+            <a:schemeClr val="accent1"/>
+          </a:effectRef>
+          <a:fontRef idx="minor">
+            <a:schemeClr val="lt1"/>
+          </a:fontRef>
+        </p:style>
+        <p:txBody>
+          <a:bodyPr wrap="none" lIns="45720" rIns="45720" rtlCol="0" anchor="ctr"/>
+          <a:lstStyle/>
+          <a:p>
+            <a:r>
+              <a:rPr lang="en-US" sz="900" dirty="0">
+                <a:solidFill>
+                  <a:srgbClr val="000000"/>
+                </a:solidFill>
+                <a:latin typeface="Courier New" panose="02070309020205020404" pitchFamily="49" charset="0"/>
+                <a:cs typeface="Courier New" panose="02070309020205020404" pitchFamily="49" charset="0"/>
+              </a:rPr>
+              <a:t>64’d0</a:t>
+            </a:r>
+            <a:endParaRPr lang="en-US" sz="900" dirty="0">
+              <a:solidFill>
+                <a:srgbClr val="000000"/>
+              </a:solidFill>
+              <a:latin typeface="Courier New" panose="02070309020205020404" pitchFamily="49" charset="0"/>
+              <a:cs typeface="Courier New" panose="02070309020205020404" pitchFamily="49" charset="0"/>
+            </a:endParaRPr>
+          </a:p>
+        </p:txBody>
+      </p:sp>
+      <p:cxnSp>
+        <p:nvCxnSpPr>
+          <p:cNvPr id="445" name="Straight Connector 444"/>
+          <p:cNvCxnSpPr/>
+          <p:nvPr/>
+        </p:nvCxnSpPr>
+        <p:spPr>
+          <a:xfrm flipV="1">
+            <a:off x="838200" y="5791200"/>
+            <a:ext cx="152400" cy="152404"/>
+          </a:xfrm>
+          <a:prstGeom prst="line">
+            <a:avLst/>
+          </a:prstGeom>
+          <a:ln w="12700">
+            <a:solidFill>
+              <a:srgbClr val="000000"/>
+            </a:solidFill>
+            <a:headEnd type="none" w="med" len="med"/>
+            <a:tailEnd type="none" w="med" len="med"/>
+          </a:ln>
+        </p:spPr>
+        <p:style>
+          <a:lnRef idx="1">
+            <a:schemeClr val="accent1"/>
+          </a:lnRef>
+          <a:fillRef idx="0">
+            <a:schemeClr val="accent1"/>
+          </a:fillRef>
+          <a:effectRef idx="0">
+            <a:schemeClr val="accent1"/>
+          </a:effectRef>
+          <a:fontRef idx="minor">
+            <a:schemeClr val="tx1"/>
+          </a:fontRef>
+        </p:style>
+      </p:cxnSp>
+      <p:sp>
+        <p:nvSpPr>
+          <p:cNvPr id="446" name="Rectangle 445"/>
+          <p:cNvSpPr/>
+          <p:nvPr/>
+        </p:nvSpPr>
+        <p:spPr>
+          <a:xfrm>
+            <a:off x="1143000" y="5715000"/>
+            <a:ext cx="457200" cy="152400"/>
+          </a:xfrm>
+          <a:prstGeom prst="rect">
+            <a:avLst/>
+          </a:prstGeom>
+          <a:noFill/>
+          <a:ln>
+            <a:noFill/>
+          </a:ln>
+        </p:spPr>
+        <p:style>
+          <a:lnRef idx="2">
+            <a:schemeClr val="accent1">
+              <a:shade val="50000"/>
+            </a:schemeClr>
+          </a:lnRef>
+          <a:fillRef idx="1">
+            <a:schemeClr val="accent1"/>
+          </a:fillRef>
+          <a:effectRef idx="0">
+            <a:schemeClr val="accent1"/>
+          </a:effectRef>
+          <a:fontRef idx="minor">
+            <a:schemeClr val="lt1"/>
+          </a:fontRef>
+        </p:style>
+        <p:txBody>
+          <a:bodyPr wrap="none" lIns="45720" rIns="45720" rtlCol="0" anchor="ctr"/>
+          <a:lstStyle/>
+          <a:p>
+            <a:r>
+              <a:rPr lang="en-US" sz="900" dirty="0">
+                <a:solidFill>
+                  <a:srgbClr val="000000"/>
+                </a:solidFill>
+                <a:latin typeface="Courier New" panose="02070309020205020404" pitchFamily="49" charset="0"/>
+                <a:cs typeface="Courier New" panose="02070309020205020404" pitchFamily="49" charset="0"/>
+              </a:rPr>
+              <a:t>PATTERN</a:t>
+            </a:r>
+            <a:endParaRPr lang="en-US" sz="900" dirty="0">
+              <a:solidFill>
+                <a:srgbClr val="000000"/>
+              </a:solidFill>
+              <a:latin typeface="Courier New" panose="02070309020205020404" pitchFamily="49" charset="0"/>
+              <a:cs typeface="Courier New" panose="02070309020205020404" pitchFamily="49" charset="0"/>
+            </a:endParaRPr>
+          </a:p>
+        </p:txBody>
+      </p:sp>
+      <p:sp>
+        <p:nvSpPr>
+          <p:cNvPr id="447" name="Rectangle 446"/>
+          <p:cNvSpPr/>
+          <p:nvPr/>
+        </p:nvSpPr>
+        <p:spPr>
+          <a:xfrm>
+            <a:off x="838201" y="5715000"/>
+            <a:ext cx="152400" cy="76200"/>
+          </a:xfrm>
+          <a:prstGeom prst="rect">
+            <a:avLst/>
+          </a:prstGeom>
+          <a:noFill/>
+          <a:ln>
+            <a:noFill/>
+          </a:ln>
+        </p:spPr>
+        <p:style>
+          <a:lnRef idx="2">
+            <a:schemeClr val="accent1">
+              <a:shade val="50000"/>
+            </a:schemeClr>
+          </a:lnRef>
+          <a:fillRef idx="1">
+            <a:schemeClr val="accent1"/>
+          </a:fillRef>
+          <a:effectRef idx="0">
+            <a:schemeClr val="accent1"/>
+          </a:effectRef>
+          <a:fontRef idx="minor">
+            <a:schemeClr val="lt1"/>
+          </a:fontRef>
+        </p:style>
+        <p:txBody>
+          <a:bodyPr wrap="none" lIns="45720" rIns="45720" rtlCol="0" anchor="ctr"/>
+          <a:lstStyle/>
+          <a:p>
+            <a:pPr algn="ctr"/>
+            <a:r>
+              <a:rPr lang="en-US" sz="900" dirty="0">
+                <a:solidFill>
+                  <a:srgbClr val="000000"/>
+                </a:solidFill>
+                <a:latin typeface="Courier New" panose="02070309020205020404" pitchFamily="49" charset="0"/>
+                <a:cs typeface="Courier New" panose="02070309020205020404" pitchFamily="49" charset="0"/>
+              </a:rPr>
+              <a:t>2</a:t>
+            </a:r>
+            <a:endParaRPr lang="en-US" sz="900" dirty="0">
+              <a:solidFill>
+                <a:srgbClr val="000000"/>
+              </a:solidFill>
+              <a:latin typeface="Courier New" panose="02070309020205020404" pitchFamily="49" charset="0"/>
+              <a:cs typeface="Courier New" panose="02070309020205020404" pitchFamily="49" charset="0"/>
+            </a:endParaRPr>
+          </a:p>
+        </p:txBody>
+      </p:sp>
+      <p:sp>
+        <p:nvSpPr>
+          <p:cNvPr id="448" name="Pentagon 447"/>
+          <p:cNvSpPr/>
+          <p:nvPr/>
+        </p:nvSpPr>
+        <p:spPr>
+          <a:xfrm>
+            <a:off x="533400" y="5791200"/>
+            <a:ext cx="228600" cy="152400"/>
+          </a:xfrm>
+          <a:prstGeom prst="homePlate">
+            <a:avLst/>
+          </a:prstGeom>
+          <a:noFill/>
+          <a:ln w="12700">
+            <a:solidFill>
+              <a:schemeClr val="tx1"/>
+            </a:solidFill>
+          </a:ln>
+        </p:spPr>
+        <p:style>
+          <a:lnRef idx="2">
+            <a:schemeClr val="accent1">
+              <a:shade val="50000"/>
+            </a:schemeClr>
+          </a:lnRef>
+          <a:fillRef idx="1">
+            <a:schemeClr val="accent1"/>
+          </a:fillRef>
+          <a:effectRef idx="0">
+            <a:schemeClr val="accent1"/>
+          </a:effectRef>
+          <a:fontRef idx="minor">
+            <a:schemeClr val="lt1"/>
+          </a:fontRef>
+        </p:style>
+        <p:txBody>
+          <a:bodyPr rot="0" spcFirstLastPara="0" vertOverflow="overflow" horzOverflow="overflow" vert="horz" wrap="square" lIns="91440" tIns="45720" rIns="91440" bIns="45720" numCol="1" spcCol="0" rtlCol="0" fromWordArt="0" anchor="ctr" anchorCtr="0" forceAA="0" compatLnSpc="1">
+            <a:prstTxWarp prst="textNoShape">
+              <a:avLst/>
+            </a:prstTxWarp>
+            <a:noAutofit/>
+          </a:bodyPr>
+          <a:lstStyle/>
+          <a:p>
+            <a:pPr algn="ctr"/>
+            <a:endParaRPr lang="en-US" sz="3730"/>
+          </a:p>
+        </p:txBody>
+      </p:sp>
+      <p:cxnSp>
+        <p:nvCxnSpPr>
+          <p:cNvPr id="449" name="Straight Connector 448"/>
+          <p:cNvCxnSpPr>
+            <a:stCxn id="448" idx="3"/>
+          </p:cNvCxnSpPr>
+          <p:nvPr/>
+        </p:nvCxnSpPr>
+        <p:spPr>
+          <a:xfrm>
+            <a:off x="762000" y="5867400"/>
+            <a:ext cx="7543800" cy="0"/>
+          </a:xfrm>
+          <a:prstGeom prst="line">
+            <a:avLst/>
+          </a:prstGeom>
+          <a:ln w="12700">
+            <a:solidFill>
+              <a:srgbClr val="000000"/>
+            </a:solidFill>
+            <a:headEnd type="none" w="med" len="med"/>
+            <a:tailEnd type="none" w="med" len="med"/>
+          </a:ln>
+        </p:spPr>
+        <p:style>
+          <a:lnRef idx="1">
+            <a:schemeClr val="accent1"/>
+          </a:lnRef>
+          <a:fillRef idx="0">
+            <a:schemeClr val="accent1"/>
+          </a:fillRef>
+          <a:effectRef idx="0">
+            <a:schemeClr val="accent1"/>
+          </a:effectRef>
+          <a:fontRef idx="minor">
+            <a:schemeClr val="tx1"/>
+          </a:fontRef>
+        </p:style>
+      </p:cxnSp>
+      <p:cxnSp>
+        <p:nvCxnSpPr>
+          <p:cNvPr id="450" name="Straight Connector 449"/>
+          <p:cNvCxnSpPr/>
+          <p:nvPr/>
+        </p:nvCxnSpPr>
+        <p:spPr>
+          <a:xfrm>
+            <a:off x="8305800" y="5867400"/>
+            <a:ext cx="0" cy="1524000"/>
+          </a:xfrm>
+          <a:prstGeom prst="line">
+            <a:avLst/>
+          </a:prstGeom>
+          <a:ln w="12700">
+            <a:solidFill>
+              <a:srgbClr val="000000"/>
+            </a:solidFill>
+            <a:headEnd type="none" w="med" len="med"/>
+            <a:tailEnd type="none" w="med" len="med"/>
+          </a:ln>
+        </p:spPr>
+        <p:style>
+          <a:lnRef idx="1">
+            <a:schemeClr val="accent1"/>
+          </a:lnRef>
+          <a:fillRef idx="0">
+            <a:schemeClr val="accent1"/>
+          </a:fillRef>
+          <a:effectRef idx="0">
+            <a:schemeClr val="accent1"/>
+          </a:effectRef>
+          <a:fontRef idx="minor">
+            <a:schemeClr val="tx1"/>
+          </a:fontRef>
+        </p:style>
+      </p:cxnSp>
+      <p:cxnSp>
+        <p:nvCxnSpPr>
+          <p:cNvPr id="451" name="Straight Connector 450"/>
+          <p:cNvCxnSpPr/>
+          <p:nvPr/>
+        </p:nvCxnSpPr>
+        <p:spPr>
+          <a:xfrm flipV="1">
+            <a:off x="838200" y="5486400"/>
+            <a:ext cx="152400" cy="152404"/>
+          </a:xfrm>
+          <a:prstGeom prst="line">
+            <a:avLst/>
+          </a:prstGeom>
+          <a:ln w="12700">
+            <a:solidFill>
+              <a:srgbClr val="000000"/>
+            </a:solidFill>
+            <a:headEnd type="none" w="med" len="med"/>
+            <a:tailEnd type="none" w="med" len="med"/>
+          </a:ln>
+        </p:spPr>
+        <p:style>
+          <a:lnRef idx="1">
+            <a:schemeClr val="accent1"/>
+          </a:lnRef>
+          <a:fillRef idx="0">
+            <a:schemeClr val="accent1"/>
+          </a:fillRef>
+          <a:effectRef idx="0">
+            <a:schemeClr val="accent1"/>
+          </a:effectRef>
+          <a:fontRef idx="minor">
+            <a:schemeClr val="tx1"/>
+          </a:fontRef>
+        </p:style>
+      </p:cxnSp>
+      <p:sp>
+        <p:nvSpPr>
+          <p:cNvPr id="452" name="Rectangle 451"/>
+          <p:cNvSpPr/>
+          <p:nvPr/>
+        </p:nvSpPr>
+        <p:spPr>
+          <a:xfrm>
+            <a:off x="1143000" y="5410200"/>
+            <a:ext cx="457200" cy="152400"/>
+          </a:xfrm>
+          <a:prstGeom prst="rect">
+            <a:avLst/>
+          </a:prstGeom>
+          <a:noFill/>
+          <a:ln>
+            <a:noFill/>
+          </a:ln>
+        </p:spPr>
+        <p:style>
+          <a:lnRef idx="2">
+            <a:schemeClr val="accent1">
+              <a:shade val="50000"/>
+            </a:schemeClr>
+          </a:lnRef>
+          <a:fillRef idx="1">
+            <a:schemeClr val="accent1"/>
+          </a:fillRef>
+          <a:effectRef idx="0">
+            <a:schemeClr val="accent1"/>
+          </a:effectRef>
+          <a:fontRef idx="minor">
+            <a:schemeClr val="lt1"/>
+          </a:fontRef>
+        </p:style>
+        <p:txBody>
+          <a:bodyPr wrap="none" lIns="45720" rIns="45720" rtlCol="0" anchor="ctr"/>
+          <a:lstStyle/>
+          <a:p>
+            <a:r>
+              <a:rPr lang="en-US" sz="900" dirty="0">
+                <a:solidFill>
+                  <a:srgbClr val="000000"/>
+                </a:solidFill>
+                <a:latin typeface="Courier New" panose="02070309020205020404" pitchFamily="49" charset="0"/>
+                <a:cs typeface="Courier New" panose="02070309020205020404" pitchFamily="49" charset="0"/>
+              </a:rPr>
+              <a:t>INV</a:t>
+            </a:r>
+            <a:endParaRPr lang="en-US" sz="900" dirty="0">
+              <a:solidFill>
+                <a:srgbClr val="000000"/>
+              </a:solidFill>
+              <a:latin typeface="Courier New" panose="02070309020205020404" pitchFamily="49" charset="0"/>
+              <a:cs typeface="Courier New" panose="02070309020205020404" pitchFamily="49" charset="0"/>
+            </a:endParaRPr>
+          </a:p>
+        </p:txBody>
+      </p:sp>
+      <p:sp>
+        <p:nvSpPr>
+          <p:cNvPr id="453" name="Rectangle 452"/>
+          <p:cNvSpPr/>
+          <p:nvPr/>
+        </p:nvSpPr>
+        <p:spPr>
+          <a:xfrm>
+            <a:off x="838201" y="5410200"/>
+            <a:ext cx="152400" cy="76200"/>
+          </a:xfrm>
+          <a:prstGeom prst="rect">
+            <a:avLst/>
+          </a:prstGeom>
+          <a:noFill/>
+          <a:ln>
+            <a:noFill/>
+          </a:ln>
+        </p:spPr>
+        <p:style>
+          <a:lnRef idx="2">
+            <a:schemeClr val="accent1">
+              <a:shade val="50000"/>
+            </a:schemeClr>
+          </a:lnRef>
+          <a:fillRef idx="1">
+            <a:schemeClr val="accent1"/>
+          </a:fillRef>
+          <a:effectRef idx="0">
+            <a:schemeClr val="accent1"/>
+          </a:effectRef>
+          <a:fontRef idx="minor">
+            <a:schemeClr val="lt1"/>
+          </a:fontRef>
+        </p:style>
+        <p:txBody>
+          <a:bodyPr wrap="none" lIns="45720" rIns="45720" rtlCol="0" anchor="ctr"/>
+          <a:lstStyle/>
+          <a:p>
+            <a:pPr algn="ctr"/>
+            <a:r>
+              <a:rPr lang="en-US" sz="900" dirty="0">
+                <a:solidFill>
+                  <a:srgbClr val="000000"/>
+                </a:solidFill>
+                <a:latin typeface="Courier New" panose="02070309020205020404" pitchFamily="49" charset="0"/>
+                <a:cs typeface="Courier New" panose="02070309020205020404" pitchFamily="49" charset="0"/>
+              </a:rPr>
+              <a:t>1</a:t>
+            </a:r>
+            <a:endParaRPr lang="en-US" sz="900" dirty="0">
+              <a:solidFill>
+                <a:srgbClr val="000000"/>
+              </a:solidFill>
+              <a:latin typeface="Courier New" panose="02070309020205020404" pitchFamily="49" charset="0"/>
+              <a:cs typeface="Courier New" panose="02070309020205020404" pitchFamily="49" charset="0"/>
+            </a:endParaRPr>
+          </a:p>
+        </p:txBody>
+      </p:sp>
+      <p:sp>
+        <p:nvSpPr>
+          <p:cNvPr id="454" name="Pentagon 453"/>
+          <p:cNvSpPr/>
+          <p:nvPr/>
+        </p:nvSpPr>
+        <p:spPr>
+          <a:xfrm>
+            <a:off x="533400" y="5486400"/>
+            <a:ext cx="228600" cy="152400"/>
+          </a:xfrm>
+          <a:prstGeom prst="homePlate">
+            <a:avLst/>
+          </a:prstGeom>
+          <a:noFill/>
+          <a:ln w="12700">
+            <a:solidFill>
+              <a:schemeClr val="tx1"/>
+            </a:solidFill>
+          </a:ln>
+        </p:spPr>
+        <p:style>
+          <a:lnRef idx="2">
+            <a:schemeClr val="accent1">
+              <a:shade val="50000"/>
+            </a:schemeClr>
+          </a:lnRef>
+          <a:fillRef idx="1">
+            <a:schemeClr val="accent1"/>
+          </a:fillRef>
+          <a:effectRef idx="0">
+            <a:schemeClr val="accent1"/>
+          </a:effectRef>
+          <a:fontRef idx="minor">
+            <a:schemeClr val="lt1"/>
+          </a:fontRef>
+        </p:style>
+        <p:txBody>
+          <a:bodyPr rot="0" spcFirstLastPara="0" vertOverflow="overflow" horzOverflow="overflow" vert="horz" wrap="square" lIns="91440" tIns="45720" rIns="91440" bIns="45720" numCol="1" spcCol="0" rtlCol="0" fromWordArt="0" anchor="ctr" anchorCtr="0" forceAA="0" compatLnSpc="1">
+            <a:prstTxWarp prst="textNoShape">
+              <a:avLst/>
+            </a:prstTxWarp>
+            <a:noAutofit/>
+          </a:bodyPr>
+          <a:lstStyle/>
+          <a:p>
+            <a:pPr algn="ctr"/>
+            <a:endParaRPr lang="en-US" sz="3730"/>
+          </a:p>
+        </p:txBody>
+      </p:sp>
+      <p:cxnSp>
+        <p:nvCxnSpPr>
+          <p:cNvPr id="455" name="Straight Connector 454"/>
+          <p:cNvCxnSpPr>
+            <a:stCxn id="454" idx="3"/>
+          </p:cNvCxnSpPr>
+          <p:nvPr/>
+        </p:nvCxnSpPr>
+        <p:spPr>
+          <a:xfrm>
+            <a:off x="762000" y="5562600"/>
+            <a:ext cx="19812000" cy="0"/>
+          </a:xfrm>
+          <a:prstGeom prst="line">
+            <a:avLst/>
+          </a:prstGeom>
+          <a:ln w="12700">
+            <a:solidFill>
+              <a:srgbClr val="000000"/>
+            </a:solidFill>
+            <a:headEnd type="none" w="med" len="med"/>
+            <a:tailEnd type="none" w="med" len="med"/>
+          </a:ln>
+        </p:spPr>
+        <p:style>
+          <a:lnRef idx="1">
+            <a:schemeClr val="accent1"/>
+          </a:lnRef>
+          <a:fillRef idx="0">
+            <a:schemeClr val="accent1"/>
+          </a:fillRef>
+          <a:effectRef idx="0">
+            <a:schemeClr val="accent1"/>
+          </a:effectRef>
+          <a:fontRef idx="minor">
+            <a:schemeClr val="tx1"/>
+          </a:fontRef>
+        </p:style>
+      </p:cxnSp>
+      <p:sp>
+        <p:nvSpPr>
+          <p:cNvPr id="456" name="Trapezoid 455"/>
+          <p:cNvSpPr/>
+          <p:nvPr/>
+        </p:nvSpPr>
+        <p:spPr>
+          <a:xfrm rot="5400000">
+            <a:off x="20345400" y="8001000"/>
+            <a:ext cx="457200" cy="152400"/>
+          </a:xfrm>
+          <a:prstGeom prst="trapezoid">
+            <a:avLst>
+              <a:gd name="adj" fmla="val 110715"/>
+            </a:avLst>
+          </a:prstGeom>
+          <a:noFill/>
+          <a:ln w="12700">
+            <a:solidFill>
+              <a:srgbClr val="000000"/>
+            </a:solidFill>
+          </a:ln>
+        </p:spPr>
+        <p:style>
+          <a:lnRef idx="2">
+            <a:schemeClr val="accent1">
+              <a:shade val="50000"/>
+            </a:schemeClr>
+          </a:lnRef>
+          <a:fillRef idx="1">
+            <a:schemeClr val="accent1"/>
+          </a:fillRef>
+          <a:effectRef idx="0">
+            <a:schemeClr val="accent1"/>
+          </a:effectRef>
+          <a:fontRef idx="minor">
+            <a:schemeClr val="lt1"/>
+          </a:fontRef>
+        </p:style>
+        <p:txBody>
+          <a:bodyPr rtlCol="0" anchor="ctr"/>
+          <a:lstStyle/>
+          <a:p>
+            <a:pPr algn="ctr"/>
+            <a:endParaRPr lang="en-US" sz="3730"/>
+          </a:p>
+        </p:txBody>
+      </p:sp>
+      <p:sp>
+        <p:nvSpPr>
+          <p:cNvPr id="457" name="Rectangle 456"/>
+          <p:cNvSpPr/>
+          <p:nvPr/>
+        </p:nvSpPr>
+        <p:spPr>
+          <a:xfrm>
+            <a:off x="20497800" y="8077200"/>
+            <a:ext cx="152400" cy="152400"/>
+          </a:xfrm>
+          <a:prstGeom prst="rect">
+            <a:avLst/>
+          </a:prstGeom>
+          <a:noFill/>
+          <a:ln>
+            <a:noFill/>
+          </a:ln>
+        </p:spPr>
+        <p:style>
+          <a:lnRef idx="2">
+            <a:schemeClr val="accent1">
+              <a:shade val="50000"/>
+            </a:schemeClr>
+          </a:lnRef>
+          <a:fillRef idx="1">
+            <a:schemeClr val="accent1"/>
+          </a:fillRef>
+          <a:effectRef idx="0">
+            <a:schemeClr val="accent1"/>
+          </a:effectRef>
+          <a:fontRef idx="minor">
+            <a:schemeClr val="lt1"/>
+          </a:fontRef>
+        </p:style>
+        <p:txBody>
+          <a:bodyPr wrap="none" lIns="45720" rIns="45720" rtlCol="0" anchor="ctr"/>
+          <a:lstStyle/>
+          <a:p>
+            <a:pPr algn="ctr"/>
+            <a:r>
+              <a:rPr lang="en-US" sz="900" dirty="0">
+                <a:solidFill>
+                  <a:srgbClr val="000000"/>
+                </a:solidFill>
+                <a:latin typeface="Courier New" panose="02070309020205020404" pitchFamily="49" charset="0"/>
+                <a:cs typeface="Courier New" panose="02070309020205020404" pitchFamily="49" charset="0"/>
+              </a:rPr>
+              <a:t>0</a:t>
+            </a:r>
+            <a:endParaRPr lang="en-US" sz="900" dirty="0">
+              <a:solidFill>
+                <a:srgbClr val="000000"/>
+              </a:solidFill>
+              <a:latin typeface="Courier New" panose="02070309020205020404" pitchFamily="49" charset="0"/>
+              <a:cs typeface="Courier New" panose="02070309020205020404" pitchFamily="49" charset="0"/>
+            </a:endParaRPr>
+          </a:p>
+        </p:txBody>
+      </p:sp>
+      <p:sp>
+        <p:nvSpPr>
+          <p:cNvPr id="458" name="Rectangle 457"/>
+          <p:cNvSpPr/>
+          <p:nvPr/>
+        </p:nvSpPr>
+        <p:spPr>
+          <a:xfrm>
+            <a:off x="20497800" y="7924800"/>
+            <a:ext cx="152400" cy="152400"/>
+          </a:xfrm>
+          <a:prstGeom prst="rect">
+            <a:avLst/>
+          </a:prstGeom>
+          <a:noFill/>
+          <a:ln>
+            <a:noFill/>
+          </a:ln>
+        </p:spPr>
+        <p:style>
+          <a:lnRef idx="2">
+            <a:schemeClr val="accent1">
+              <a:shade val="50000"/>
+            </a:schemeClr>
+          </a:lnRef>
+          <a:fillRef idx="1">
+            <a:schemeClr val="accent1"/>
+          </a:fillRef>
+          <a:effectRef idx="0">
+            <a:schemeClr val="accent1"/>
+          </a:effectRef>
+          <a:fontRef idx="minor">
+            <a:schemeClr val="lt1"/>
+          </a:fontRef>
+        </p:style>
+        <p:txBody>
+          <a:bodyPr wrap="none" lIns="45720" rIns="45720" rtlCol="0" anchor="ctr"/>
+          <a:lstStyle/>
+          <a:p>
+            <a:pPr algn="ctr"/>
+            <a:r>
+              <a:rPr lang="en-US" sz="900" dirty="0">
+                <a:solidFill>
+                  <a:srgbClr val="000000"/>
+                </a:solidFill>
+                <a:latin typeface="Courier New" panose="02070309020205020404" pitchFamily="49" charset="0"/>
+                <a:cs typeface="Courier New" panose="02070309020205020404" pitchFamily="49" charset="0"/>
+              </a:rPr>
+              <a:t>1</a:t>
+            </a:r>
+            <a:endParaRPr lang="en-US" sz="900" dirty="0">
+              <a:solidFill>
+                <a:srgbClr val="000000"/>
+              </a:solidFill>
+              <a:latin typeface="Courier New" panose="02070309020205020404" pitchFamily="49" charset="0"/>
+              <a:cs typeface="Courier New" panose="02070309020205020404" pitchFamily="49" charset="0"/>
+            </a:endParaRPr>
+          </a:p>
+        </p:txBody>
+      </p:sp>
+      <p:cxnSp>
+        <p:nvCxnSpPr>
+          <p:cNvPr id="459" name="Straight Connector 458"/>
+          <p:cNvCxnSpPr>
+            <a:stCxn id="205" idx="3"/>
+          </p:cNvCxnSpPr>
+          <p:nvPr/>
+        </p:nvCxnSpPr>
+        <p:spPr>
+          <a:xfrm>
+            <a:off x="19431000" y="8229600"/>
+            <a:ext cx="1066800" cy="0"/>
+          </a:xfrm>
+          <a:prstGeom prst="line">
+            <a:avLst/>
+          </a:prstGeom>
+          <a:ln w="12700">
+            <a:solidFill>
+              <a:srgbClr val="000000"/>
+            </a:solidFill>
+            <a:headEnd type="none" w="med" len="med"/>
+            <a:tailEnd type="none" w="med" len="med"/>
+          </a:ln>
+        </p:spPr>
+        <p:style>
+          <a:lnRef idx="1">
+            <a:schemeClr val="accent1"/>
+          </a:lnRef>
+          <a:fillRef idx="0">
+            <a:schemeClr val="accent1"/>
+          </a:fillRef>
+          <a:effectRef idx="0">
+            <a:schemeClr val="accent1"/>
+          </a:effectRef>
+          <a:fontRef idx="minor">
+            <a:schemeClr val="tx1"/>
+          </a:fontRef>
+        </p:style>
+      </p:cxnSp>
+      <p:cxnSp>
+        <p:nvCxnSpPr>
+          <p:cNvPr id="461" name="Straight Connector 460"/>
+          <p:cNvCxnSpPr/>
+          <p:nvPr/>
+        </p:nvCxnSpPr>
+        <p:spPr>
+          <a:xfrm>
+            <a:off x="20574000" y="5562600"/>
+            <a:ext cx="0" cy="2362200"/>
+          </a:xfrm>
+          <a:prstGeom prst="line">
+            <a:avLst/>
+          </a:prstGeom>
+          <a:ln w="12700">
+            <a:solidFill>
+              <a:srgbClr val="000000"/>
+            </a:solidFill>
+            <a:headEnd type="none" w="med" len="med"/>
+            <a:tailEnd type="none" w="med" len="med"/>
+          </a:ln>
+        </p:spPr>
+        <p:style>
+          <a:lnRef idx="1">
+            <a:schemeClr val="accent1"/>
+          </a:lnRef>
+          <a:fillRef idx="0">
+            <a:schemeClr val="accent1"/>
+          </a:fillRef>
+          <a:effectRef idx="0">
+            <a:schemeClr val="accent1"/>
+          </a:effectRef>
+          <a:fontRef idx="minor">
+            <a:schemeClr val="tx1"/>
+          </a:fontRef>
+        </p:style>
+      </p:cxnSp>
+      <p:sp>
+        <p:nvSpPr>
+          <p:cNvPr id="462" name="Oval 461"/>
+          <p:cNvSpPr/>
+          <p:nvPr/>
+        </p:nvSpPr>
+        <p:spPr>
+          <a:xfrm>
+            <a:off x="20345400" y="7848600"/>
+            <a:ext cx="152400" cy="152400"/>
+          </a:xfrm>
+          <a:prstGeom prst="ellipse">
+            <a:avLst/>
+          </a:prstGeom>
+          <a:noFill/>
+          <a:ln>
+            <a:solidFill>
+              <a:schemeClr val="tx1"/>
+            </a:solidFill>
+          </a:ln>
+        </p:spPr>
+        <p:style>
+          <a:lnRef idx="2">
+            <a:schemeClr val="accent1">
+              <a:shade val="50000"/>
+            </a:schemeClr>
+          </a:lnRef>
+          <a:fillRef idx="1">
+            <a:schemeClr val="accent1"/>
+          </a:fillRef>
+          <a:effectRef idx="0">
+            <a:schemeClr val="accent1"/>
+          </a:effectRef>
+          <a:fontRef idx="minor">
+            <a:schemeClr val="lt1"/>
+          </a:fontRef>
+        </p:style>
+        <p:txBody>
+          <a:bodyPr rtlCol="0" anchor="ctr"/>
+          <a:lstStyle/>
+          <a:p>
+            <a:pPr algn="ctr"/>
+            <a:endParaRPr lang="en-US"/>
+          </a:p>
+        </p:txBody>
+      </p:sp>
+      <p:cxnSp>
+        <p:nvCxnSpPr>
+          <p:cNvPr id="463" name="Straight Connector 462"/>
+          <p:cNvCxnSpPr/>
+          <p:nvPr/>
+        </p:nvCxnSpPr>
+        <p:spPr>
+          <a:xfrm>
+            <a:off x="19812000" y="7924800"/>
+            <a:ext cx="533400" cy="0"/>
+          </a:xfrm>
+          <a:prstGeom prst="line">
+            <a:avLst/>
+          </a:prstGeom>
+          <a:ln w="12700">
+            <a:solidFill>
+              <a:srgbClr val="000000"/>
+            </a:solidFill>
+            <a:headEnd type="none" w="med" len="med"/>
+            <a:tailEnd type="none" w="med" len="med"/>
+          </a:ln>
+        </p:spPr>
+        <p:style>
+          <a:lnRef idx="1">
+            <a:schemeClr val="accent1"/>
+          </a:lnRef>
+          <a:fillRef idx="0">
+            <a:schemeClr val="accent1"/>
+          </a:fillRef>
+          <a:effectRef idx="0">
+            <a:schemeClr val="accent1"/>
+          </a:effectRef>
+          <a:fontRef idx="minor">
+            <a:schemeClr val="tx1"/>
+          </a:fontRef>
+        </p:style>
+      </p:cxnSp>
+      <p:cxnSp>
+        <p:nvCxnSpPr>
+          <p:cNvPr id="464" name="Straight Connector 463"/>
+          <p:cNvCxnSpPr/>
+          <p:nvPr/>
+        </p:nvCxnSpPr>
+        <p:spPr>
+          <a:xfrm flipV="1">
+            <a:off x="19812000" y="7924800"/>
+            <a:ext cx="0" cy="304800"/>
+          </a:xfrm>
+          <a:prstGeom prst="line">
+            <a:avLst/>
+          </a:prstGeom>
+          <a:ln w="12700">
+            <a:solidFill>
+              <a:srgbClr val="000000"/>
+            </a:solidFill>
+            <a:headEnd type="oval" w="med" len="med"/>
+            <a:tailEnd type="none" w="med" len="med"/>
+          </a:ln>
+        </p:spPr>
+        <p:style>
+          <a:lnRef idx="1">
+            <a:schemeClr val="accent1"/>
+          </a:lnRef>
+          <a:fillRef idx="0">
+            <a:schemeClr val="accent1"/>
+          </a:fillRef>
+          <a:effectRef idx="0">
+            <a:schemeClr val="accent1"/>
+          </a:effectRef>
+          <a:fontRef idx="minor">
+            <a:schemeClr val="tx1"/>
+          </a:fontRef>
+        </p:style>
+      </p:cxnSp>
     </p:spTree>
     <p:extLst>
       <p:ext uri="{BB962C8B-B14F-4D97-AF65-F5344CB8AC3E}">
